--- a/.idea/CS4347-Project-Presentation-PB-MF-YH-JV-NR-SP-DD.pptx
+++ b/.idea/CS4347-Project-Presentation-PB-MF-YH-JV-NR-SP-DD.pptx
@@ -17,19 +17,24 @@
     <p:sldId id="287" r:id="rId14"/>
     <p:sldId id="278" r:id="rId15"/>
     <p:sldId id="283" r:id="rId16"/>
-    <p:sldId id="279" r:id="rId17"/>
-    <p:sldId id="284" r:id="rId18"/>
-    <p:sldId id="280" r:id="rId19"/>
-    <p:sldId id="285" r:id="rId20"/>
-    <p:sldId id="281" r:id="rId21"/>
-    <p:sldId id="286" r:id="rId22"/>
-    <p:sldId id="268" r:id="rId23"/>
-    <p:sldId id="282" r:id="rId24"/>
-    <p:sldId id="277" r:id="rId25"/>
-    <p:sldId id="261" r:id="rId26"/>
-    <p:sldId id="267" r:id="rId27"/>
-    <p:sldId id="257" r:id="rId28"/>
-    <p:sldId id="258" r:id="rId29"/>
+    <p:sldId id="289" r:id="rId17"/>
+    <p:sldId id="290" r:id="rId18"/>
+    <p:sldId id="279" r:id="rId19"/>
+    <p:sldId id="284" r:id="rId20"/>
+    <p:sldId id="291" r:id="rId21"/>
+    <p:sldId id="292" r:id="rId22"/>
+    <p:sldId id="280" r:id="rId23"/>
+    <p:sldId id="285" r:id="rId24"/>
+    <p:sldId id="293" r:id="rId25"/>
+    <p:sldId id="281" r:id="rId26"/>
+    <p:sldId id="286" r:id="rId27"/>
+    <p:sldId id="268" r:id="rId28"/>
+    <p:sldId id="282" r:id="rId29"/>
+    <p:sldId id="277" r:id="rId30"/>
+    <p:sldId id="261" r:id="rId31"/>
+    <p:sldId id="267" r:id="rId32"/>
+    <p:sldId id="257" r:id="rId33"/>
+    <p:sldId id="258" r:id="rId34"/>
   </p:sldIdLst>
   <p:sldSz cx="12192000" cy="6858000"/>
   <p:notesSz cx="6858000" cy="9144000"/>
@@ -139,11 +144,829 @@
 <file path=ppt/revisionInfo.xml><?xml version="1.0" encoding="utf-8"?>
 <p1510:revInfo xmlns:a="http://schemas.openxmlformats.org/drawingml/2006/main" xmlns:r="http://schemas.openxmlformats.org/officeDocument/2006/relationships" xmlns:p1510="http://schemas.microsoft.com/office/powerpoint/2015/10/main">
   <p1510:revLst>
+    <p1510:client id="{12FA4ADB-FE04-41F0-A15B-F8F83ECF06C8}" v="1" dt="2024-11-17T23:08:03.561"/>
     <p1510:client id="{2CCDEB7A-552E-4CCC-98D3-0ADB4D16BF30}" v="2878" dt="2024-11-17T20:13:00.111"/>
     <p1510:client id="{DF376486-A2A5-AD93-8DC6-4D9876EF2213}" v="7" dt="2024-11-17T15:57:20.103"/>
-    <p1510:client id="{EA10B29A-107F-0615-6B7A-99724618C0B4}" v="123" dt="2024-11-16T21:42:46.266"/>
   </p1510:revLst>
 </p1510:revInfo>
+</file>
+
+<file path=ppt/changesInfos/changesInfo1.xml><?xml version="1.0" encoding="utf-8"?>
+<pc:chgInfo xmlns:a="http://schemas.openxmlformats.org/drawingml/2006/main" xmlns:r="http://schemas.openxmlformats.org/officeDocument/2006/relationships" xmlns:ac="http://schemas.microsoft.com/office/drawing/2013/main/command" xmlns:pc="http://schemas.microsoft.com/office/powerpoint/2013/main/command">
+  <pc:docChgLst>
+    <pc:chgData name="Paul Barela" userId="6b4a9e942503a342" providerId="LiveId" clId="{12FA4ADB-FE04-41F0-A15B-F8F83ECF06C8}"/>
+    <pc:docChg chg="undo custSel addSld delSld modSld">
+      <pc:chgData name="Paul Barela" userId="6b4a9e942503a342" providerId="LiveId" clId="{12FA4ADB-FE04-41F0-A15B-F8F83ECF06C8}" dt="2024-11-17T23:47:15.220" v="409" actId="1076"/>
+      <pc:docMkLst>
+        <pc:docMk/>
+      </pc:docMkLst>
+      <pc:sldChg chg="modSp mod">
+        <pc:chgData name="Paul Barela" userId="6b4a9e942503a342" providerId="LiveId" clId="{12FA4ADB-FE04-41F0-A15B-F8F83ECF06C8}" dt="2024-11-17T22:20:26.043" v="0" actId="20577"/>
+        <pc:sldMkLst>
+          <pc:docMk/>
+          <pc:sldMk cId="678295679" sldId="256"/>
+        </pc:sldMkLst>
+        <pc:spChg chg="mod">
+          <ac:chgData name="Paul Barela" userId="6b4a9e942503a342" providerId="LiveId" clId="{12FA4ADB-FE04-41F0-A15B-F8F83ECF06C8}" dt="2024-11-17T22:20:26.043" v="0" actId="20577"/>
+          <ac:spMkLst>
+            <pc:docMk/>
+            <pc:sldMk cId="678295679" sldId="256"/>
+            <ac:spMk id="3" creationId="{1D992543-C645-5E38-3F75-B558ED6B0A8B}"/>
+          </ac:spMkLst>
+        </pc:spChg>
+      </pc:sldChg>
+      <pc:sldChg chg="addSp delSp modSp mod setBg">
+        <pc:chgData name="Paul Barela" userId="6b4a9e942503a342" providerId="LiveId" clId="{12FA4ADB-FE04-41F0-A15B-F8F83ECF06C8}" dt="2024-11-17T23:11:27.415" v="82" actId="27614"/>
+        <pc:sldMkLst>
+          <pc:docMk/>
+          <pc:sldMk cId="1375560455" sldId="283"/>
+        </pc:sldMkLst>
+        <pc:spChg chg="mod">
+          <ac:chgData name="Paul Barela" userId="6b4a9e942503a342" providerId="LiveId" clId="{12FA4ADB-FE04-41F0-A15B-F8F83ECF06C8}" dt="2024-11-17T23:11:04.915" v="79" actId="26606"/>
+          <ac:spMkLst>
+            <pc:docMk/>
+            <pc:sldMk cId="1375560455" sldId="283"/>
+            <ac:spMk id="2" creationId="{1011F8B9-E87C-1BCD-BFB6-00D22ECC52C8}"/>
+          </ac:spMkLst>
+        </pc:spChg>
+        <pc:spChg chg="add">
+          <ac:chgData name="Paul Barela" userId="6b4a9e942503a342" providerId="LiveId" clId="{12FA4ADB-FE04-41F0-A15B-F8F83ECF06C8}" dt="2024-11-17T23:11:04.915" v="79" actId="26606"/>
+          <ac:spMkLst>
+            <pc:docMk/>
+            <pc:sldMk cId="1375560455" sldId="283"/>
+            <ac:spMk id="19" creationId="{7C98A213-5994-475E-B327-DC6EC27FBA8B}"/>
+          </ac:spMkLst>
+        </pc:spChg>
+        <pc:spChg chg="add">
+          <ac:chgData name="Paul Barela" userId="6b4a9e942503a342" providerId="LiveId" clId="{12FA4ADB-FE04-41F0-A15B-F8F83ECF06C8}" dt="2024-11-17T23:11:04.915" v="79" actId="26606"/>
+          <ac:spMkLst>
+            <pc:docMk/>
+            <pc:sldMk cId="1375560455" sldId="283"/>
+            <ac:spMk id="21" creationId="{4B030A0D-0DAD-4A99-89BB-419527D6A64B}"/>
+          </ac:spMkLst>
+        </pc:spChg>
+        <pc:picChg chg="add mod">
+          <ac:chgData name="Paul Barela" userId="6b4a9e942503a342" providerId="LiveId" clId="{12FA4ADB-FE04-41F0-A15B-F8F83ECF06C8}" dt="2024-11-17T23:11:27.220" v="81" actId="27614"/>
+          <ac:picMkLst>
+            <pc:docMk/>
+            <pc:sldMk cId="1375560455" sldId="283"/>
+            <ac:picMk id="4" creationId="{4B323ACE-8896-76FC-80D5-C2A6C4F866A3}"/>
+          </ac:picMkLst>
+        </pc:picChg>
+        <pc:picChg chg="add mod">
+          <ac:chgData name="Paul Barela" userId="6b4a9e942503a342" providerId="LiveId" clId="{12FA4ADB-FE04-41F0-A15B-F8F83ECF06C8}" dt="2024-11-17T23:11:27.215" v="80" actId="27614"/>
+          <ac:picMkLst>
+            <pc:docMk/>
+            <pc:sldMk cId="1375560455" sldId="283"/>
+            <ac:picMk id="6" creationId="{752AC1D9-C0B4-EE69-A287-31FEC667E649}"/>
+          </ac:picMkLst>
+        </pc:picChg>
+        <pc:picChg chg="add del mod">
+          <ac:chgData name="Paul Barela" userId="6b4a9e942503a342" providerId="LiveId" clId="{12FA4ADB-FE04-41F0-A15B-F8F83ECF06C8}" dt="2024-11-17T23:08:02.123" v="48" actId="21"/>
+          <ac:picMkLst>
+            <pc:docMk/>
+            <pc:sldMk cId="1375560455" sldId="283"/>
+            <ac:picMk id="8" creationId="{0CF2DDE1-694F-A20C-517E-008F63E47094}"/>
+          </ac:picMkLst>
+        </pc:picChg>
+        <pc:picChg chg="add del">
+          <ac:chgData name="Paul Barela" userId="6b4a9e942503a342" providerId="LiveId" clId="{12FA4ADB-FE04-41F0-A15B-F8F83ECF06C8}" dt="2024-11-17T23:08:43.013" v="51" actId="478"/>
+          <ac:picMkLst>
+            <pc:docMk/>
+            <pc:sldMk cId="1375560455" sldId="283"/>
+            <ac:picMk id="10" creationId="{804CAF49-9F5E-5BBF-1FFB-CB230777D5D9}"/>
+          </ac:picMkLst>
+        </pc:picChg>
+        <pc:picChg chg="add del">
+          <ac:chgData name="Paul Barela" userId="6b4a9e942503a342" providerId="LiveId" clId="{12FA4ADB-FE04-41F0-A15B-F8F83ECF06C8}" dt="2024-11-17T23:09:12.384" v="53" actId="478"/>
+          <ac:picMkLst>
+            <pc:docMk/>
+            <pc:sldMk cId="1375560455" sldId="283"/>
+            <ac:picMk id="12" creationId="{E01CE51F-D825-51D9-263C-69813C586595}"/>
+          </ac:picMkLst>
+        </pc:picChg>
+        <pc:picChg chg="add mod ord">
+          <ac:chgData name="Paul Barela" userId="6b4a9e942503a342" providerId="LiveId" clId="{12FA4ADB-FE04-41F0-A15B-F8F83ECF06C8}" dt="2024-11-17T23:11:27.415" v="82" actId="27614"/>
+          <ac:picMkLst>
+            <pc:docMk/>
+            <pc:sldMk cId="1375560455" sldId="283"/>
+            <ac:picMk id="14" creationId="{9619DE98-23F7-1C9A-5BE2-2C60A59385E8}"/>
+          </ac:picMkLst>
+        </pc:picChg>
+      </pc:sldChg>
+      <pc:sldChg chg="addSp delSp modSp mod setBg">
+        <pc:chgData name="Paul Barela" userId="6b4a9e942503a342" providerId="LiveId" clId="{12FA4ADB-FE04-41F0-A15B-F8F83ECF06C8}" dt="2024-11-17T23:34:56.261" v="208" actId="1076"/>
+        <pc:sldMkLst>
+          <pc:docMk/>
+          <pc:sldMk cId="3184911814" sldId="284"/>
+        </pc:sldMkLst>
+        <pc:spChg chg="mod">
+          <ac:chgData name="Paul Barela" userId="6b4a9e942503a342" providerId="LiveId" clId="{12FA4ADB-FE04-41F0-A15B-F8F83ECF06C8}" dt="2024-11-17T23:34:30.395" v="197" actId="26606"/>
+          <ac:spMkLst>
+            <pc:docMk/>
+            <pc:sldMk cId="3184911814" sldId="284"/>
+            <ac:spMk id="2" creationId="{16079329-BB1A-DED9-A658-2A5F12F0D599}"/>
+          </ac:spMkLst>
+        </pc:spChg>
+        <pc:spChg chg="add">
+          <ac:chgData name="Paul Barela" userId="6b4a9e942503a342" providerId="LiveId" clId="{12FA4ADB-FE04-41F0-A15B-F8F83ECF06C8}" dt="2024-11-17T23:34:30.395" v="197" actId="26606"/>
+          <ac:spMkLst>
+            <pc:docMk/>
+            <pc:sldMk cId="3184911814" sldId="284"/>
+            <ac:spMk id="15" creationId="{7C98A213-5994-475E-B327-DC6EC27FBA8B}"/>
+          </ac:spMkLst>
+        </pc:spChg>
+        <pc:spChg chg="add">
+          <ac:chgData name="Paul Barela" userId="6b4a9e942503a342" providerId="LiveId" clId="{12FA4ADB-FE04-41F0-A15B-F8F83ECF06C8}" dt="2024-11-17T23:34:30.395" v="197" actId="26606"/>
+          <ac:spMkLst>
+            <pc:docMk/>
+            <pc:sldMk cId="3184911814" sldId="284"/>
+            <ac:spMk id="17" creationId="{4B030A0D-0DAD-4A99-89BB-419527D6A64B}"/>
+          </ac:spMkLst>
+        </pc:spChg>
+        <pc:picChg chg="add del">
+          <ac:chgData name="Paul Barela" userId="6b4a9e942503a342" providerId="LiveId" clId="{12FA4ADB-FE04-41F0-A15B-F8F83ECF06C8}" dt="2024-11-17T23:04:02.097" v="13" actId="22"/>
+          <ac:picMkLst>
+            <pc:docMk/>
+            <pc:sldMk cId="3184911814" sldId="284"/>
+            <ac:picMk id="4" creationId="{0796E981-92C2-6A37-3876-97D798942A6E}"/>
+          </ac:picMkLst>
+        </pc:picChg>
+        <pc:picChg chg="add mod">
+          <ac:chgData name="Paul Barela" userId="6b4a9e942503a342" providerId="LiveId" clId="{12FA4ADB-FE04-41F0-A15B-F8F83ECF06C8}" dt="2024-11-17T23:34:42.055" v="202" actId="14100"/>
+          <ac:picMkLst>
+            <pc:docMk/>
+            <pc:sldMk cId="3184911814" sldId="284"/>
+            <ac:picMk id="6" creationId="{42422A77-6E7D-CD47-033A-D352E095B09C}"/>
+          </ac:picMkLst>
+        </pc:picChg>
+        <pc:picChg chg="add mod">
+          <ac:chgData name="Paul Barela" userId="6b4a9e942503a342" providerId="LiveId" clId="{12FA4ADB-FE04-41F0-A15B-F8F83ECF06C8}" dt="2024-11-17T23:34:56.261" v="208" actId="1076"/>
+          <ac:picMkLst>
+            <pc:docMk/>
+            <pc:sldMk cId="3184911814" sldId="284"/>
+            <ac:picMk id="8" creationId="{C6A05BE1-6DF2-2D65-B39D-836BD59E3D59}"/>
+          </ac:picMkLst>
+        </pc:picChg>
+        <pc:picChg chg="add mod">
+          <ac:chgData name="Paul Barela" userId="6b4a9e942503a342" providerId="LiveId" clId="{12FA4ADB-FE04-41F0-A15B-F8F83ECF06C8}" dt="2024-11-17T23:34:51.576" v="207" actId="1076"/>
+          <ac:picMkLst>
+            <pc:docMk/>
+            <pc:sldMk cId="3184911814" sldId="284"/>
+            <ac:picMk id="10" creationId="{DC4D82B1-B34A-C41E-87F1-3A368B75B6F2}"/>
+          </ac:picMkLst>
+        </pc:picChg>
+      </pc:sldChg>
+      <pc:sldChg chg="addSp delSp modSp mod setBg">
+        <pc:chgData name="Paul Barela" userId="6b4a9e942503a342" providerId="LiveId" clId="{12FA4ADB-FE04-41F0-A15B-F8F83ECF06C8}" dt="2024-11-17T23:42:15.575" v="311" actId="1076"/>
+        <pc:sldMkLst>
+          <pc:docMk/>
+          <pc:sldMk cId="1803299436" sldId="285"/>
+        </pc:sldMkLst>
+        <pc:spChg chg="mod">
+          <ac:chgData name="Paul Barela" userId="6b4a9e942503a342" providerId="LiveId" clId="{12FA4ADB-FE04-41F0-A15B-F8F83ECF06C8}" dt="2024-11-17T23:42:02.802" v="305" actId="26606"/>
+          <ac:spMkLst>
+            <pc:docMk/>
+            <pc:sldMk cId="1803299436" sldId="285"/>
+            <ac:spMk id="2" creationId="{F365F436-B59A-6C50-7F06-A40744741A8D}"/>
+          </ac:spMkLst>
+        </pc:spChg>
+        <pc:spChg chg="add">
+          <ac:chgData name="Paul Barela" userId="6b4a9e942503a342" providerId="LiveId" clId="{12FA4ADB-FE04-41F0-A15B-F8F83ECF06C8}" dt="2024-11-17T23:42:02.802" v="305" actId="26606"/>
+          <ac:spMkLst>
+            <pc:docMk/>
+            <pc:sldMk cId="1803299436" sldId="285"/>
+            <ac:spMk id="15" creationId="{C4879EFC-8E62-4E00-973C-C45EE9EC676D}"/>
+          </ac:spMkLst>
+        </pc:spChg>
+        <pc:spChg chg="add">
+          <ac:chgData name="Paul Barela" userId="6b4a9e942503a342" providerId="LiveId" clId="{12FA4ADB-FE04-41F0-A15B-F8F83ECF06C8}" dt="2024-11-17T23:42:02.802" v="305" actId="26606"/>
+          <ac:spMkLst>
+            <pc:docMk/>
+            <pc:sldMk cId="1803299436" sldId="285"/>
+            <ac:spMk id="17" creationId="{D6A9C53F-5F90-40A5-8C85-5412D39C8C68}"/>
+          </ac:spMkLst>
+        </pc:spChg>
+        <pc:picChg chg="add del">
+          <ac:chgData name="Paul Barela" userId="6b4a9e942503a342" providerId="LiveId" clId="{12FA4ADB-FE04-41F0-A15B-F8F83ECF06C8}" dt="2024-11-17T23:39:54.398" v="252" actId="478"/>
+          <ac:picMkLst>
+            <pc:docMk/>
+            <pc:sldMk cId="1803299436" sldId="285"/>
+            <ac:picMk id="4" creationId="{A677AC4E-6953-A7CF-32C7-2A226315378C}"/>
+          </ac:picMkLst>
+        </pc:picChg>
+        <pc:picChg chg="add mod">
+          <ac:chgData name="Paul Barela" userId="6b4a9e942503a342" providerId="LiveId" clId="{12FA4ADB-FE04-41F0-A15B-F8F83ECF06C8}" dt="2024-11-17T23:42:07.708" v="308" actId="1076"/>
+          <ac:picMkLst>
+            <pc:docMk/>
+            <pc:sldMk cId="1803299436" sldId="285"/>
+            <ac:picMk id="6" creationId="{11E849EB-1D48-D508-169B-F611A7428F2E}"/>
+          </ac:picMkLst>
+        </pc:picChg>
+        <pc:picChg chg="add del mod">
+          <ac:chgData name="Paul Barela" userId="6b4a9e942503a342" providerId="LiveId" clId="{12FA4ADB-FE04-41F0-A15B-F8F83ECF06C8}" dt="2024-11-17T23:40:50.223" v="256" actId="478"/>
+          <ac:picMkLst>
+            <pc:docMk/>
+            <pc:sldMk cId="1803299436" sldId="285"/>
+            <ac:picMk id="8" creationId="{9756BCBF-D150-C9A9-8FB2-13D53FD5DE76}"/>
+          </ac:picMkLst>
+        </pc:picChg>
+        <pc:picChg chg="add mod">
+          <ac:chgData name="Paul Barela" userId="6b4a9e942503a342" providerId="LiveId" clId="{12FA4ADB-FE04-41F0-A15B-F8F83ECF06C8}" dt="2024-11-17T23:42:15.575" v="311" actId="1076"/>
+          <ac:picMkLst>
+            <pc:docMk/>
+            <pc:sldMk cId="1803299436" sldId="285"/>
+            <ac:picMk id="10" creationId="{33576B1E-A51B-114C-728A-218B865131A9}"/>
+          </ac:picMkLst>
+        </pc:picChg>
+      </pc:sldChg>
+      <pc:sldChg chg="addSp delSp modSp mod setBg">
+        <pc:chgData name="Paul Barela" userId="6b4a9e942503a342" providerId="LiveId" clId="{12FA4ADB-FE04-41F0-A15B-F8F83ECF06C8}" dt="2024-11-17T23:47:15.220" v="409" actId="1076"/>
+        <pc:sldMkLst>
+          <pc:docMk/>
+          <pc:sldMk cId="4190498982" sldId="286"/>
+        </pc:sldMkLst>
+        <pc:spChg chg="mod">
+          <ac:chgData name="Paul Barela" userId="6b4a9e942503a342" providerId="LiveId" clId="{12FA4ADB-FE04-41F0-A15B-F8F83ECF06C8}" dt="2024-11-17T23:46:52.779" v="395" actId="26606"/>
+          <ac:spMkLst>
+            <pc:docMk/>
+            <pc:sldMk cId="4190498982" sldId="286"/>
+            <ac:spMk id="2" creationId="{976B5143-966B-D8FA-DEB7-551CFAC1B4A2}"/>
+          </ac:spMkLst>
+        </pc:spChg>
+        <pc:spChg chg="add">
+          <ac:chgData name="Paul Barela" userId="6b4a9e942503a342" providerId="LiveId" clId="{12FA4ADB-FE04-41F0-A15B-F8F83ECF06C8}" dt="2024-11-17T23:46:52.779" v="395" actId="26606"/>
+          <ac:spMkLst>
+            <pc:docMk/>
+            <pc:sldMk cId="4190498982" sldId="286"/>
+            <ac:spMk id="19" creationId="{18F923FF-DD0C-4FD3-A1B4-68DFA511C82D}"/>
+          </ac:spMkLst>
+        </pc:spChg>
+        <pc:spChg chg="add">
+          <ac:chgData name="Paul Barela" userId="6b4a9e942503a342" providerId="LiveId" clId="{12FA4ADB-FE04-41F0-A15B-F8F83ECF06C8}" dt="2024-11-17T23:46:52.779" v="395" actId="26606"/>
+          <ac:spMkLst>
+            <pc:docMk/>
+            <pc:sldMk cId="4190498982" sldId="286"/>
+            <ac:spMk id="21" creationId="{114A821F-8663-46BA-8CC0-D4C44F639F3A}"/>
+          </ac:spMkLst>
+        </pc:spChg>
+        <pc:spChg chg="add">
+          <ac:chgData name="Paul Barela" userId="6b4a9e942503a342" providerId="LiveId" clId="{12FA4ADB-FE04-41F0-A15B-F8F83ECF06C8}" dt="2024-11-17T23:46:52.779" v="395" actId="26606"/>
+          <ac:spMkLst>
+            <pc:docMk/>
+            <pc:sldMk cId="4190498982" sldId="286"/>
+            <ac:spMk id="23" creationId="{67EF550F-47CE-4FB2-9DAC-12AD835C833D}"/>
+          </ac:spMkLst>
+        </pc:spChg>
+        <pc:picChg chg="add del mod">
+          <ac:chgData name="Paul Barela" userId="6b4a9e942503a342" providerId="LiveId" clId="{12FA4ADB-FE04-41F0-A15B-F8F83ECF06C8}" dt="2024-11-17T23:45:57.786" v="386" actId="478"/>
+          <ac:picMkLst>
+            <pc:docMk/>
+            <pc:sldMk cId="4190498982" sldId="286"/>
+            <ac:picMk id="4" creationId="{826FE05E-2A8A-D68A-B3D1-F8D0C6E27142}"/>
+          </ac:picMkLst>
+        </pc:picChg>
+        <pc:picChg chg="add mod ord">
+          <ac:chgData name="Paul Barela" userId="6b4a9e942503a342" providerId="LiveId" clId="{12FA4ADB-FE04-41F0-A15B-F8F83ECF06C8}" dt="2024-11-17T23:47:01.002" v="405" actId="1076"/>
+          <ac:picMkLst>
+            <pc:docMk/>
+            <pc:sldMk cId="4190498982" sldId="286"/>
+            <ac:picMk id="6" creationId="{2A425C8D-0A00-D094-E427-07AE4824B4AD}"/>
+          </ac:picMkLst>
+        </pc:picChg>
+        <pc:picChg chg="add del mod">
+          <ac:chgData name="Paul Barela" userId="6b4a9e942503a342" providerId="LiveId" clId="{12FA4ADB-FE04-41F0-A15B-F8F83ECF06C8}" dt="2024-11-17T23:46:09.966" v="389" actId="478"/>
+          <ac:picMkLst>
+            <pc:docMk/>
+            <pc:sldMk cId="4190498982" sldId="286"/>
+            <ac:picMk id="8" creationId="{D23F476A-3B08-355F-9E18-BCA0C4F183C6}"/>
+          </ac:picMkLst>
+        </pc:picChg>
+        <pc:picChg chg="add mod">
+          <ac:chgData name="Paul Barela" userId="6b4a9e942503a342" providerId="LiveId" clId="{12FA4ADB-FE04-41F0-A15B-F8F83ECF06C8}" dt="2024-11-17T23:46:54.764" v="400" actId="27614"/>
+          <ac:picMkLst>
+            <pc:docMk/>
+            <pc:sldMk cId="4190498982" sldId="286"/>
+            <ac:picMk id="10" creationId="{F6AFF6A8-5841-92F7-2E09-E1E7682BAD66}"/>
+          </ac:picMkLst>
+        </pc:picChg>
+        <pc:picChg chg="add mod ord">
+          <ac:chgData name="Paul Barela" userId="6b4a9e942503a342" providerId="LiveId" clId="{12FA4ADB-FE04-41F0-A15B-F8F83ECF06C8}" dt="2024-11-17T23:47:04.480" v="406" actId="1076"/>
+          <ac:picMkLst>
+            <pc:docMk/>
+            <pc:sldMk cId="4190498982" sldId="286"/>
+            <ac:picMk id="12" creationId="{F078A2EA-E057-E9E8-32F9-FB5152D3DBEF}"/>
+          </ac:picMkLst>
+        </pc:picChg>
+        <pc:picChg chg="add mod">
+          <ac:chgData name="Paul Barela" userId="6b4a9e942503a342" providerId="LiveId" clId="{12FA4ADB-FE04-41F0-A15B-F8F83ECF06C8}" dt="2024-11-17T23:47:15.220" v="409" actId="1076"/>
+          <ac:picMkLst>
+            <pc:docMk/>
+            <pc:sldMk cId="4190498982" sldId="286"/>
+            <ac:picMk id="14" creationId="{361A1E24-13C7-932B-BB65-29BC69D13543}"/>
+          </ac:picMkLst>
+        </pc:picChg>
+      </pc:sldChg>
+      <pc:sldChg chg="addSp delSp modSp mod setBg">
+        <pc:chgData name="Paul Barela" userId="6b4a9e942503a342" providerId="LiveId" clId="{12FA4ADB-FE04-41F0-A15B-F8F83ECF06C8}" dt="2024-11-17T23:44:10.304" v="382" actId="27614"/>
+        <pc:sldMkLst>
+          <pc:docMk/>
+          <pc:sldMk cId="1953006731" sldId="287"/>
+        </pc:sldMkLst>
+        <pc:spChg chg="mod">
+          <ac:chgData name="Paul Barela" userId="6b4a9e942503a342" providerId="LiveId" clId="{12FA4ADB-FE04-41F0-A15B-F8F83ECF06C8}" dt="2024-11-17T23:44:08.520" v="381" actId="26606"/>
+          <ac:spMkLst>
+            <pc:docMk/>
+            <pc:sldMk cId="1953006731" sldId="287"/>
+            <ac:spMk id="2" creationId="{D744619F-3BD4-13DD-C739-20351B4ECA1A}"/>
+          </ac:spMkLst>
+        </pc:spChg>
+        <pc:spChg chg="add del">
+          <ac:chgData name="Paul Barela" userId="6b4a9e942503a342" providerId="LiveId" clId="{12FA4ADB-FE04-41F0-A15B-F8F83ECF06C8}" dt="2024-11-17T23:44:08.517" v="380" actId="26606"/>
+          <ac:spMkLst>
+            <pc:docMk/>
+            <pc:sldMk cId="1953006731" sldId="287"/>
+            <ac:spMk id="7" creationId="{BCED4D40-4B67-4331-AC48-79B82B4A47D8}"/>
+          </ac:spMkLst>
+        </pc:spChg>
+        <pc:spChg chg="add del">
+          <ac:chgData name="Paul Barela" userId="6b4a9e942503a342" providerId="LiveId" clId="{12FA4ADB-FE04-41F0-A15B-F8F83ECF06C8}" dt="2024-11-17T23:02:56.702" v="4" actId="26606"/>
+          <ac:spMkLst>
+            <pc:docMk/>
+            <pc:sldMk cId="1953006731" sldId="287"/>
+            <ac:spMk id="9" creationId="{68AF5748-FED8-45BA-8631-26D1D10F3246}"/>
+          </ac:spMkLst>
+        </pc:spChg>
+        <pc:spChg chg="add del">
+          <ac:chgData name="Paul Barela" userId="6b4a9e942503a342" providerId="LiveId" clId="{12FA4ADB-FE04-41F0-A15B-F8F83ECF06C8}" dt="2024-11-17T23:44:08.517" v="380" actId="26606"/>
+          <ac:spMkLst>
+            <pc:docMk/>
+            <pc:sldMk cId="1953006731" sldId="287"/>
+            <ac:spMk id="10" creationId="{670CEDEF-4F34-412E-84EE-329C1E936AF5}"/>
+          </ac:spMkLst>
+        </pc:spChg>
+        <pc:spChg chg="add del">
+          <ac:chgData name="Paul Barela" userId="6b4a9e942503a342" providerId="LiveId" clId="{12FA4ADB-FE04-41F0-A15B-F8F83ECF06C8}" dt="2024-11-17T23:02:56.702" v="4" actId="26606"/>
+          <ac:spMkLst>
+            <pc:docMk/>
+            <pc:sldMk cId="1953006731" sldId="287"/>
+            <ac:spMk id="11" creationId="{AF2F604E-43BE-4DC3-B983-E071523364F8}"/>
+          </ac:spMkLst>
+        </pc:spChg>
+        <pc:spChg chg="add del">
+          <ac:chgData name="Paul Barela" userId="6b4a9e942503a342" providerId="LiveId" clId="{12FA4ADB-FE04-41F0-A15B-F8F83ECF06C8}" dt="2024-11-17T23:02:56.702" v="4" actId="26606"/>
+          <ac:spMkLst>
+            <pc:docMk/>
+            <pc:sldMk cId="1953006731" sldId="287"/>
+            <ac:spMk id="13" creationId="{08C9B587-E65E-4B52-B37C-ABEBB6E87928}"/>
+          </ac:spMkLst>
+        </pc:spChg>
+        <pc:spChg chg="add">
+          <ac:chgData name="Paul Barela" userId="6b4a9e942503a342" providerId="LiveId" clId="{12FA4ADB-FE04-41F0-A15B-F8F83ECF06C8}" dt="2024-11-17T23:44:08.520" v="381" actId="26606"/>
+          <ac:spMkLst>
+            <pc:docMk/>
+            <pc:sldMk cId="1953006731" sldId="287"/>
+            <ac:spMk id="14" creationId="{68AF5748-FED8-45BA-8631-26D1D10F3246}"/>
+          </ac:spMkLst>
+        </pc:spChg>
+        <pc:spChg chg="add">
+          <ac:chgData name="Paul Barela" userId="6b4a9e942503a342" providerId="LiveId" clId="{12FA4ADB-FE04-41F0-A15B-F8F83ECF06C8}" dt="2024-11-17T23:44:08.520" v="381" actId="26606"/>
+          <ac:spMkLst>
+            <pc:docMk/>
+            <pc:sldMk cId="1953006731" sldId="287"/>
+            <ac:spMk id="15" creationId="{AF2F604E-43BE-4DC3-B983-E071523364F8}"/>
+          </ac:spMkLst>
+        </pc:spChg>
+        <pc:spChg chg="add">
+          <ac:chgData name="Paul Barela" userId="6b4a9e942503a342" providerId="LiveId" clId="{12FA4ADB-FE04-41F0-A15B-F8F83ECF06C8}" dt="2024-11-17T23:44:08.520" v="381" actId="26606"/>
+          <ac:spMkLst>
+            <pc:docMk/>
+            <pc:sldMk cId="1953006731" sldId="287"/>
+            <ac:spMk id="16" creationId="{08C9B587-E65E-4B52-B37C-ABEBB6E87928}"/>
+          </ac:spMkLst>
+        </pc:spChg>
+        <pc:picChg chg="add mod">
+          <ac:chgData name="Paul Barela" userId="6b4a9e942503a342" providerId="LiveId" clId="{12FA4ADB-FE04-41F0-A15B-F8F83ECF06C8}" dt="2024-11-17T23:44:10.304" v="382" actId="27614"/>
+          <ac:picMkLst>
+            <pc:docMk/>
+            <pc:sldMk cId="1953006731" sldId="287"/>
+            <ac:picMk id="4" creationId="{9CE54099-AECA-DA69-3350-D1343C093BD7}"/>
+          </ac:picMkLst>
+        </pc:picChg>
+        <pc:picChg chg="add del">
+          <ac:chgData name="Paul Barela" userId="6b4a9e942503a342" providerId="LiveId" clId="{12FA4ADB-FE04-41F0-A15B-F8F83ECF06C8}" dt="2024-11-17T23:03:33.534" v="6" actId="22"/>
+          <ac:picMkLst>
+            <pc:docMk/>
+            <pc:sldMk cId="1953006731" sldId="287"/>
+            <ac:picMk id="6" creationId="{D9F325D7-EFAE-28B0-0736-85798549BAB2}"/>
+          </ac:picMkLst>
+        </pc:picChg>
+        <pc:picChg chg="add del">
+          <ac:chgData name="Paul Barela" userId="6b4a9e942503a342" providerId="LiveId" clId="{12FA4ADB-FE04-41F0-A15B-F8F83ECF06C8}" dt="2024-11-17T23:03:37.398" v="8" actId="22"/>
+          <ac:picMkLst>
+            <pc:docMk/>
+            <pc:sldMk cId="1953006731" sldId="287"/>
+            <ac:picMk id="8" creationId="{23661AA3-0401-0DD7-DE4D-9C10F3858631}"/>
+          </ac:picMkLst>
+        </pc:picChg>
+        <pc:picChg chg="add del">
+          <ac:chgData name="Paul Barela" userId="6b4a9e942503a342" providerId="LiveId" clId="{12FA4ADB-FE04-41F0-A15B-F8F83ECF06C8}" dt="2024-11-17T23:03:40.418" v="10" actId="22"/>
+          <ac:picMkLst>
+            <pc:docMk/>
+            <pc:sldMk cId="1953006731" sldId="287"/>
+            <ac:picMk id="12" creationId="{A47F0A43-DBEA-6743-99F9-D2FC2349C705}"/>
+          </ac:picMkLst>
+        </pc:picChg>
+      </pc:sldChg>
+      <pc:sldChg chg="addSp delSp modSp new del mod">
+        <pc:chgData name="Paul Barela" userId="6b4a9e942503a342" providerId="LiveId" clId="{12FA4ADB-FE04-41F0-A15B-F8F83ECF06C8}" dt="2024-11-17T23:09:49.460" v="60" actId="2696"/>
+        <pc:sldMkLst>
+          <pc:docMk/>
+          <pc:sldMk cId="3466448980" sldId="288"/>
+        </pc:sldMkLst>
+        <pc:spChg chg="mod">
+          <ac:chgData name="Paul Barela" userId="6b4a9e942503a342" providerId="LiveId" clId="{12FA4ADB-FE04-41F0-A15B-F8F83ECF06C8}" dt="2024-11-17T23:07:57.112" v="46" actId="20577"/>
+          <ac:spMkLst>
+            <pc:docMk/>
+            <pc:sldMk cId="3466448980" sldId="288"/>
+            <ac:spMk id="2" creationId="{28AC514A-F513-EE09-1526-80A6D77461E5}"/>
+          </ac:spMkLst>
+        </pc:spChg>
+        <pc:spChg chg="del">
+          <ac:chgData name="Paul Barela" userId="6b4a9e942503a342" providerId="LiveId" clId="{12FA4ADB-FE04-41F0-A15B-F8F83ECF06C8}" dt="2024-11-17T23:07:59.679" v="47" actId="478"/>
+          <ac:spMkLst>
+            <pc:docMk/>
+            <pc:sldMk cId="3466448980" sldId="288"/>
+            <ac:spMk id="3" creationId="{0813E1E0-9084-5093-B0FE-F4B335559999}"/>
+          </ac:spMkLst>
+        </pc:spChg>
+        <pc:picChg chg="add del">
+          <ac:chgData name="Paul Barela" userId="6b4a9e942503a342" providerId="LiveId" clId="{12FA4ADB-FE04-41F0-A15B-F8F83ECF06C8}" dt="2024-11-17T23:09:38.626" v="56" actId="22"/>
+          <ac:picMkLst>
+            <pc:docMk/>
+            <pc:sldMk cId="3466448980" sldId="288"/>
+            <ac:picMk id="5" creationId="{23EA1A9C-538A-2207-CFC3-C23E5639C569}"/>
+          </ac:picMkLst>
+        </pc:picChg>
+        <pc:picChg chg="add mod">
+          <ac:chgData name="Paul Barela" userId="6b4a9e942503a342" providerId="LiveId" clId="{12FA4ADB-FE04-41F0-A15B-F8F83ECF06C8}" dt="2024-11-17T23:08:03.561" v="49"/>
+          <ac:picMkLst>
+            <pc:docMk/>
+            <pc:sldMk cId="3466448980" sldId="288"/>
+            <ac:picMk id="8" creationId="{0CF2DDE1-694F-A20C-517E-008F63E47094}"/>
+          </ac:picMkLst>
+        </pc:picChg>
+      </pc:sldChg>
+      <pc:sldChg chg="addSp delSp modSp add mod setBg">
+        <pc:chgData name="Paul Barela" userId="6b4a9e942503a342" providerId="LiveId" clId="{12FA4ADB-FE04-41F0-A15B-F8F83ECF06C8}" dt="2024-11-17T23:43:35.939" v="348" actId="20577"/>
+        <pc:sldMkLst>
+          <pc:docMk/>
+          <pc:sldMk cId="2075723059" sldId="289"/>
+        </pc:sldMkLst>
+        <pc:spChg chg="mod">
+          <ac:chgData name="Paul Barela" userId="6b4a9e942503a342" providerId="LiveId" clId="{12FA4ADB-FE04-41F0-A15B-F8F83ECF06C8}" dt="2024-11-17T23:43:35.939" v="348" actId="20577"/>
+          <ac:spMkLst>
+            <pc:docMk/>
+            <pc:sldMk cId="2075723059" sldId="289"/>
+            <ac:spMk id="2" creationId="{67D4DDA4-FA3C-AFD1-283F-1E9050277A4A}"/>
+          </ac:spMkLst>
+        </pc:spChg>
+        <pc:spChg chg="add">
+          <ac:chgData name="Paul Barela" userId="6b4a9e942503a342" providerId="LiveId" clId="{12FA4ADB-FE04-41F0-A15B-F8F83ECF06C8}" dt="2024-11-17T23:10:53.877" v="78" actId="26606"/>
+          <ac:spMkLst>
+            <pc:docMk/>
+            <pc:sldMk cId="2075723059" sldId="289"/>
+            <ac:spMk id="11" creationId="{88263A24-0C1F-4677-B43C-4AE14E276B27}"/>
+          </ac:spMkLst>
+        </pc:spChg>
+        <pc:spChg chg="add">
+          <ac:chgData name="Paul Barela" userId="6b4a9e942503a342" providerId="LiveId" clId="{12FA4ADB-FE04-41F0-A15B-F8F83ECF06C8}" dt="2024-11-17T23:10:53.877" v="78" actId="26606"/>
+          <ac:spMkLst>
+            <pc:docMk/>
+            <pc:sldMk cId="2075723059" sldId="289"/>
+            <ac:spMk id="13" creationId="{0ADDB668-2CA4-4D2B-9C34-3487CA330BA8}"/>
+          </ac:spMkLst>
+        </pc:spChg>
+        <pc:spChg chg="add">
+          <ac:chgData name="Paul Barela" userId="6b4a9e942503a342" providerId="LiveId" clId="{12FA4ADB-FE04-41F0-A15B-F8F83ECF06C8}" dt="2024-11-17T23:10:53.877" v="78" actId="26606"/>
+          <ac:spMkLst>
+            <pc:docMk/>
+            <pc:sldMk cId="2075723059" sldId="289"/>
+            <ac:spMk id="15" creationId="{2568BC19-F052-4108-93E1-6A3D1DEC072F}"/>
+          </ac:spMkLst>
+        </pc:spChg>
+        <pc:spChg chg="add">
+          <ac:chgData name="Paul Barela" userId="6b4a9e942503a342" providerId="LiveId" clId="{12FA4ADB-FE04-41F0-A15B-F8F83ECF06C8}" dt="2024-11-17T23:10:53.877" v="78" actId="26606"/>
+          <ac:spMkLst>
+            <pc:docMk/>
+            <pc:sldMk cId="2075723059" sldId="289"/>
+            <ac:spMk id="17" creationId="{D5FD337D-4D6B-4C8B-B6F5-121097E09881}"/>
+          </ac:spMkLst>
+        </pc:spChg>
+        <pc:picChg chg="add mod ord">
+          <ac:chgData name="Paul Barela" userId="6b4a9e942503a342" providerId="LiveId" clId="{12FA4ADB-FE04-41F0-A15B-F8F83ECF06C8}" dt="2024-11-17T23:10:53.877" v="78" actId="26606"/>
+          <ac:picMkLst>
+            <pc:docMk/>
+            <pc:sldMk cId="2075723059" sldId="289"/>
+            <ac:picMk id="4" creationId="{87FCF117-B973-3B4A-38D3-57068BBB9B1C}"/>
+          </ac:picMkLst>
+        </pc:picChg>
+        <pc:picChg chg="add mod">
+          <ac:chgData name="Paul Barela" userId="6b4a9e942503a342" providerId="LiveId" clId="{12FA4ADB-FE04-41F0-A15B-F8F83ECF06C8}" dt="2024-11-17T23:10:53.877" v="78" actId="26606"/>
+          <ac:picMkLst>
+            <pc:docMk/>
+            <pc:sldMk cId="2075723059" sldId="289"/>
+            <ac:picMk id="6" creationId="{43846C5E-00CB-2A6F-E764-DBC0F78C775C}"/>
+          </ac:picMkLst>
+        </pc:picChg>
+        <pc:picChg chg="del">
+          <ac:chgData name="Paul Barela" userId="6b4a9e942503a342" providerId="LiveId" clId="{12FA4ADB-FE04-41F0-A15B-F8F83ECF06C8}" dt="2024-11-17T23:09:43.203" v="58" actId="478"/>
+          <ac:picMkLst>
+            <pc:docMk/>
+            <pc:sldMk cId="2075723059" sldId="289"/>
+            <ac:picMk id="8" creationId="{5E0DB5BA-5D9A-1BF3-C785-8E8F81F7C5D2}"/>
+          </ac:picMkLst>
+        </pc:picChg>
+      </pc:sldChg>
+      <pc:sldChg chg="addSp delSp modSp new mod setBg">
+        <pc:chgData name="Paul Barela" userId="6b4a9e942503a342" providerId="LiveId" clId="{12FA4ADB-FE04-41F0-A15B-F8F83ECF06C8}" dt="2024-11-17T23:43:50.243" v="377" actId="122"/>
+        <pc:sldMkLst>
+          <pc:docMk/>
+          <pc:sldMk cId="1804831863" sldId="290"/>
+        </pc:sldMkLst>
+        <pc:spChg chg="mod">
+          <ac:chgData name="Paul Barela" userId="6b4a9e942503a342" providerId="LiveId" clId="{12FA4ADB-FE04-41F0-A15B-F8F83ECF06C8}" dt="2024-11-17T23:43:50.243" v="377" actId="122"/>
+          <ac:spMkLst>
+            <pc:docMk/>
+            <pc:sldMk cId="1804831863" sldId="290"/>
+            <ac:spMk id="2" creationId="{B6C513B8-B6DB-0820-61F7-DFBCBF72F1AC}"/>
+          </ac:spMkLst>
+        </pc:spChg>
+        <pc:spChg chg="del">
+          <ac:chgData name="Paul Barela" userId="6b4a9e942503a342" providerId="LiveId" clId="{12FA4ADB-FE04-41F0-A15B-F8F83ECF06C8}" dt="2024-11-17T23:10:34.061" v="63" actId="478"/>
+          <ac:spMkLst>
+            <pc:docMk/>
+            <pc:sldMk cId="1804831863" sldId="290"/>
+            <ac:spMk id="3" creationId="{D6CE5D61-2D47-129F-112A-7CC5BAD6E434}"/>
+          </ac:spMkLst>
+        </pc:spChg>
+        <pc:spChg chg="add">
+          <ac:chgData name="Paul Barela" userId="6b4a9e942503a342" providerId="LiveId" clId="{12FA4ADB-FE04-41F0-A15B-F8F83ECF06C8}" dt="2024-11-17T23:10:49.226" v="77" actId="26606"/>
+          <ac:spMkLst>
+            <pc:docMk/>
+            <pc:sldMk cId="1804831863" sldId="290"/>
+            <ac:spMk id="10" creationId="{68AF5748-FED8-45BA-8631-26D1D10F3246}"/>
+          </ac:spMkLst>
+        </pc:spChg>
+        <pc:spChg chg="add">
+          <ac:chgData name="Paul Barela" userId="6b4a9e942503a342" providerId="LiveId" clId="{12FA4ADB-FE04-41F0-A15B-F8F83ECF06C8}" dt="2024-11-17T23:10:49.226" v="77" actId="26606"/>
+          <ac:spMkLst>
+            <pc:docMk/>
+            <pc:sldMk cId="1804831863" sldId="290"/>
+            <ac:spMk id="12" creationId="{AF2F604E-43BE-4DC3-B983-E071523364F8}"/>
+          </ac:spMkLst>
+        </pc:spChg>
+        <pc:spChg chg="add">
+          <ac:chgData name="Paul Barela" userId="6b4a9e942503a342" providerId="LiveId" clId="{12FA4ADB-FE04-41F0-A15B-F8F83ECF06C8}" dt="2024-11-17T23:10:49.226" v="77" actId="26606"/>
+          <ac:spMkLst>
+            <pc:docMk/>
+            <pc:sldMk cId="1804831863" sldId="290"/>
+            <ac:spMk id="14" creationId="{08C9B587-E65E-4B52-B37C-ABEBB6E87928}"/>
+          </ac:spMkLst>
+        </pc:spChg>
+        <pc:picChg chg="add mod">
+          <ac:chgData name="Paul Barela" userId="6b4a9e942503a342" providerId="LiveId" clId="{12FA4ADB-FE04-41F0-A15B-F8F83ECF06C8}" dt="2024-11-17T23:10:49.226" v="77" actId="26606"/>
+          <ac:picMkLst>
+            <pc:docMk/>
+            <pc:sldMk cId="1804831863" sldId="290"/>
+            <ac:picMk id="5" creationId="{4E835602-23CA-4B5D-E4B4-0B783AC72FAA}"/>
+          </ac:picMkLst>
+        </pc:picChg>
+      </pc:sldChg>
+      <pc:sldChg chg="addSp delSp modSp new mod setBg">
+        <pc:chgData name="Paul Barela" userId="6b4a9e942503a342" providerId="LiveId" clId="{12FA4ADB-FE04-41F0-A15B-F8F83ECF06C8}" dt="2024-11-17T23:34:11.985" v="196" actId="1076"/>
+        <pc:sldMkLst>
+          <pc:docMk/>
+          <pc:sldMk cId="1322906560" sldId="291"/>
+        </pc:sldMkLst>
+        <pc:spChg chg="mod">
+          <ac:chgData name="Paul Barela" userId="6b4a9e942503a342" providerId="LiveId" clId="{12FA4ADB-FE04-41F0-A15B-F8F83ECF06C8}" dt="2024-11-17T23:33:14.171" v="185" actId="1076"/>
+          <ac:spMkLst>
+            <pc:docMk/>
+            <pc:sldMk cId="1322906560" sldId="291"/>
+            <ac:spMk id="2" creationId="{CED1B7D2-CB3F-0319-083A-264CCF8D2764}"/>
+          </ac:spMkLst>
+        </pc:spChg>
+        <pc:spChg chg="del">
+          <ac:chgData name="Paul Barela" userId="6b4a9e942503a342" providerId="LiveId" clId="{12FA4ADB-FE04-41F0-A15B-F8F83ECF06C8}" dt="2024-11-17T23:13:11.836" v="84" actId="478"/>
+          <ac:spMkLst>
+            <pc:docMk/>
+            <pc:sldMk cId="1322906560" sldId="291"/>
+            <ac:spMk id="3" creationId="{6B9538D4-5751-C6CD-1605-3C1CF86CA2C3}"/>
+          </ac:spMkLst>
+        </pc:spChg>
+        <pc:spChg chg="add">
+          <ac:chgData name="Paul Barela" userId="6b4a9e942503a342" providerId="LiveId" clId="{12FA4ADB-FE04-41F0-A15B-F8F83ECF06C8}" dt="2024-11-17T23:30:47.891" v="150" actId="26606"/>
+          <ac:spMkLst>
+            <pc:docMk/>
+            <pc:sldMk cId="1322906560" sldId="291"/>
+            <ac:spMk id="18" creationId="{91F55C5D-1648-4BE3-932D-8CADBF3F6736}"/>
+          </ac:spMkLst>
+        </pc:spChg>
+        <pc:spChg chg="add">
+          <ac:chgData name="Paul Barela" userId="6b4a9e942503a342" providerId="LiveId" clId="{12FA4ADB-FE04-41F0-A15B-F8F83ECF06C8}" dt="2024-11-17T23:30:47.891" v="150" actId="26606"/>
+          <ac:spMkLst>
+            <pc:docMk/>
+            <pc:sldMk cId="1322906560" sldId="291"/>
+            <ac:spMk id="20" creationId="{A38E1331-B5A6-44BE-BF4E-EE6C2FD2A242}"/>
+          </ac:spMkLst>
+        </pc:spChg>
+        <pc:picChg chg="add del mod">
+          <ac:chgData name="Paul Barela" userId="6b4a9e942503a342" providerId="LiveId" clId="{12FA4ADB-FE04-41F0-A15B-F8F83ECF06C8}" dt="2024-11-17T23:28:25.070" v="144" actId="478"/>
+          <ac:picMkLst>
+            <pc:docMk/>
+            <pc:sldMk cId="1322906560" sldId="291"/>
+            <ac:picMk id="5" creationId="{DB5DF617-9B67-E6E2-CFE5-B1F20B7934A6}"/>
+          </ac:picMkLst>
+        </pc:picChg>
+        <pc:picChg chg="add mod ord">
+          <ac:chgData name="Paul Barela" userId="6b4a9e942503a342" providerId="LiveId" clId="{12FA4ADB-FE04-41F0-A15B-F8F83ECF06C8}" dt="2024-11-17T23:31:05.140" v="159" actId="1076"/>
+          <ac:picMkLst>
+            <pc:docMk/>
+            <pc:sldMk cId="1322906560" sldId="291"/>
+            <ac:picMk id="7" creationId="{56A6AE92-D29D-9C89-63C3-247D3C426BE0}"/>
+          </ac:picMkLst>
+        </pc:picChg>
+        <pc:picChg chg="add mod ord">
+          <ac:chgData name="Paul Barela" userId="6b4a9e942503a342" providerId="LiveId" clId="{12FA4ADB-FE04-41F0-A15B-F8F83ECF06C8}" dt="2024-11-17T23:34:06.286" v="194" actId="1076"/>
+          <ac:picMkLst>
+            <pc:docMk/>
+            <pc:sldMk cId="1322906560" sldId="291"/>
+            <ac:picMk id="9" creationId="{210722EF-31D7-DDDA-E06E-23576B5C71BB}"/>
+          </ac:picMkLst>
+        </pc:picChg>
+        <pc:picChg chg="add mod">
+          <ac:chgData name="Paul Barela" userId="6b4a9e942503a342" providerId="LiveId" clId="{12FA4ADB-FE04-41F0-A15B-F8F83ECF06C8}" dt="2024-11-17T23:34:11.985" v="196" actId="1076"/>
+          <ac:picMkLst>
+            <pc:docMk/>
+            <pc:sldMk cId="1322906560" sldId="291"/>
+            <ac:picMk id="11" creationId="{DFC658C1-F9D7-3BBF-CD67-5F2A2B568C36}"/>
+          </ac:picMkLst>
+        </pc:picChg>
+        <pc:picChg chg="add del mod">
+          <ac:chgData name="Paul Barela" userId="6b4a9e942503a342" providerId="LiveId" clId="{12FA4ADB-FE04-41F0-A15B-F8F83ECF06C8}" dt="2024-11-17T23:33:07.286" v="183" actId="478"/>
+          <ac:picMkLst>
+            <pc:docMk/>
+            <pc:sldMk cId="1322906560" sldId="291"/>
+            <ac:picMk id="13" creationId="{45CEFFFF-47CD-FB8D-8DDF-EE7A4F6122C6}"/>
+          </ac:picMkLst>
+        </pc:picChg>
+        <pc:picChg chg="add mod">
+          <ac:chgData name="Paul Barela" userId="6b4a9e942503a342" providerId="LiveId" clId="{12FA4ADB-FE04-41F0-A15B-F8F83ECF06C8}" dt="2024-11-17T23:34:04.209" v="193" actId="1076"/>
+          <ac:picMkLst>
+            <pc:docMk/>
+            <pc:sldMk cId="1322906560" sldId="291"/>
+            <ac:picMk id="15" creationId="{1545459B-D212-2808-3511-1C34EA5C8DCF}"/>
+          </ac:picMkLst>
+        </pc:picChg>
+      </pc:sldChg>
+      <pc:sldChg chg="addSp delSp modSp new mod setBg">
+        <pc:chgData name="Paul Barela" userId="6b4a9e942503a342" providerId="LiveId" clId="{12FA4ADB-FE04-41F0-A15B-F8F83ECF06C8}" dt="2024-11-17T23:38:40.873" v="251" actId="1076"/>
+        <pc:sldMkLst>
+          <pc:docMk/>
+          <pc:sldMk cId="788458167" sldId="292"/>
+        </pc:sldMkLst>
+        <pc:spChg chg="mod">
+          <ac:chgData name="Paul Barela" userId="6b4a9e942503a342" providerId="LiveId" clId="{12FA4ADB-FE04-41F0-A15B-F8F83ECF06C8}" dt="2024-11-17T23:38:10.121" v="232" actId="26606"/>
+          <ac:spMkLst>
+            <pc:docMk/>
+            <pc:sldMk cId="788458167" sldId="292"/>
+            <ac:spMk id="2" creationId="{A4840821-8535-0826-BDBD-6D3BB6277C51}"/>
+          </ac:spMkLst>
+        </pc:spChg>
+        <pc:spChg chg="del">
+          <ac:chgData name="Paul Barela" userId="6b4a9e942503a342" providerId="LiveId" clId="{12FA4ADB-FE04-41F0-A15B-F8F83ECF06C8}" dt="2024-11-17T23:37:43.949" v="228" actId="478"/>
+          <ac:spMkLst>
+            <pc:docMk/>
+            <pc:sldMk cId="788458167" sldId="292"/>
+            <ac:spMk id="3" creationId="{A6FB1133-F7E8-2ECE-AEBE-5F9C7B3B10CE}"/>
+          </ac:spMkLst>
+        </pc:spChg>
+        <pc:spChg chg="add">
+          <ac:chgData name="Paul Barela" userId="6b4a9e942503a342" providerId="LiveId" clId="{12FA4ADB-FE04-41F0-A15B-F8F83ECF06C8}" dt="2024-11-17T23:38:10.121" v="232" actId="26606"/>
+          <ac:spMkLst>
+            <pc:docMk/>
+            <pc:sldMk cId="788458167" sldId="292"/>
+            <ac:spMk id="14" creationId="{7C98A213-5994-475E-B327-DC6EC27FBA8B}"/>
+          </ac:spMkLst>
+        </pc:spChg>
+        <pc:spChg chg="add">
+          <ac:chgData name="Paul Barela" userId="6b4a9e942503a342" providerId="LiveId" clId="{12FA4ADB-FE04-41F0-A15B-F8F83ECF06C8}" dt="2024-11-17T23:38:10.121" v="232" actId="26606"/>
+          <ac:spMkLst>
+            <pc:docMk/>
+            <pc:sldMk cId="788458167" sldId="292"/>
+            <ac:spMk id="16" creationId="{4B030A0D-0DAD-4A99-89BB-419527D6A64B}"/>
+          </ac:spMkLst>
+        </pc:spChg>
+        <pc:picChg chg="add mod">
+          <ac:chgData name="Paul Barela" userId="6b4a9e942503a342" providerId="LiveId" clId="{12FA4ADB-FE04-41F0-A15B-F8F83ECF06C8}" dt="2024-11-17T23:38:31.231" v="246" actId="1076"/>
+          <ac:picMkLst>
+            <pc:docMk/>
+            <pc:sldMk cId="788458167" sldId="292"/>
+            <ac:picMk id="5" creationId="{0051ABF2-494C-F823-735B-895B03BAC31B}"/>
+          </ac:picMkLst>
+        </pc:picChg>
+        <pc:picChg chg="add mod ord">
+          <ac:chgData name="Paul Barela" userId="6b4a9e942503a342" providerId="LiveId" clId="{12FA4ADB-FE04-41F0-A15B-F8F83ECF06C8}" dt="2024-11-17T23:38:34.746" v="248" actId="1076"/>
+          <ac:picMkLst>
+            <pc:docMk/>
+            <pc:sldMk cId="788458167" sldId="292"/>
+            <ac:picMk id="7" creationId="{768561B1-36CC-53D2-FC6C-DADB5D33B3B5}"/>
+          </ac:picMkLst>
+        </pc:picChg>
+        <pc:picChg chg="add mod">
+          <ac:chgData name="Paul Barela" userId="6b4a9e942503a342" providerId="LiveId" clId="{12FA4ADB-FE04-41F0-A15B-F8F83ECF06C8}" dt="2024-11-17T23:38:40.873" v="251" actId="1076"/>
+          <ac:picMkLst>
+            <pc:docMk/>
+            <pc:sldMk cId="788458167" sldId="292"/>
+            <ac:picMk id="9" creationId="{33D85623-F45F-CE26-3021-2B76324BA521}"/>
+          </ac:picMkLst>
+        </pc:picChg>
+      </pc:sldChg>
+      <pc:sldChg chg="addSp delSp modSp new mod setBg">
+        <pc:chgData name="Paul Barela" userId="6b4a9e942503a342" providerId="LiveId" clId="{12FA4ADB-FE04-41F0-A15B-F8F83ECF06C8}" dt="2024-11-17T23:42:45.328" v="321" actId="1076"/>
+        <pc:sldMkLst>
+          <pc:docMk/>
+          <pc:sldMk cId="2127978111" sldId="293"/>
+        </pc:sldMkLst>
+        <pc:spChg chg="mod">
+          <ac:chgData name="Paul Barela" userId="6b4a9e942503a342" providerId="LiveId" clId="{12FA4ADB-FE04-41F0-A15B-F8F83ECF06C8}" dt="2024-11-17T23:42:23.148" v="312" actId="26606"/>
+          <ac:spMkLst>
+            <pc:docMk/>
+            <pc:sldMk cId="2127978111" sldId="293"/>
+            <ac:spMk id="2" creationId="{B47B6220-55C2-E036-D187-44C14E8BC79E}"/>
+          </ac:spMkLst>
+        </pc:spChg>
+        <pc:spChg chg="del">
+          <ac:chgData name="Paul Barela" userId="6b4a9e942503a342" providerId="LiveId" clId="{12FA4ADB-FE04-41F0-A15B-F8F83ECF06C8}" dt="2024-11-17T23:41:33.640" v="300" actId="478"/>
+          <ac:spMkLst>
+            <pc:docMk/>
+            <pc:sldMk cId="2127978111" sldId="293"/>
+            <ac:spMk id="3" creationId="{DAC4082B-D508-F9C3-E5C2-3270120365EC}"/>
+          </ac:spMkLst>
+        </pc:spChg>
+        <pc:spChg chg="add">
+          <ac:chgData name="Paul Barela" userId="6b4a9e942503a342" providerId="LiveId" clId="{12FA4ADB-FE04-41F0-A15B-F8F83ECF06C8}" dt="2024-11-17T23:42:23.148" v="312" actId="26606"/>
+          <ac:spMkLst>
+            <pc:docMk/>
+            <pc:sldMk cId="2127978111" sldId="293"/>
+            <ac:spMk id="12" creationId="{88263A24-0C1F-4677-B43C-4AE14E276B27}"/>
+          </ac:spMkLst>
+        </pc:spChg>
+        <pc:spChg chg="add">
+          <ac:chgData name="Paul Barela" userId="6b4a9e942503a342" providerId="LiveId" clId="{12FA4ADB-FE04-41F0-A15B-F8F83ECF06C8}" dt="2024-11-17T23:42:23.148" v="312" actId="26606"/>
+          <ac:spMkLst>
+            <pc:docMk/>
+            <pc:sldMk cId="2127978111" sldId="293"/>
+            <ac:spMk id="14" creationId="{0ADDB668-2CA4-4D2B-9C34-3487CA330BA8}"/>
+          </ac:spMkLst>
+        </pc:spChg>
+        <pc:spChg chg="add">
+          <ac:chgData name="Paul Barela" userId="6b4a9e942503a342" providerId="LiveId" clId="{12FA4ADB-FE04-41F0-A15B-F8F83ECF06C8}" dt="2024-11-17T23:42:23.148" v="312" actId="26606"/>
+          <ac:spMkLst>
+            <pc:docMk/>
+            <pc:sldMk cId="2127978111" sldId="293"/>
+            <ac:spMk id="16" creationId="{2568BC19-F052-4108-93E1-6A3D1DEC072F}"/>
+          </ac:spMkLst>
+        </pc:spChg>
+        <pc:spChg chg="add">
+          <ac:chgData name="Paul Barela" userId="6b4a9e942503a342" providerId="LiveId" clId="{12FA4ADB-FE04-41F0-A15B-F8F83ECF06C8}" dt="2024-11-17T23:42:23.148" v="312" actId="26606"/>
+          <ac:spMkLst>
+            <pc:docMk/>
+            <pc:sldMk cId="2127978111" sldId="293"/>
+            <ac:spMk id="18" creationId="{D5FD337D-4D6B-4C8B-B6F5-121097E09881}"/>
+          </ac:spMkLst>
+        </pc:spChg>
+        <pc:picChg chg="add mod">
+          <ac:chgData name="Paul Barela" userId="6b4a9e942503a342" providerId="LiveId" clId="{12FA4ADB-FE04-41F0-A15B-F8F83ECF06C8}" dt="2024-11-17T23:42:26.718" v="315" actId="1076"/>
+          <ac:picMkLst>
+            <pc:docMk/>
+            <pc:sldMk cId="2127978111" sldId="293"/>
+            <ac:picMk id="5" creationId="{D8921536-9AC1-F79D-5F0E-BDAC80D21C46}"/>
+          </ac:picMkLst>
+        </pc:picChg>
+        <pc:picChg chg="add mod">
+          <ac:chgData name="Paul Barela" userId="6b4a9e942503a342" providerId="LiveId" clId="{12FA4ADB-FE04-41F0-A15B-F8F83ECF06C8}" dt="2024-11-17T23:42:45.328" v="321" actId="1076"/>
+          <ac:picMkLst>
+            <pc:docMk/>
+            <pc:sldMk cId="2127978111" sldId="293"/>
+            <ac:picMk id="7" creationId="{B03D941B-59F4-E799-94A3-088AA4811843}"/>
+          </ac:picMkLst>
+        </pc:picChg>
+      </pc:sldChg>
+    </pc:docChg>
+  </pc:docChgLst>
+</pc:chgInfo>
 </file>
 
 <file path=ppt/slideLayouts/slideLayout1.xml><?xml version="1.0" encoding="utf-8"?>
@@ -3459,7 +4282,7 @@
             </a:r>
             <a:r>
               <a:rPr lang="en-US" sz="2000" dirty="0"/>
-              <a:t> and Diego</a:t>
+              <a:t>, and Diego</a:t>
             </a:r>
           </a:p>
         </p:txBody>
@@ -3824,6 +4647,14 @@
 <file path=ppt/slides/slide10.xml><?xml version="1.0" encoding="utf-8"?>
 <p:sld xmlns:a="http://schemas.openxmlformats.org/drawingml/2006/main" xmlns:r="http://schemas.openxmlformats.org/officeDocument/2006/relationships" xmlns:p="http://schemas.openxmlformats.org/presentationml/2006/main">
   <p:cSld>
+    <p:bg>
+      <p:bgPr>
+        <a:solidFill>
+          <a:schemeClr val="bg1"/>
+        </a:solidFill>
+        <a:effectLst/>
+      </p:bgPr>
+    </p:bg>
     <p:spTree>
       <p:nvGrpSpPr>
         <p:cNvPr id="1" name=""/>
@@ -3838,6 +4669,66 @@
           <a:chExt cx="0" cy="0"/>
         </a:xfrm>
       </p:grpSpPr>
+      <p:sp useBgFill="1">
+        <p:nvSpPr>
+          <p:cNvPr id="14" name="Rectangle 13">
+            <a:extLst>
+              <a:ext uri="{FF2B5EF4-FFF2-40B4-BE49-F238E27FC236}">
+                <a16:creationId xmlns:a16="http://schemas.microsoft.com/office/drawing/2014/main" id="{68AF5748-FED8-45BA-8631-26D1D10F3246}"/>
+              </a:ext>
+              <a:ext uri="{C183D7F6-B498-43B3-948B-1728B52AA6E4}">
+                <adec:decorative xmlns:adec="http://schemas.microsoft.com/office/drawing/2017/decorative" val="1"/>
+              </a:ext>
+            </a:extLst>
+          </p:cNvPr>
+          <p:cNvSpPr>
+            <a:spLocks noGrp="1" noRot="1" noChangeAspect="1" noMove="1" noResize="1" noEditPoints="1" noAdjustHandles="1" noChangeArrowheads="1" noChangeShapeType="1" noTextEdit="1"/>
+          </p:cNvSpPr>
+          <p:nvPr>
+            <p:extLst>
+              <p:ext uri="{386F3935-93C4-4BCD-93E2-E3B085C9AB24}">
+                <p16:designElem xmlns:p16="http://schemas.microsoft.com/office/powerpoint/2015/main" val="1"/>
+              </p:ext>
+            </p:extLst>
+          </p:nvPr>
+        </p:nvSpPr>
+        <p:spPr>
+          <a:xfrm>
+            <a:off x="0" y="0"/>
+            <a:ext cx="12192000" cy="6858000"/>
+          </a:xfrm>
+          <a:prstGeom prst="rect">
+            <a:avLst/>
+          </a:prstGeom>
+          <a:ln>
+            <a:noFill/>
+          </a:ln>
+        </p:spPr>
+        <p:style>
+          <a:lnRef idx="2">
+            <a:schemeClr val="accent1">
+              <a:shade val="50000"/>
+            </a:schemeClr>
+          </a:lnRef>
+          <a:fillRef idx="1">
+            <a:schemeClr val="accent1"/>
+          </a:fillRef>
+          <a:effectRef idx="0">
+            <a:schemeClr val="accent1"/>
+          </a:effectRef>
+          <a:fontRef idx="minor">
+            <a:schemeClr val="lt1"/>
+          </a:fontRef>
+        </p:style>
+        <p:txBody>
+          <a:bodyPr rtlCol="0" anchor="ctr"/>
+          <a:lstStyle/>
+          <a:p>
+            <a:pPr algn="ctr"/>
+            <a:endParaRPr lang="en-US"/>
+          </a:p>
+        </p:txBody>
+      </p:sp>
       <p:sp>
         <p:nvSpPr>
           <p:cNvPr id="2" name="Title 1">
@@ -3854,18 +4745,223 @@
             <p:ph type="title"/>
           </p:nvPr>
         </p:nvSpPr>
-        <p:spPr/>
+        <p:spPr>
+          <a:xfrm>
+            <a:off x="477981" y="1122363"/>
+            <a:ext cx="4023360" cy="3204134"/>
+          </a:xfrm>
+        </p:spPr>
         <p:txBody>
-          <a:bodyPr/>
+          <a:bodyPr vert="horz" lIns="91440" tIns="45720" rIns="91440" bIns="45720" rtlCol="0" anchor="b">
+            <a:normAutofit/>
+          </a:bodyPr>
           <a:lstStyle/>
           <a:p>
             <a:r>
-              <a:rPr lang="en-US" dirty="0"/>
+              <a:rPr lang="en-US" sz="4800" kern="1200">
+                <a:solidFill>
+                  <a:schemeClr val="tx1"/>
+                </a:solidFill>
+                <a:latin typeface="+mj-lt"/>
+                <a:ea typeface="+mj-ea"/>
+                <a:cs typeface="+mj-cs"/>
+              </a:rPr>
               <a:t>User Interface</a:t>
             </a:r>
           </a:p>
         </p:txBody>
       </p:sp>
+      <p:sp>
+        <p:nvSpPr>
+          <p:cNvPr id="15" name="Rectangle 14">
+            <a:extLst>
+              <a:ext uri="{FF2B5EF4-FFF2-40B4-BE49-F238E27FC236}">
+                <a16:creationId xmlns:a16="http://schemas.microsoft.com/office/drawing/2014/main" id="{AF2F604E-43BE-4DC3-B983-E071523364F8}"/>
+              </a:ext>
+              <a:ext uri="{C183D7F6-B498-43B3-948B-1728B52AA6E4}">
+                <adec:decorative xmlns:adec="http://schemas.microsoft.com/office/drawing/2017/decorative" val="1"/>
+              </a:ext>
+            </a:extLst>
+          </p:cNvPr>
+          <p:cNvSpPr>
+            <a:spLocks noGrp="1" noRot="1" noChangeAspect="1" noMove="1" noResize="1" noEditPoints="1" noAdjustHandles="1" noChangeArrowheads="1" noChangeShapeType="1" noTextEdit="1"/>
+          </p:cNvSpPr>
+          <p:nvPr>
+            <p:extLst>
+              <p:ext uri="{386F3935-93C4-4BCD-93E2-E3B085C9AB24}">
+                <p16:designElem xmlns:p16="http://schemas.microsoft.com/office/powerpoint/2015/main" val="1"/>
+              </p:ext>
+            </p:extLst>
+          </p:nvPr>
+        </p:nvSpPr>
+        <p:spPr>
+          <a:xfrm rot="5400000">
+            <a:off x="759921" y="346791"/>
+            <a:ext cx="146304" cy="704088"/>
+          </a:xfrm>
+          <a:prstGeom prst="rect">
+            <a:avLst/>
+          </a:prstGeom>
+          <a:solidFill>
+            <a:schemeClr val="accent2"/>
+          </a:solidFill>
+          <a:ln>
+            <a:noFill/>
+          </a:ln>
+        </p:spPr>
+        <p:style>
+          <a:lnRef idx="2">
+            <a:schemeClr val="accent1">
+              <a:shade val="50000"/>
+            </a:schemeClr>
+          </a:lnRef>
+          <a:fillRef idx="1">
+            <a:schemeClr val="accent1"/>
+          </a:fillRef>
+          <a:effectRef idx="0">
+            <a:schemeClr val="accent1"/>
+          </a:effectRef>
+          <a:fontRef idx="minor">
+            <a:schemeClr val="lt1"/>
+          </a:fontRef>
+        </p:style>
+        <p:txBody>
+          <a:bodyPr rtlCol="0" anchor="ctr"/>
+          <a:lstStyle/>
+          <a:p>
+            <a:pPr marL="0" marR="0" lvl="0" indent="0" algn="ctr" defTabSz="914400" rtl="0" eaLnBrk="1" fontAlgn="auto" latinLnBrk="0" hangingPunct="1">
+              <a:lnSpc>
+                <a:spcPct val="100000"/>
+              </a:lnSpc>
+              <a:spcBef>
+                <a:spcPts val="0"/>
+              </a:spcBef>
+              <a:spcAft>
+                <a:spcPts val="0"/>
+              </a:spcAft>
+              <a:buClrTx/>
+              <a:buSzTx/>
+              <a:buFontTx/>
+              <a:buNone/>
+              <a:tabLst/>
+              <a:defRPr/>
+            </a:pPr>
+            <a:endParaRPr kumimoji="0" lang="en-US" sz="1800" b="0" i="0" u="none" strike="noStrike" kern="1200" cap="none" spc="0" normalizeH="0" baseline="0" noProof="0">
+              <a:ln>
+                <a:noFill/>
+              </a:ln>
+              <a:solidFill>
+                <a:prstClr val="white"/>
+              </a:solidFill>
+              <a:effectLst/>
+              <a:uLnTx/>
+              <a:uFillTx/>
+              <a:latin typeface="Calibri" panose="020F0502020204030204"/>
+              <a:ea typeface="+mn-ea"/>
+              <a:cs typeface="+mn-cs"/>
+            </a:endParaRPr>
+          </a:p>
+        </p:txBody>
+      </p:sp>
+      <p:sp>
+        <p:nvSpPr>
+          <p:cNvPr id="16" name="Rectangle 15">
+            <a:extLst>
+              <a:ext uri="{FF2B5EF4-FFF2-40B4-BE49-F238E27FC236}">
+                <a16:creationId xmlns:a16="http://schemas.microsoft.com/office/drawing/2014/main" id="{08C9B587-E65E-4B52-B37C-ABEBB6E87928}"/>
+              </a:ext>
+              <a:ext uri="{C183D7F6-B498-43B3-948B-1728B52AA6E4}">
+                <adec:decorative xmlns:adec="http://schemas.microsoft.com/office/drawing/2017/decorative" val="1"/>
+              </a:ext>
+            </a:extLst>
+          </p:cNvPr>
+          <p:cNvSpPr>
+            <a:spLocks noGrp="1" noRot="1" noChangeAspect="1" noMove="1" noResize="1" noEditPoints="1" noAdjustHandles="1" noChangeArrowheads="1" noChangeShapeType="1" noTextEdit="1"/>
+          </p:cNvSpPr>
+          <p:nvPr>
+            <p:extLst>
+              <p:ext uri="{386F3935-93C4-4BCD-93E2-E3B085C9AB24}">
+                <p16:designElem xmlns:p16="http://schemas.microsoft.com/office/powerpoint/2015/main" val="1"/>
+              </p:ext>
+            </p:extLst>
+          </p:nvPr>
+        </p:nvSpPr>
+        <p:spPr>
+          <a:xfrm>
+            <a:off x="481029" y="4546920"/>
+            <a:ext cx="4023360" cy="18288"/>
+          </a:xfrm>
+          <a:prstGeom prst="rect">
+            <a:avLst/>
+          </a:prstGeom>
+          <a:solidFill>
+            <a:srgbClr val="D5D5D5"/>
+          </a:solidFill>
+          <a:ln w="3175">
+            <a:noFill/>
+          </a:ln>
+          <a:effectLst/>
+        </p:spPr>
+        <p:style>
+          <a:lnRef idx="2">
+            <a:schemeClr val="accent1">
+              <a:shade val="50000"/>
+            </a:schemeClr>
+          </a:lnRef>
+          <a:fillRef idx="1">
+            <a:schemeClr val="accent1"/>
+          </a:fillRef>
+          <a:effectRef idx="0">
+            <a:schemeClr val="accent1"/>
+          </a:effectRef>
+          <a:fontRef idx="minor">
+            <a:schemeClr val="lt1"/>
+          </a:fontRef>
+        </p:style>
+        <p:txBody>
+          <a:bodyPr rtlCol="0" anchor="ctr"/>
+          <a:lstStyle/>
+          <a:p>
+            <a:pPr algn="ctr"/>
+            <a:endParaRPr lang="en-US">
+              <a:solidFill>
+                <a:prstClr val="white"/>
+              </a:solidFill>
+              <a:latin typeface="Calibri" panose="020F0502020204030204"/>
+            </a:endParaRPr>
+          </a:p>
+        </p:txBody>
+      </p:sp>
+      <p:pic>
+        <p:nvPicPr>
+          <p:cNvPr id="4" name="Picture 3" descr="A screenshot of a computer&#10;&#10;Description automatically generated">
+            <a:extLst>
+              <a:ext uri="{FF2B5EF4-FFF2-40B4-BE49-F238E27FC236}">
+                <a16:creationId xmlns:a16="http://schemas.microsoft.com/office/drawing/2014/main" id="{9CE54099-AECA-DA69-3350-D1343C093BD7}"/>
+              </a:ext>
+            </a:extLst>
+          </p:cNvPr>
+          <p:cNvPicPr>
+            <a:picLocks noChangeAspect="1"/>
+          </p:cNvPicPr>
+          <p:nvPr/>
+        </p:nvPicPr>
+        <p:blipFill>
+          <a:blip r:embed="rId2"/>
+          <a:stretch>
+            <a:fillRect/>
+          </a:stretch>
+        </p:blipFill>
+        <p:spPr>
+          <a:xfrm>
+            <a:off x="5746225" y="625683"/>
+            <a:ext cx="5083129" cy="5455380"/>
+          </a:xfrm>
+          <a:prstGeom prst="rect">
+            <a:avLst/>
+          </a:prstGeom>
+        </p:spPr>
+      </p:pic>
     </p:spTree>
     <p:extLst>
       <p:ext uri="{BB962C8B-B14F-4D97-AF65-F5344CB8AC3E}">
@@ -4359,652 +5455,6 @@
 <file path=ppt/slides/slide12.xml><?xml version="1.0" encoding="utf-8"?>
 <p:sld xmlns:a="http://schemas.openxmlformats.org/drawingml/2006/main" xmlns:r="http://schemas.openxmlformats.org/officeDocument/2006/relationships" xmlns:p="http://schemas.openxmlformats.org/presentationml/2006/main">
   <p:cSld>
-    <p:spTree>
-      <p:nvGrpSpPr>
-        <p:cNvPr id="1" name=""/>
-        <p:cNvGrpSpPr/>
-        <p:nvPr/>
-      </p:nvGrpSpPr>
-      <p:grpSpPr>
-        <a:xfrm>
-          <a:off x="0" y="0"/>
-          <a:ext cx="0" cy="0"/>
-          <a:chOff x="0" y="0"/>
-          <a:chExt cx="0" cy="0"/>
-        </a:xfrm>
-      </p:grpSpPr>
-      <p:sp>
-        <p:nvSpPr>
-          <p:cNvPr id="2" name="Title 1">
-            <a:extLst>
-              <a:ext uri="{FF2B5EF4-FFF2-40B4-BE49-F238E27FC236}">
-                <a16:creationId xmlns:a16="http://schemas.microsoft.com/office/drawing/2014/main" id="{1011F8B9-E87C-1BCD-BFB6-00D22ECC52C8}"/>
-              </a:ext>
-            </a:extLst>
-          </p:cNvPr>
-          <p:cNvSpPr>
-            <a:spLocks noGrp="1"/>
-          </p:cNvSpPr>
-          <p:nvPr>
-            <p:ph type="title"/>
-          </p:nvPr>
-        </p:nvSpPr>
-        <p:spPr/>
-        <p:txBody>
-          <a:bodyPr/>
-          <a:lstStyle/>
-          <a:p>
-            <a:r>
-              <a:rPr lang="en-US" dirty="0"/>
-              <a:t>Queries - UI</a:t>
-            </a:r>
-          </a:p>
-        </p:txBody>
-      </p:sp>
-    </p:spTree>
-    <p:extLst>
-      <p:ext uri="{BB962C8B-B14F-4D97-AF65-F5344CB8AC3E}">
-        <p14:creationId xmlns:p14="http://schemas.microsoft.com/office/powerpoint/2010/main" val="1375560455"/>
-      </p:ext>
-    </p:extLst>
-  </p:cSld>
-  <p:clrMapOvr>
-    <a:masterClrMapping/>
-  </p:clrMapOvr>
-</p:sld>
-</file>
-
-<file path=ppt/slides/slide13.xml><?xml version="1.0" encoding="utf-8"?>
-<p:sld xmlns:a="http://schemas.openxmlformats.org/drawingml/2006/main" xmlns:r="http://schemas.openxmlformats.org/officeDocument/2006/relationships" xmlns:p="http://schemas.openxmlformats.org/presentationml/2006/main">
-  <p:cSld>
-    <p:spTree>
-      <p:nvGrpSpPr>
-        <p:cNvPr id="1" name=""/>
-        <p:cNvGrpSpPr/>
-        <p:nvPr/>
-      </p:nvGrpSpPr>
-      <p:grpSpPr>
-        <a:xfrm>
-          <a:off x="0" y="0"/>
-          <a:ext cx="0" cy="0"/>
-          <a:chOff x="0" y="0"/>
-          <a:chExt cx="0" cy="0"/>
-        </a:xfrm>
-      </p:grpSpPr>
-      <p:sp>
-        <p:nvSpPr>
-          <p:cNvPr id="2" name="Title 1">
-            <a:extLst>
-              <a:ext uri="{FF2B5EF4-FFF2-40B4-BE49-F238E27FC236}">
-                <a16:creationId xmlns:a16="http://schemas.microsoft.com/office/drawing/2014/main" id="{E4774454-61DD-F280-066E-5E9431D737E6}"/>
-              </a:ext>
-            </a:extLst>
-          </p:cNvPr>
-          <p:cNvSpPr>
-            <a:spLocks noGrp="1"/>
-          </p:cNvSpPr>
-          <p:nvPr>
-            <p:ph type="title"/>
-          </p:nvPr>
-        </p:nvSpPr>
-        <p:spPr/>
-        <p:txBody>
-          <a:bodyPr/>
-          <a:lstStyle/>
-          <a:p>
-            <a:r>
-              <a:rPr lang="en-US" dirty="0"/>
-              <a:t>Insertions</a:t>
-            </a:r>
-          </a:p>
-        </p:txBody>
-      </p:sp>
-      <p:pic>
-        <p:nvPicPr>
-          <p:cNvPr id="5" name="Picture 4">
-            <a:extLst>
-              <a:ext uri="{FF2B5EF4-FFF2-40B4-BE49-F238E27FC236}">
-                <a16:creationId xmlns:a16="http://schemas.microsoft.com/office/drawing/2014/main" id="{87F1C044-D5BD-E9AC-C615-681E5E52F4D0}"/>
-              </a:ext>
-            </a:extLst>
-          </p:cNvPr>
-          <p:cNvPicPr>
-            <a:picLocks noChangeAspect="1"/>
-          </p:cNvPicPr>
-          <p:nvPr/>
-        </p:nvPicPr>
-        <p:blipFill>
-          <a:blip r:embed="rId2"/>
-          <a:stretch>
-            <a:fillRect/>
-          </a:stretch>
-        </p:blipFill>
-        <p:spPr>
-          <a:xfrm>
-            <a:off x="228206" y="3272618"/>
-            <a:ext cx="5972692" cy="312759"/>
-          </a:xfrm>
-          <a:prstGeom prst="rect">
-            <a:avLst/>
-          </a:prstGeom>
-        </p:spPr>
-      </p:pic>
-      <p:pic>
-        <p:nvPicPr>
-          <p:cNvPr id="7" name="Picture 6">
-            <a:extLst>
-              <a:ext uri="{FF2B5EF4-FFF2-40B4-BE49-F238E27FC236}">
-                <a16:creationId xmlns:a16="http://schemas.microsoft.com/office/drawing/2014/main" id="{101384AF-90F0-5480-B504-7405045888A7}"/>
-              </a:ext>
-            </a:extLst>
-          </p:cNvPr>
-          <p:cNvPicPr>
-            <a:picLocks noChangeAspect="1"/>
-          </p:cNvPicPr>
-          <p:nvPr/>
-        </p:nvPicPr>
-        <p:blipFill>
-          <a:blip r:embed="rId3"/>
-          <a:stretch>
-            <a:fillRect/>
-          </a:stretch>
-        </p:blipFill>
-        <p:spPr>
-          <a:xfrm>
-            <a:off x="6451600" y="57137"/>
-            <a:ext cx="5639587" cy="6743723"/>
-          </a:xfrm>
-          <a:prstGeom prst="rect">
-            <a:avLst/>
-          </a:prstGeom>
-        </p:spPr>
-      </p:pic>
-    </p:spTree>
-    <p:extLst>
-      <p:ext uri="{BB962C8B-B14F-4D97-AF65-F5344CB8AC3E}">
-        <p14:creationId xmlns:p14="http://schemas.microsoft.com/office/powerpoint/2010/main" val="3438398377"/>
-      </p:ext>
-    </p:extLst>
-  </p:cSld>
-  <p:clrMapOvr>
-    <a:masterClrMapping/>
-  </p:clrMapOvr>
-</p:sld>
-</file>
-
-<file path=ppt/slides/slide14.xml><?xml version="1.0" encoding="utf-8"?>
-<p:sld xmlns:a="http://schemas.openxmlformats.org/drawingml/2006/main" xmlns:r="http://schemas.openxmlformats.org/officeDocument/2006/relationships" xmlns:p="http://schemas.openxmlformats.org/presentationml/2006/main">
-  <p:cSld>
-    <p:spTree>
-      <p:nvGrpSpPr>
-        <p:cNvPr id="1" name=""/>
-        <p:cNvGrpSpPr/>
-        <p:nvPr/>
-      </p:nvGrpSpPr>
-      <p:grpSpPr>
-        <a:xfrm>
-          <a:off x="0" y="0"/>
-          <a:ext cx="0" cy="0"/>
-          <a:chOff x="0" y="0"/>
-          <a:chExt cx="0" cy="0"/>
-        </a:xfrm>
-      </p:grpSpPr>
-      <p:sp>
-        <p:nvSpPr>
-          <p:cNvPr id="2" name="Title 1">
-            <a:extLst>
-              <a:ext uri="{FF2B5EF4-FFF2-40B4-BE49-F238E27FC236}">
-                <a16:creationId xmlns:a16="http://schemas.microsoft.com/office/drawing/2014/main" id="{16079329-BB1A-DED9-A658-2A5F12F0D599}"/>
-              </a:ext>
-            </a:extLst>
-          </p:cNvPr>
-          <p:cNvSpPr>
-            <a:spLocks noGrp="1"/>
-          </p:cNvSpPr>
-          <p:nvPr>
-            <p:ph type="title"/>
-          </p:nvPr>
-        </p:nvSpPr>
-        <p:spPr/>
-        <p:txBody>
-          <a:bodyPr/>
-          <a:lstStyle/>
-          <a:p>
-            <a:r>
-              <a:rPr lang="en-US" dirty="0"/>
-              <a:t>Insertions - UI</a:t>
-            </a:r>
-          </a:p>
-        </p:txBody>
-      </p:sp>
-    </p:spTree>
-    <p:extLst>
-      <p:ext uri="{BB962C8B-B14F-4D97-AF65-F5344CB8AC3E}">
-        <p14:creationId xmlns:p14="http://schemas.microsoft.com/office/powerpoint/2010/main" val="3184911814"/>
-      </p:ext>
-    </p:extLst>
-  </p:cSld>
-  <p:clrMapOvr>
-    <a:masterClrMapping/>
-  </p:clrMapOvr>
-</p:sld>
-</file>
-
-<file path=ppt/slides/slide15.xml><?xml version="1.0" encoding="utf-8"?>
-<p:sld xmlns:a="http://schemas.openxmlformats.org/drawingml/2006/main" xmlns:r="http://schemas.openxmlformats.org/officeDocument/2006/relationships" xmlns:p="http://schemas.openxmlformats.org/presentationml/2006/main">
-  <p:cSld>
-    <p:spTree>
-      <p:nvGrpSpPr>
-        <p:cNvPr id="1" name=""/>
-        <p:cNvGrpSpPr/>
-        <p:nvPr/>
-      </p:nvGrpSpPr>
-      <p:grpSpPr>
-        <a:xfrm>
-          <a:off x="0" y="0"/>
-          <a:ext cx="0" cy="0"/>
-          <a:chOff x="0" y="0"/>
-          <a:chExt cx="0" cy="0"/>
-        </a:xfrm>
-      </p:grpSpPr>
-      <p:sp>
-        <p:nvSpPr>
-          <p:cNvPr id="2" name="Title 1">
-            <a:extLst>
-              <a:ext uri="{FF2B5EF4-FFF2-40B4-BE49-F238E27FC236}">
-                <a16:creationId xmlns:a16="http://schemas.microsoft.com/office/drawing/2014/main" id="{B0F109CC-FD16-B91C-1E0C-769B8C5B4D65}"/>
-              </a:ext>
-            </a:extLst>
-          </p:cNvPr>
-          <p:cNvSpPr>
-            <a:spLocks noGrp="1"/>
-          </p:cNvSpPr>
-          <p:nvPr>
-            <p:ph type="title"/>
-          </p:nvPr>
-        </p:nvSpPr>
-        <p:spPr/>
-        <p:txBody>
-          <a:bodyPr/>
-          <a:lstStyle/>
-          <a:p>
-            <a:r>
-              <a:rPr lang="en-US" dirty="0"/>
-              <a:t>Deletions</a:t>
-            </a:r>
-          </a:p>
-        </p:txBody>
-      </p:sp>
-      <p:pic>
-        <p:nvPicPr>
-          <p:cNvPr id="5" name="Picture 4">
-            <a:extLst>
-              <a:ext uri="{FF2B5EF4-FFF2-40B4-BE49-F238E27FC236}">
-                <a16:creationId xmlns:a16="http://schemas.microsoft.com/office/drawing/2014/main" id="{330CBA94-380D-F1AD-4022-3E51E938F6EA}"/>
-              </a:ext>
-            </a:extLst>
-          </p:cNvPr>
-          <p:cNvPicPr>
-            <a:picLocks noChangeAspect="1"/>
-          </p:cNvPicPr>
-          <p:nvPr/>
-        </p:nvPicPr>
-        <p:blipFill>
-          <a:blip r:embed="rId2"/>
-          <a:stretch>
-            <a:fillRect/>
-          </a:stretch>
-        </p:blipFill>
-        <p:spPr>
-          <a:xfrm>
-            <a:off x="838200" y="4464764"/>
-            <a:ext cx="6898025" cy="734701"/>
-          </a:xfrm>
-          <a:prstGeom prst="rect">
-            <a:avLst/>
-          </a:prstGeom>
-        </p:spPr>
-      </p:pic>
-      <p:pic>
-        <p:nvPicPr>
-          <p:cNvPr id="6" name="Picture 5" descr="A screenshot of a computer&#10;&#10;Description automatically generated">
-            <a:extLst>
-              <a:ext uri="{FF2B5EF4-FFF2-40B4-BE49-F238E27FC236}">
-                <a16:creationId xmlns:a16="http://schemas.microsoft.com/office/drawing/2014/main" id="{183D4250-D322-E969-E364-952DF71B96A8}"/>
-              </a:ext>
-            </a:extLst>
-          </p:cNvPr>
-          <p:cNvPicPr>
-            <a:picLocks noChangeAspect="1"/>
-          </p:cNvPicPr>
-          <p:nvPr/>
-        </p:nvPicPr>
-        <p:blipFill>
-          <a:blip r:embed="rId3"/>
-          <a:stretch>
-            <a:fillRect/>
-          </a:stretch>
-        </p:blipFill>
-        <p:spPr>
-          <a:xfrm>
-            <a:off x="4351810" y="365125"/>
-            <a:ext cx="7001990" cy="3906452"/>
-          </a:xfrm>
-          <a:prstGeom prst="rect">
-            <a:avLst/>
-          </a:prstGeom>
-        </p:spPr>
-      </p:pic>
-      <p:pic>
-        <p:nvPicPr>
-          <p:cNvPr id="9" name="Picture 8">
-            <a:extLst>
-              <a:ext uri="{FF2B5EF4-FFF2-40B4-BE49-F238E27FC236}">
-                <a16:creationId xmlns:a16="http://schemas.microsoft.com/office/drawing/2014/main" id="{29CC6E35-37C4-AD62-12AA-E0AA14484275}"/>
-              </a:ext>
-            </a:extLst>
-          </p:cNvPr>
-          <p:cNvPicPr>
-            <a:picLocks noChangeAspect="1"/>
-          </p:cNvPicPr>
-          <p:nvPr/>
-        </p:nvPicPr>
-        <p:blipFill>
-          <a:blip r:embed="rId4"/>
-          <a:stretch>
-            <a:fillRect/>
-          </a:stretch>
-        </p:blipFill>
-        <p:spPr>
-          <a:xfrm>
-            <a:off x="4632905" y="5392652"/>
-            <a:ext cx="6439799" cy="1228896"/>
-          </a:xfrm>
-          <a:prstGeom prst="rect">
-            <a:avLst/>
-          </a:prstGeom>
-        </p:spPr>
-      </p:pic>
-    </p:spTree>
-    <p:extLst>
-      <p:ext uri="{BB962C8B-B14F-4D97-AF65-F5344CB8AC3E}">
-        <p14:creationId xmlns:p14="http://schemas.microsoft.com/office/powerpoint/2010/main" val="1551043271"/>
-      </p:ext>
-    </p:extLst>
-  </p:cSld>
-  <p:clrMapOvr>
-    <a:masterClrMapping/>
-  </p:clrMapOvr>
-</p:sld>
-</file>
-
-<file path=ppt/slides/slide16.xml><?xml version="1.0" encoding="utf-8"?>
-<p:sld xmlns:a="http://schemas.openxmlformats.org/drawingml/2006/main" xmlns:r="http://schemas.openxmlformats.org/officeDocument/2006/relationships" xmlns:p="http://schemas.openxmlformats.org/presentationml/2006/main">
-  <p:cSld>
-    <p:spTree>
-      <p:nvGrpSpPr>
-        <p:cNvPr id="1" name=""/>
-        <p:cNvGrpSpPr/>
-        <p:nvPr/>
-      </p:nvGrpSpPr>
-      <p:grpSpPr>
-        <a:xfrm>
-          <a:off x="0" y="0"/>
-          <a:ext cx="0" cy="0"/>
-          <a:chOff x="0" y="0"/>
-          <a:chExt cx="0" cy="0"/>
-        </a:xfrm>
-      </p:grpSpPr>
-      <p:sp>
-        <p:nvSpPr>
-          <p:cNvPr id="2" name="Title 1">
-            <a:extLst>
-              <a:ext uri="{FF2B5EF4-FFF2-40B4-BE49-F238E27FC236}">
-                <a16:creationId xmlns:a16="http://schemas.microsoft.com/office/drawing/2014/main" id="{F365F436-B59A-6C50-7F06-A40744741A8D}"/>
-              </a:ext>
-            </a:extLst>
-          </p:cNvPr>
-          <p:cNvSpPr>
-            <a:spLocks noGrp="1"/>
-          </p:cNvSpPr>
-          <p:nvPr>
-            <p:ph type="title"/>
-          </p:nvPr>
-        </p:nvSpPr>
-        <p:spPr/>
-        <p:txBody>
-          <a:bodyPr/>
-          <a:lstStyle/>
-          <a:p>
-            <a:r>
-              <a:rPr lang="en-US" dirty="0"/>
-              <a:t>Deletions - UI</a:t>
-            </a:r>
-          </a:p>
-        </p:txBody>
-      </p:sp>
-    </p:spTree>
-    <p:extLst>
-      <p:ext uri="{BB962C8B-B14F-4D97-AF65-F5344CB8AC3E}">
-        <p14:creationId xmlns:p14="http://schemas.microsoft.com/office/powerpoint/2010/main" val="1803299436"/>
-      </p:ext>
-    </p:extLst>
-  </p:cSld>
-  <p:clrMapOvr>
-    <a:masterClrMapping/>
-  </p:clrMapOvr>
-</p:sld>
-</file>
-
-<file path=ppt/slides/slide17.xml><?xml version="1.0" encoding="utf-8"?>
-<p:sld xmlns:a="http://schemas.openxmlformats.org/drawingml/2006/main" xmlns:r="http://schemas.openxmlformats.org/officeDocument/2006/relationships" xmlns:p="http://schemas.openxmlformats.org/presentationml/2006/main">
-  <p:cSld>
-    <p:spTree>
-      <p:nvGrpSpPr>
-        <p:cNvPr id="1" name=""/>
-        <p:cNvGrpSpPr/>
-        <p:nvPr/>
-      </p:nvGrpSpPr>
-      <p:grpSpPr>
-        <a:xfrm>
-          <a:off x="0" y="0"/>
-          <a:ext cx="0" cy="0"/>
-          <a:chOff x="0" y="0"/>
-          <a:chExt cx="0" cy="0"/>
-        </a:xfrm>
-      </p:grpSpPr>
-      <p:sp>
-        <p:nvSpPr>
-          <p:cNvPr id="2" name="Title 1">
-            <a:extLst>
-              <a:ext uri="{FF2B5EF4-FFF2-40B4-BE49-F238E27FC236}">
-                <a16:creationId xmlns:a16="http://schemas.microsoft.com/office/drawing/2014/main" id="{455EB3C1-28CF-6404-51AA-D8889E258E5B}"/>
-              </a:ext>
-            </a:extLst>
-          </p:cNvPr>
-          <p:cNvSpPr>
-            <a:spLocks noGrp="1"/>
-          </p:cNvSpPr>
-          <p:nvPr>
-            <p:ph type="title"/>
-          </p:nvPr>
-        </p:nvSpPr>
-        <p:spPr/>
-        <p:txBody>
-          <a:bodyPr/>
-          <a:lstStyle/>
-          <a:p>
-            <a:r>
-              <a:rPr lang="en-US" dirty="0"/>
-              <a:t>Updates</a:t>
-            </a:r>
-          </a:p>
-        </p:txBody>
-      </p:sp>
-      <p:pic>
-        <p:nvPicPr>
-          <p:cNvPr id="5" name="Picture 4">
-            <a:extLst>
-              <a:ext uri="{FF2B5EF4-FFF2-40B4-BE49-F238E27FC236}">
-                <a16:creationId xmlns:a16="http://schemas.microsoft.com/office/drawing/2014/main" id="{196458F5-9F40-39F9-28E2-EE99859F9B7A}"/>
-              </a:ext>
-            </a:extLst>
-          </p:cNvPr>
-          <p:cNvPicPr>
-            <a:picLocks noChangeAspect="1"/>
-          </p:cNvPicPr>
-          <p:nvPr/>
-        </p:nvPicPr>
-        <p:blipFill>
-          <a:blip r:embed="rId2"/>
-          <a:stretch>
-            <a:fillRect/>
-          </a:stretch>
-        </p:blipFill>
-        <p:spPr>
-          <a:xfrm>
-            <a:off x="139700" y="1690688"/>
-            <a:ext cx="5842000" cy="597230"/>
-          </a:xfrm>
-          <a:prstGeom prst="rect">
-            <a:avLst/>
-          </a:prstGeom>
-        </p:spPr>
-      </p:pic>
-      <p:pic>
-        <p:nvPicPr>
-          <p:cNvPr id="6" name="Picture 5" descr="A screenshot of a computer&#10;&#10;Description automatically generated">
-            <a:extLst>
-              <a:ext uri="{FF2B5EF4-FFF2-40B4-BE49-F238E27FC236}">
-                <a16:creationId xmlns:a16="http://schemas.microsoft.com/office/drawing/2014/main" id="{C60FEE8D-D99D-DAA1-2FBB-5A00AFB6F5A6}"/>
-              </a:ext>
-            </a:extLst>
-          </p:cNvPr>
-          <p:cNvPicPr>
-            <a:picLocks noChangeAspect="1"/>
-          </p:cNvPicPr>
-          <p:nvPr/>
-        </p:nvPicPr>
-        <p:blipFill>
-          <a:blip r:embed="rId3"/>
-          <a:stretch>
-            <a:fillRect/>
-          </a:stretch>
-        </p:blipFill>
-        <p:spPr>
-          <a:xfrm>
-            <a:off x="6096000" y="365125"/>
-            <a:ext cx="5842000" cy="4521309"/>
-          </a:xfrm>
-          <a:prstGeom prst="rect">
-            <a:avLst/>
-          </a:prstGeom>
-        </p:spPr>
-      </p:pic>
-      <p:pic>
-        <p:nvPicPr>
-          <p:cNvPr id="8" name="Picture 7">
-            <a:extLst>
-              <a:ext uri="{FF2B5EF4-FFF2-40B4-BE49-F238E27FC236}">
-                <a16:creationId xmlns:a16="http://schemas.microsoft.com/office/drawing/2014/main" id="{B32DE423-4AE6-67C3-67EA-8ECE6BEA1F94}"/>
-              </a:ext>
-            </a:extLst>
-          </p:cNvPr>
-          <p:cNvPicPr>
-            <a:picLocks noChangeAspect="1"/>
-          </p:cNvPicPr>
-          <p:nvPr/>
-        </p:nvPicPr>
-        <p:blipFill>
-          <a:blip r:embed="rId4"/>
-          <a:stretch>
-            <a:fillRect/>
-          </a:stretch>
-        </p:blipFill>
-        <p:spPr>
-          <a:xfrm>
-            <a:off x="312354" y="2474290"/>
-            <a:ext cx="5496692" cy="4191585"/>
-          </a:xfrm>
-          <a:prstGeom prst="rect">
-            <a:avLst/>
-          </a:prstGeom>
-        </p:spPr>
-      </p:pic>
-    </p:spTree>
-    <p:extLst>
-      <p:ext uri="{BB962C8B-B14F-4D97-AF65-F5344CB8AC3E}">
-        <p14:creationId xmlns:p14="http://schemas.microsoft.com/office/powerpoint/2010/main" val="1264183051"/>
-      </p:ext>
-    </p:extLst>
-  </p:cSld>
-  <p:clrMapOvr>
-    <a:masterClrMapping/>
-  </p:clrMapOvr>
-</p:sld>
-</file>
-
-<file path=ppt/slides/slide18.xml><?xml version="1.0" encoding="utf-8"?>
-<p:sld xmlns:a="http://schemas.openxmlformats.org/drawingml/2006/main" xmlns:r="http://schemas.openxmlformats.org/officeDocument/2006/relationships" xmlns:p="http://schemas.openxmlformats.org/presentationml/2006/main">
-  <p:cSld>
-    <p:spTree>
-      <p:nvGrpSpPr>
-        <p:cNvPr id="1" name=""/>
-        <p:cNvGrpSpPr/>
-        <p:nvPr/>
-      </p:nvGrpSpPr>
-      <p:grpSpPr>
-        <a:xfrm>
-          <a:off x="0" y="0"/>
-          <a:ext cx="0" cy="0"/>
-          <a:chOff x="0" y="0"/>
-          <a:chExt cx="0" cy="0"/>
-        </a:xfrm>
-      </p:grpSpPr>
-      <p:sp>
-        <p:nvSpPr>
-          <p:cNvPr id="2" name="Title 1">
-            <a:extLst>
-              <a:ext uri="{FF2B5EF4-FFF2-40B4-BE49-F238E27FC236}">
-                <a16:creationId xmlns:a16="http://schemas.microsoft.com/office/drawing/2014/main" id="{976B5143-966B-D8FA-DEB7-551CFAC1B4A2}"/>
-              </a:ext>
-            </a:extLst>
-          </p:cNvPr>
-          <p:cNvSpPr>
-            <a:spLocks noGrp="1"/>
-          </p:cNvSpPr>
-          <p:nvPr>
-            <p:ph type="title"/>
-          </p:nvPr>
-        </p:nvSpPr>
-        <p:spPr/>
-        <p:txBody>
-          <a:bodyPr/>
-          <a:lstStyle/>
-          <a:p>
-            <a:r>
-              <a:rPr lang="en-US" dirty="0"/>
-              <a:t>Updates - UI</a:t>
-            </a:r>
-          </a:p>
-        </p:txBody>
-      </p:sp>
-    </p:spTree>
-    <p:extLst>
-      <p:ext uri="{BB962C8B-B14F-4D97-AF65-F5344CB8AC3E}">
-        <p14:creationId xmlns:p14="http://schemas.microsoft.com/office/powerpoint/2010/main" val="4190498982"/>
-      </p:ext>
-    </p:extLst>
-  </p:cSld>
-  <p:clrMapOvr>
-    <a:masterClrMapping/>
-  </p:clrMapOvr>
-</p:sld>
-</file>
-
-<file path=ppt/slides/slide19.xml><?xml version="1.0" encoding="utf-8"?>
-<p:sld xmlns:a="http://schemas.openxmlformats.org/drawingml/2006/main" xmlns:r="http://schemas.openxmlformats.org/officeDocument/2006/relationships" xmlns:p="http://schemas.openxmlformats.org/presentationml/2006/main">
-  <p:cSld>
     <p:bg>
       <p:bgPr>
         <a:solidFill>
@@ -5029,10 +5479,613 @@
       </p:grpSpPr>
       <p:sp useBgFill="1">
         <p:nvSpPr>
-          <p:cNvPr id="1049" name="Rectangle 1048">
-            <a:extLst>
-              <a:ext uri="{FF2B5EF4-FFF2-40B4-BE49-F238E27FC236}">
-                <a16:creationId xmlns:a16="http://schemas.microsoft.com/office/drawing/2014/main" id="{8C886788-700E-4D20-9F80-E0E96837A203}"/>
+          <p:cNvPr id="19" name="Rectangle 18">
+            <a:extLst>
+              <a:ext uri="{FF2B5EF4-FFF2-40B4-BE49-F238E27FC236}">
+                <a16:creationId xmlns:a16="http://schemas.microsoft.com/office/drawing/2014/main" id="{7C98A213-5994-475E-B327-DC6EC27FBA8B}"/>
+              </a:ext>
+              <a:ext uri="{C183D7F6-B498-43B3-948B-1728B52AA6E4}">
+                <adec:decorative xmlns:adec="http://schemas.microsoft.com/office/drawing/2017/decorative" val="1"/>
+              </a:ext>
+            </a:extLst>
+          </p:cNvPr>
+          <p:cNvSpPr>
+            <a:spLocks noGrp="1" noRot="1" noChangeAspect="1" noMove="1" noResize="1" noEditPoints="1" noAdjustHandles="1" noChangeArrowheads="1" noChangeShapeType="1" noTextEdit="1"/>
+          </p:cNvSpPr>
+          <p:nvPr>
+            <p:extLst>
+              <p:ext uri="{386F3935-93C4-4BCD-93E2-E3B085C9AB24}">
+                <p16:designElem xmlns:p16="http://schemas.microsoft.com/office/powerpoint/2015/main" val="1"/>
+              </p:ext>
+            </p:extLst>
+          </p:nvPr>
+        </p:nvSpPr>
+        <p:spPr>
+          <a:xfrm>
+            <a:off x="0" y="0"/>
+            <a:ext cx="12188952" cy="6858000"/>
+          </a:xfrm>
+          <a:prstGeom prst="rect">
+            <a:avLst/>
+          </a:prstGeom>
+          <a:ln>
+            <a:noFill/>
+          </a:ln>
+        </p:spPr>
+        <p:style>
+          <a:lnRef idx="2">
+            <a:schemeClr val="accent1">
+              <a:shade val="50000"/>
+            </a:schemeClr>
+          </a:lnRef>
+          <a:fillRef idx="1">
+            <a:schemeClr val="accent1"/>
+          </a:fillRef>
+          <a:effectRef idx="0">
+            <a:schemeClr val="accent1"/>
+          </a:effectRef>
+          <a:fontRef idx="minor">
+            <a:schemeClr val="lt1"/>
+          </a:fontRef>
+        </p:style>
+        <p:txBody>
+          <a:bodyPr rtlCol="0" anchor="ctr"/>
+          <a:lstStyle/>
+          <a:p>
+            <a:pPr algn="ctr"/>
+            <a:endParaRPr lang="en-US"/>
+          </a:p>
+        </p:txBody>
+      </p:sp>
+      <p:sp>
+        <p:nvSpPr>
+          <p:cNvPr id="2" name="Title 1">
+            <a:extLst>
+              <a:ext uri="{FF2B5EF4-FFF2-40B4-BE49-F238E27FC236}">
+                <a16:creationId xmlns:a16="http://schemas.microsoft.com/office/drawing/2014/main" id="{1011F8B9-E87C-1BCD-BFB6-00D22ECC52C8}"/>
+              </a:ext>
+            </a:extLst>
+          </p:cNvPr>
+          <p:cNvSpPr>
+            <a:spLocks noGrp="1"/>
+          </p:cNvSpPr>
+          <p:nvPr>
+            <p:ph type="title"/>
+          </p:nvPr>
+        </p:nvSpPr>
+        <p:spPr>
+          <a:xfrm>
+            <a:off x="638881" y="670218"/>
+            <a:ext cx="10909640" cy="1065836"/>
+          </a:xfrm>
+        </p:spPr>
+        <p:txBody>
+          <a:bodyPr vert="horz" lIns="91440" tIns="45720" rIns="91440" bIns="45720" rtlCol="0" anchor="ctr">
+            <a:normAutofit/>
+          </a:bodyPr>
+          <a:lstStyle/>
+          <a:p>
+            <a:pPr algn="ctr"/>
+            <a:r>
+              <a:rPr lang="en-US" sz="6600"/>
+              <a:t>Queries - UI</a:t>
+            </a:r>
+          </a:p>
+        </p:txBody>
+      </p:sp>
+      <p:sp>
+        <p:nvSpPr>
+          <p:cNvPr id="21" name="sketch line">
+            <a:extLst>
+              <a:ext uri="{FF2B5EF4-FFF2-40B4-BE49-F238E27FC236}">
+                <a16:creationId xmlns:a16="http://schemas.microsoft.com/office/drawing/2014/main" id="{4B030A0D-0DAD-4A99-89BB-419527D6A64B}"/>
+              </a:ext>
+              <a:ext uri="{C183D7F6-B498-43B3-948B-1728B52AA6E4}">
+                <adec:decorative xmlns:adec="http://schemas.microsoft.com/office/drawing/2017/decorative" val="1"/>
+              </a:ext>
+            </a:extLst>
+          </p:cNvPr>
+          <p:cNvSpPr>
+            <a:spLocks noGrp="1" noRot="1" noChangeAspect="1" noMove="1" noResize="1" noEditPoints="1" noAdjustHandles="1" noChangeArrowheads="1" noChangeShapeType="1" noTextEdit="1"/>
+          </p:cNvSpPr>
+          <p:nvPr>
+            <p:extLst>
+              <p:ext uri="{386F3935-93C4-4BCD-93E2-E3B085C9AB24}">
+                <p16:designElem xmlns:p16="http://schemas.microsoft.com/office/powerpoint/2015/main" val="1"/>
+              </p:ext>
+            </p:extLst>
+          </p:nvPr>
+        </p:nvSpPr>
+        <p:spPr>
+          <a:xfrm>
+            <a:off x="3389376" y="1800088"/>
+            <a:ext cx="5410200" cy="18288"/>
+          </a:xfrm>
+          <a:custGeom>
+            <a:avLst/>
+            <a:gdLst>
+              <a:gd name="connsiteX0" fmla="*/ 0 w 5410200"/>
+              <a:gd name="connsiteY0" fmla="*/ 0 h 18288"/>
+              <a:gd name="connsiteX1" fmla="*/ 568071 w 5410200"/>
+              <a:gd name="connsiteY1" fmla="*/ 0 h 18288"/>
+              <a:gd name="connsiteX2" fmla="*/ 1298448 w 5410200"/>
+              <a:gd name="connsiteY2" fmla="*/ 0 h 18288"/>
+              <a:gd name="connsiteX3" fmla="*/ 1920621 w 5410200"/>
+              <a:gd name="connsiteY3" fmla="*/ 0 h 18288"/>
+              <a:gd name="connsiteX4" fmla="*/ 2488692 w 5410200"/>
+              <a:gd name="connsiteY4" fmla="*/ 0 h 18288"/>
+              <a:gd name="connsiteX5" fmla="*/ 3219069 w 5410200"/>
+              <a:gd name="connsiteY5" fmla="*/ 0 h 18288"/>
+              <a:gd name="connsiteX6" fmla="*/ 3895344 w 5410200"/>
+              <a:gd name="connsiteY6" fmla="*/ 0 h 18288"/>
+              <a:gd name="connsiteX7" fmla="*/ 4571619 w 5410200"/>
+              <a:gd name="connsiteY7" fmla="*/ 0 h 18288"/>
+              <a:gd name="connsiteX8" fmla="*/ 5410200 w 5410200"/>
+              <a:gd name="connsiteY8" fmla="*/ 0 h 18288"/>
+              <a:gd name="connsiteX9" fmla="*/ 5410200 w 5410200"/>
+              <a:gd name="connsiteY9" fmla="*/ 18288 h 18288"/>
+              <a:gd name="connsiteX10" fmla="*/ 4842129 w 5410200"/>
+              <a:gd name="connsiteY10" fmla="*/ 18288 h 18288"/>
+              <a:gd name="connsiteX11" fmla="*/ 4328160 w 5410200"/>
+              <a:gd name="connsiteY11" fmla="*/ 18288 h 18288"/>
+              <a:gd name="connsiteX12" fmla="*/ 3597783 w 5410200"/>
+              <a:gd name="connsiteY12" fmla="*/ 18288 h 18288"/>
+              <a:gd name="connsiteX13" fmla="*/ 3029712 w 5410200"/>
+              <a:gd name="connsiteY13" fmla="*/ 18288 h 18288"/>
+              <a:gd name="connsiteX14" fmla="*/ 2299335 w 5410200"/>
+              <a:gd name="connsiteY14" fmla="*/ 18288 h 18288"/>
+              <a:gd name="connsiteX15" fmla="*/ 1514856 w 5410200"/>
+              <a:gd name="connsiteY15" fmla="*/ 18288 h 18288"/>
+              <a:gd name="connsiteX16" fmla="*/ 892683 w 5410200"/>
+              <a:gd name="connsiteY16" fmla="*/ 18288 h 18288"/>
+              <a:gd name="connsiteX17" fmla="*/ 0 w 5410200"/>
+              <a:gd name="connsiteY17" fmla="*/ 18288 h 18288"/>
+              <a:gd name="connsiteX18" fmla="*/ 0 w 5410200"/>
+              <a:gd name="connsiteY18" fmla="*/ 0 h 18288"/>
+            </a:gdLst>
+            <a:ahLst/>
+            <a:cxnLst>
+              <a:cxn ang="0">
+                <a:pos x="connsiteX0" y="connsiteY0"/>
+              </a:cxn>
+              <a:cxn ang="0">
+                <a:pos x="connsiteX1" y="connsiteY1"/>
+              </a:cxn>
+              <a:cxn ang="0">
+                <a:pos x="connsiteX2" y="connsiteY2"/>
+              </a:cxn>
+              <a:cxn ang="0">
+                <a:pos x="connsiteX3" y="connsiteY3"/>
+              </a:cxn>
+              <a:cxn ang="0">
+                <a:pos x="connsiteX4" y="connsiteY4"/>
+              </a:cxn>
+              <a:cxn ang="0">
+                <a:pos x="connsiteX5" y="connsiteY5"/>
+              </a:cxn>
+              <a:cxn ang="0">
+                <a:pos x="connsiteX6" y="connsiteY6"/>
+              </a:cxn>
+              <a:cxn ang="0">
+                <a:pos x="connsiteX7" y="connsiteY7"/>
+              </a:cxn>
+              <a:cxn ang="0">
+                <a:pos x="connsiteX8" y="connsiteY8"/>
+              </a:cxn>
+              <a:cxn ang="0">
+                <a:pos x="connsiteX9" y="connsiteY9"/>
+              </a:cxn>
+              <a:cxn ang="0">
+                <a:pos x="connsiteX10" y="connsiteY10"/>
+              </a:cxn>
+              <a:cxn ang="0">
+                <a:pos x="connsiteX11" y="connsiteY11"/>
+              </a:cxn>
+              <a:cxn ang="0">
+                <a:pos x="connsiteX12" y="connsiteY12"/>
+              </a:cxn>
+              <a:cxn ang="0">
+                <a:pos x="connsiteX13" y="connsiteY13"/>
+              </a:cxn>
+              <a:cxn ang="0">
+                <a:pos x="connsiteX14" y="connsiteY14"/>
+              </a:cxn>
+              <a:cxn ang="0">
+                <a:pos x="connsiteX15" y="connsiteY15"/>
+              </a:cxn>
+              <a:cxn ang="0">
+                <a:pos x="connsiteX16" y="connsiteY16"/>
+              </a:cxn>
+              <a:cxn ang="0">
+                <a:pos x="connsiteX17" y="connsiteY17"/>
+              </a:cxn>
+              <a:cxn ang="0">
+                <a:pos x="connsiteX18" y="connsiteY18"/>
+              </a:cxn>
+            </a:cxnLst>
+            <a:rect l="l" t="t" r="r" b="b"/>
+            <a:pathLst>
+              <a:path w="5410200" h="18288" fill="none" extrusionOk="0">
+                <a:moveTo>
+                  <a:pt x="0" y="0"/>
+                </a:moveTo>
+                <a:cubicBezTo>
+                  <a:pt x="163050" y="-18707"/>
+                  <a:pt x="319321" y="-16364"/>
+                  <a:pt x="568071" y="0"/>
+                </a:cubicBezTo>
+                <a:cubicBezTo>
+                  <a:pt x="816821" y="16364"/>
+                  <a:pt x="1013224" y="-7268"/>
+                  <a:pt x="1298448" y="0"/>
+                </a:cubicBezTo>
+                <a:cubicBezTo>
+                  <a:pt x="1583672" y="7268"/>
+                  <a:pt x="1631711" y="-3367"/>
+                  <a:pt x="1920621" y="0"/>
+                </a:cubicBezTo>
+                <a:cubicBezTo>
+                  <a:pt x="2209531" y="3367"/>
+                  <a:pt x="2364420" y="-19184"/>
+                  <a:pt x="2488692" y="0"/>
+                </a:cubicBezTo>
+                <a:cubicBezTo>
+                  <a:pt x="2612964" y="19184"/>
+                  <a:pt x="3023298" y="-34627"/>
+                  <a:pt x="3219069" y="0"/>
+                </a:cubicBezTo>
+                <a:cubicBezTo>
+                  <a:pt x="3414840" y="34627"/>
+                  <a:pt x="3656810" y="24043"/>
+                  <a:pt x="3895344" y="0"/>
+                </a:cubicBezTo>
+                <a:cubicBezTo>
+                  <a:pt x="4133879" y="-24043"/>
+                  <a:pt x="4393984" y="-19577"/>
+                  <a:pt x="4571619" y="0"/>
+                </a:cubicBezTo>
+                <a:cubicBezTo>
+                  <a:pt x="4749255" y="19577"/>
+                  <a:pt x="5179928" y="-6281"/>
+                  <a:pt x="5410200" y="0"/>
+                </a:cubicBezTo>
+                <a:cubicBezTo>
+                  <a:pt x="5410730" y="6954"/>
+                  <a:pt x="5410934" y="12839"/>
+                  <a:pt x="5410200" y="18288"/>
+                </a:cubicBezTo>
+                <a:cubicBezTo>
+                  <a:pt x="5139060" y="6751"/>
+                  <a:pt x="5121593" y="31035"/>
+                  <a:pt x="4842129" y="18288"/>
+                </a:cubicBezTo>
+                <a:cubicBezTo>
+                  <a:pt x="4562665" y="5541"/>
+                  <a:pt x="4448273" y="9487"/>
+                  <a:pt x="4328160" y="18288"/>
+                </a:cubicBezTo>
+                <a:cubicBezTo>
+                  <a:pt x="4208047" y="27089"/>
+                  <a:pt x="3760936" y="22567"/>
+                  <a:pt x="3597783" y="18288"/>
+                </a:cubicBezTo>
+                <a:cubicBezTo>
+                  <a:pt x="3434630" y="14009"/>
+                  <a:pt x="3299718" y="33213"/>
+                  <a:pt x="3029712" y="18288"/>
+                </a:cubicBezTo>
+                <a:cubicBezTo>
+                  <a:pt x="2759706" y="3363"/>
+                  <a:pt x="2640159" y="27394"/>
+                  <a:pt x="2299335" y="18288"/>
+                </a:cubicBezTo>
+                <a:cubicBezTo>
+                  <a:pt x="1958511" y="9182"/>
+                  <a:pt x="1801186" y="28985"/>
+                  <a:pt x="1514856" y="18288"/>
+                </a:cubicBezTo>
+                <a:cubicBezTo>
+                  <a:pt x="1228526" y="7591"/>
+                  <a:pt x="1063509" y="-5305"/>
+                  <a:pt x="892683" y="18288"/>
+                </a:cubicBezTo>
+                <a:cubicBezTo>
+                  <a:pt x="721857" y="41881"/>
+                  <a:pt x="186945" y="-20897"/>
+                  <a:pt x="0" y="18288"/>
+                </a:cubicBezTo>
+                <a:cubicBezTo>
+                  <a:pt x="-570" y="9279"/>
+                  <a:pt x="132" y="5100"/>
+                  <a:pt x="0" y="0"/>
+                </a:cubicBezTo>
+                <a:close/>
+              </a:path>
+              <a:path w="5410200" h="18288" stroke="0" extrusionOk="0">
+                <a:moveTo>
+                  <a:pt x="0" y="0"/>
+                </a:moveTo>
+                <a:cubicBezTo>
+                  <a:pt x="285096" y="-4925"/>
+                  <a:pt x="376456" y="22268"/>
+                  <a:pt x="622173" y="0"/>
+                </a:cubicBezTo>
+                <a:cubicBezTo>
+                  <a:pt x="867890" y="-22268"/>
+                  <a:pt x="1031392" y="7228"/>
+                  <a:pt x="1136142" y="0"/>
+                </a:cubicBezTo>
+                <a:cubicBezTo>
+                  <a:pt x="1240892" y="-7228"/>
+                  <a:pt x="1561853" y="9877"/>
+                  <a:pt x="1920621" y="0"/>
+                </a:cubicBezTo>
+                <a:cubicBezTo>
+                  <a:pt x="2279389" y="-9877"/>
+                  <a:pt x="2367255" y="19546"/>
+                  <a:pt x="2542794" y="0"/>
+                </a:cubicBezTo>
+                <a:cubicBezTo>
+                  <a:pt x="2718333" y="-19546"/>
+                  <a:pt x="2866732" y="-22226"/>
+                  <a:pt x="3164967" y="0"/>
+                </a:cubicBezTo>
+                <a:cubicBezTo>
+                  <a:pt x="3463202" y="22226"/>
+                  <a:pt x="3568055" y="-2765"/>
+                  <a:pt x="3949446" y="0"/>
+                </a:cubicBezTo>
+                <a:cubicBezTo>
+                  <a:pt x="4330837" y="2765"/>
+                  <a:pt x="4287895" y="10557"/>
+                  <a:pt x="4517517" y="0"/>
+                </a:cubicBezTo>
+                <a:cubicBezTo>
+                  <a:pt x="4747139" y="-10557"/>
+                  <a:pt x="5149588" y="8716"/>
+                  <a:pt x="5410200" y="0"/>
+                </a:cubicBezTo>
+                <a:cubicBezTo>
+                  <a:pt x="5409517" y="5414"/>
+                  <a:pt x="5409480" y="12510"/>
+                  <a:pt x="5410200" y="18288"/>
+                </a:cubicBezTo>
+                <a:cubicBezTo>
+                  <a:pt x="5163327" y="41494"/>
+                  <a:pt x="5008749" y="10693"/>
+                  <a:pt x="4842129" y="18288"/>
+                </a:cubicBezTo>
+                <a:cubicBezTo>
+                  <a:pt x="4675509" y="25883"/>
+                  <a:pt x="4433401" y="-615"/>
+                  <a:pt x="4165854" y="18288"/>
+                </a:cubicBezTo>
+                <a:cubicBezTo>
+                  <a:pt x="3898308" y="37191"/>
+                  <a:pt x="3809032" y="-8710"/>
+                  <a:pt x="3543681" y="18288"/>
+                </a:cubicBezTo>
+                <a:cubicBezTo>
+                  <a:pt x="3278330" y="45286"/>
+                  <a:pt x="3073876" y="-15917"/>
+                  <a:pt x="2759202" y="18288"/>
+                </a:cubicBezTo>
+                <a:cubicBezTo>
+                  <a:pt x="2444528" y="52493"/>
+                  <a:pt x="2204144" y="3372"/>
+                  <a:pt x="1974723" y="18288"/>
+                </a:cubicBezTo>
+                <a:cubicBezTo>
+                  <a:pt x="1745302" y="33204"/>
+                  <a:pt x="1602335" y="31490"/>
+                  <a:pt x="1406652" y="18288"/>
+                </a:cubicBezTo>
+                <a:cubicBezTo>
+                  <a:pt x="1210969" y="5086"/>
+                  <a:pt x="923948" y="3161"/>
+                  <a:pt x="730377" y="18288"/>
+                </a:cubicBezTo>
+                <a:cubicBezTo>
+                  <a:pt x="536806" y="33415"/>
+                  <a:pt x="336496" y="-141"/>
+                  <a:pt x="0" y="18288"/>
+                </a:cubicBezTo>
+                <a:cubicBezTo>
+                  <a:pt x="-306" y="11061"/>
+                  <a:pt x="-655" y="7751"/>
+                  <a:pt x="0" y="0"/>
+                </a:cubicBezTo>
+                <a:close/>
+              </a:path>
+            </a:pathLst>
+          </a:custGeom>
+          <a:solidFill>
+            <a:schemeClr val="accent2"/>
+          </a:solidFill>
+          <a:ln w="41275" cap="rnd">
+            <a:solidFill>
+              <a:schemeClr val="accent2"/>
+            </a:solidFill>
+            <a:round/>
+            <a:extLst>
+              <a:ext uri="{C807C97D-BFC1-408E-A445-0C87EB9F89A2}">
+                <ask:lineSketchStyleProps xmlns:ask="http://schemas.microsoft.com/office/drawing/2018/sketchyshapes" sd="1219033472">
+                  <a:prstGeom prst="rect">
+                    <a:avLst/>
+                  </a:prstGeom>
+                  <ask:type>
+                    <ask:lineSketchFreehand/>
+                  </ask:type>
+                </ask:lineSketchStyleProps>
+              </a:ext>
+            </a:extLst>
+          </a:ln>
+        </p:spPr>
+        <p:style>
+          <a:lnRef idx="2">
+            <a:schemeClr val="accent1">
+              <a:shade val="50000"/>
+            </a:schemeClr>
+          </a:lnRef>
+          <a:fillRef idx="1">
+            <a:schemeClr val="accent1"/>
+          </a:fillRef>
+          <a:effectRef idx="0">
+            <a:schemeClr val="accent1"/>
+          </a:effectRef>
+          <a:fontRef idx="minor">
+            <a:schemeClr val="lt1"/>
+          </a:fontRef>
+        </p:style>
+        <p:txBody>
+          <a:bodyPr rtlCol="0" anchor="ctr"/>
+          <a:lstStyle/>
+          <a:p>
+            <a:pPr algn="ctr"/>
+            <a:endParaRPr lang="en-US"/>
+          </a:p>
+        </p:txBody>
+      </p:sp>
+      <p:pic>
+        <p:nvPicPr>
+          <p:cNvPr id="14" name="Picture 13" descr="A screenshot of a computer&#10;&#10;Description automatically generated">
+            <a:extLst>
+              <a:ext uri="{FF2B5EF4-FFF2-40B4-BE49-F238E27FC236}">
+                <a16:creationId xmlns:a16="http://schemas.microsoft.com/office/drawing/2014/main" id="{9619DE98-23F7-1C9A-5BE2-2C60A59385E8}"/>
+              </a:ext>
+            </a:extLst>
+          </p:cNvPr>
+          <p:cNvPicPr>
+            <a:picLocks noChangeAspect="1"/>
+          </p:cNvPicPr>
+          <p:nvPr/>
+        </p:nvPicPr>
+        <p:blipFill>
+          <a:blip r:embed="rId2"/>
+          <a:stretch>
+            <a:fillRect/>
+          </a:stretch>
+        </p:blipFill>
+        <p:spPr>
+          <a:xfrm>
+            <a:off x="673183" y="2619784"/>
+            <a:ext cx="2997034" cy="3600041"/>
+          </a:xfrm>
+          <a:prstGeom prst="rect">
+            <a:avLst/>
+          </a:prstGeom>
+        </p:spPr>
+      </p:pic>
+      <p:pic>
+        <p:nvPicPr>
+          <p:cNvPr id="4" name="Picture 3" descr="A screenshot of a sports game&#10;&#10;Description automatically generated">
+            <a:extLst>
+              <a:ext uri="{FF2B5EF4-FFF2-40B4-BE49-F238E27FC236}">
+                <a16:creationId xmlns:a16="http://schemas.microsoft.com/office/drawing/2014/main" id="{4B323ACE-8896-76FC-80D5-C2A6C4F866A3}"/>
+              </a:ext>
+            </a:extLst>
+          </p:cNvPr>
+          <p:cNvPicPr>
+            <a:picLocks noChangeAspect="1"/>
+          </p:cNvPicPr>
+          <p:nvPr/>
+        </p:nvPicPr>
+        <p:blipFill>
+          <a:blip r:embed="rId3"/>
+          <a:stretch>
+            <a:fillRect/>
+          </a:stretch>
+        </p:blipFill>
+        <p:spPr>
+          <a:xfrm>
+            <a:off x="4475564" y="2619784"/>
+            <a:ext cx="3240872" cy="3600041"/>
+          </a:xfrm>
+          <a:prstGeom prst="rect">
+            <a:avLst/>
+          </a:prstGeom>
+        </p:spPr>
+      </p:pic>
+      <p:pic>
+        <p:nvPicPr>
+          <p:cNvPr id="6" name="Picture 5" descr="A screenshot of a computer&#10;&#10;Description automatically generated">
+            <a:extLst>
+              <a:ext uri="{FF2B5EF4-FFF2-40B4-BE49-F238E27FC236}">
+                <a16:creationId xmlns:a16="http://schemas.microsoft.com/office/drawing/2014/main" id="{752AC1D9-C0B4-EE69-A287-31FEC667E649}"/>
+              </a:ext>
+            </a:extLst>
+          </p:cNvPr>
+          <p:cNvPicPr>
+            <a:picLocks noChangeAspect="1"/>
+          </p:cNvPicPr>
+          <p:nvPr/>
+        </p:nvPicPr>
+        <p:blipFill>
+          <a:blip r:embed="rId4"/>
+          <a:stretch>
+            <a:fillRect/>
+          </a:stretch>
+        </p:blipFill>
+        <p:spPr>
+          <a:xfrm>
+            <a:off x="8141208" y="3064896"/>
+            <a:ext cx="3758184" cy="2709816"/>
+          </a:xfrm>
+          <a:prstGeom prst="rect">
+            <a:avLst/>
+          </a:prstGeom>
+        </p:spPr>
+      </p:pic>
+    </p:spTree>
+    <p:extLst>
+      <p:ext uri="{BB962C8B-B14F-4D97-AF65-F5344CB8AC3E}">
+        <p14:creationId xmlns:p14="http://schemas.microsoft.com/office/powerpoint/2010/main" val="1375560455"/>
+      </p:ext>
+    </p:extLst>
+  </p:cSld>
+  <p:clrMapOvr>
+    <a:masterClrMapping/>
+  </p:clrMapOvr>
+</p:sld>
+</file>
+
+<file path=ppt/slides/slide13.xml><?xml version="1.0" encoding="utf-8"?>
+<p:sld xmlns:a="http://schemas.openxmlformats.org/drawingml/2006/main" xmlns:r="http://schemas.openxmlformats.org/officeDocument/2006/relationships" xmlns:p="http://schemas.openxmlformats.org/presentationml/2006/main">
+  <p:cSld>
+    <p:bg>
+      <p:bgPr>
+        <a:solidFill>
+          <a:schemeClr val="bg1"/>
+        </a:solidFill>
+        <a:effectLst/>
+      </p:bgPr>
+    </p:bg>
+    <p:spTree>
+      <p:nvGrpSpPr>
+        <p:cNvPr id="1" name="">
+          <a:extLst>
+            <a:ext uri="{FF2B5EF4-FFF2-40B4-BE49-F238E27FC236}">
+              <a16:creationId xmlns:a16="http://schemas.microsoft.com/office/drawing/2014/main" id="{980FDB04-8DFE-02A3-B213-D4897C73AD11}"/>
+            </a:ext>
+          </a:extLst>
+        </p:cNvPr>
+        <p:cNvGrpSpPr/>
+        <p:nvPr/>
+      </p:nvGrpSpPr>
+      <p:grpSpPr>
+        <a:xfrm>
+          <a:off x="0" y="0"/>
+          <a:ext cx="0" cy="0"/>
+          <a:chOff x="0" y="0"/>
+          <a:chExt cx="0" cy="0"/>
+        </a:xfrm>
+      </p:grpSpPr>
+      <p:sp useBgFill="1">
+        <p:nvSpPr>
+          <p:cNvPr id="11" name="Rectangle 10">
+            <a:extLst>
+              <a:ext uri="{FF2B5EF4-FFF2-40B4-BE49-F238E27FC236}">
+                <a16:creationId xmlns:a16="http://schemas.microsoft.com/office/drawing/2014/main" id="{88263A24-0C1F-4677-B43C-4AE14E276B27}"/>
               </a:ext>
               <a:ext uri="{C183D7F6-B498-43B3-948B-1728B52AA6E4}">
                 <adec:decorative xmlns:adec="http://schemas.microsoft.com/office/drawing/2017/decorative" val="1"/>
@@ -5089,10 +6142,10 @@
       </p:sp>
       <p:sp useBgFill="1">
         <p:nvSpPr>
-          <p:cNvPr id="1051" name="Freeform: Shape 1050">
-            <a:extLst>
-              <a:ext uri="{FF2B5EF4-FFF2-40B4-BE49-F238E27FC236}">
-                <a16:creationId xmlns:a16="http://schemas.microsoft.com/office/drawing/2014/main" id="{1850674C-4E08-4C62-A3E2-6337FE4F7D86}"/>
+          <p:cNvPr id="13" name="Rectangle 12">
+            <a:extLst>
+              <a:ext uri="{FF2B5EF4-FFF2-40B4-BE49-F238E27FC236}">
+                <a16:creationId xmlns:a16="http://schemas.microsoft.com/office/drawing/2014/main" id="{0ADDB668-2CA4-4D2B-9C34-3487CA330BA8}"/>
               </a:ext>
               <a:ext uri="{C183D7F6-B498-43B3-948B-1728B52AA6E4}">
                 <adec:decorative xmlns:adec="http://schemas.microsoft.com/office/drawing/2017/decorative" val="1"/>
@@ -5112,93 +6165,22 @@
         </p:nvSpPr>
         <p:spPr>
           <a:xfrm>
-            <a:off x="0" y="0"/>
-            <a:ext cx="4959047" cy="6858000"/>
+            <a:off x="551553" y="304802"/>
+            <a:ext cx="11097349" cy="1573149"/>
           </a:xfrm>
-          <a:custGeom>
+          <a:prstGeom prst="rect">
             <a:avLst/>
-            <a:gdLst>
-              <a:gd name="connsiteX0" fmla="*/ 0 w 4959047"/>
-              <a:gd name="connsiteY0" fmla="*/ 0 h 6858000"/>
-              <a:gd name="connsiteX1" fmla="*/ 4110127 w 4959047"/>
-              <a:gd name="connsiteY1" fmla="*/ 0 h 6858000"/>
-              <a:gd name="connsiteX2" fmla="*/ 4179024 w 4959047"/>
-              <a:gd name="connsiteY2" fmla="*/ 123368 h 6858000"/>
-              <a:gd name="connsiteX3" fmla="*/ 4959047 w 4959047"/>
-              <a:gd name="connsiteY3" fmla="*/ 3429000 h 6858000"/>
-              <a:gd name="connsiteX4" fmla="*/ 4179024 w 4959047"/>
-              <a:gd name="connsiteY4" fmla="*/ 6734633 h 6858000"/>
-              <a:gd name="connsiteX5" fmla="*/ 4110127 w 4959047"/>
-              <a:gd name="connsiteY5" fmla="*/ 6858000 h 6858000"/>
-              <a:gd name="connsiteX6" fmla="*/ 0 w 4959047"/>
-              <a:gd name="connsiteY6" fmla="*/ 6858000 h 6858000"/>
-            </a:gdLst>
-            <a:ahLst/>
-            <a:cxnLst>
-              <a:cxn ang="0">
-                <a:pos x="connsiteX0" y="connsiteY0"/>
-              </a:cxn>
-              <a:cxn ang="0">
-                <a:pos x="connsiteX1" y="connsiteY1"/>
-              </a:cxn>
-              <a:cxn ang="0">
-                <a:pos x="connsiteX2" y="connsiteY2"/>
-              </a:cxn>
-              <a:cxn ang="0">
-                <a:pos x="connsiteX3" y="connsiteY3"/>
-              </a:cxn>
-              <a:cxn ang="0">
-                <a:pos x="connsiteX4" y="connsiteY4"/>
-              </a:cxn>
-              <a:cxn ang="0">
-                <a:pos x="connsiteX5" y="connsiteY5"/>
-              </a:cxn>
-              <a:cxn ang="0">
-                <a:pos x="connsiteX6" y="connsiteY6"/>
-              </a:cxn>
-            </a:cxnLst>
-            <a:rect l="l" t="t" r="r" b="b"/>
-            <a:pathLst>
-              <a:path w="4959047" h="6858000">
-                <a:moveTo>
-                  <a:pt x="0" y="0"/>
-                </a:moveTo>
-                <a:lnTo>
-                  <a:pt x="4110127" y="0"/>
-                </a:lnTo>
-                <a:lnTo>
-                  <a:pt x="4179024" y="123368"/>
-                </a:lnTo>
-                <a:cubicBezTo>
-                  <a:pt x="4668929" y="1045156"/>
-                  <a:pt x="4959047" y="2189404"/>
-                  <a:pt x="4959047" y="3429000"/>
-                </a:cubicBezTo>
-                <a:cubicBezTo>
-                  <a:pt x="4959047" y="4668597"/>
-                  <a:pt x="4668929" y="5812845"/>
-                  <a:pt x="4179024" y="6734633"/>
-                </a:cubicBezTo>
-                <a:lnTo>
-                  <a:pt x="4110127" y="6858000"/>
-                </a:lnTo>
-                <a:lnTo>
-                  <a:pt x="0" y="6858000"/>
-                </a:lnTo>
-                <a:close/>
-              </a:path>
-            </a:pathLst>
-          </a:custGeom>
-          <a:ln w="9525">
+          </a:prstGeom>
+          <a:ln w="12700">
             <a:solidFill>
-              <a:srgbClr val="EFEFEF"/>
+              <a:srgbClr val="DEDEDE"/>
             </a:solidFill>
           </a:ln>
           <a:effectLst>
-            <a:outerShdw blurRad="50800" dist="38100" algn="l" rotWithShape="0">
-              <a:schemeClr val="bg1">
+            <a:outerShdw blurRad="50800" dist="38100" dir="2700000" algn="tl" rotWithShape="0">
+              <a:schemeClr val="bg2">
                 <a:lumMod val="85000"/>
-                <a:alpha val="30000"/>
+                <a:alpha val="50000"/>
               </a:schemeClr>
             </a:outerShdw>
           </a:effectLst>
@@ -5220,9 +6202,7 @@
           </a:fontRef>
         </p:style>
         <p:txBody>
-          <a:bodyPr wrap="square" rtlCol="0" anchor="ctr">
-            <a:noAutofit/>
-          </a:bodyPr>
+          <a:bodyPr rtlCol="0" anchor="ctr"/>
           <a:lstStyle/>
           <a:p>
             <a:pPr marL="0" marR="0" lvl="0" indent="0" algn="ctr" defTabSz="914400" rtl="0" eaLnBrk="1" fontAlgn="auto" latinLnBrk="0" hangingPunct="1">
@@ -5259,12 +6239,47 @@
           </a:p>
         </p:txBody>
       </p:sp>
-      <p:sp useBgFill="1">
+      <p:sp>
         <p:nvSpPr>
-          <p:cNvPr id="1048" name="Freeform: Shape 1047">
-            <a:extLst>
-              <a:ext uri="{FF2B5EF4-FFF2-40B4-BE49-F238E27FC236}">
-                <a16:creationId xmlns:a16="http://schemas.microsoft.com/office/drawing/2014/main" id="{BCE4FF05-2B0C-4C97-A9B4-E163085A90E1}"/>
+          <p:cNvPr id="2" name="Title 1">
+            <a:extLst>
+              <a:ext uri="{FF2B5EF4-FFF2-40B4-BE49-F238E27FC236}">
+                <a16:creationId xmlns:a16="http://schemas.microsoft.com/office/drawing/2014/main" id="{67D4DDA4-FA3C-AFD1-283F-1E9050277A4A}"/>
+              </a:ext>
+            </a:extLst>
+          </p:cNvPr>
+          <p:cNvSpPr>
+            <a:spLocks noGrp="1"/>
+          </p:cNvSpPr>
+          <p:nvPr>
+            <p:ph type="title"/>
+          </p:nvPr>
+        </p:nvSpPr>
+        <p:spPr>
+          <a:xfrm>
+            <a:off x="868680" y="405575"/>
+            <a:ext cx="5001768" cy="1371600"/>
+          </a:xfrm>
+        </p:spPr>
+        <p:txBody>
+          <a:bodyPr vert="horz" lIns="91440" tIns="45720" rIns="91440" bIns="45720" rtlCol="0" anchor="ctr">
+            <a:normAutofit/>
+          </a:bodyPr>
+          <a:lstStyle/>
+          <a:p>
+            <a:r>
+              <a:rPr lang="en-US" sz="3600" dirty="0"/>
+              <a:t>Coach and Team Queries</a:t>
+            </a:r>
+          </a:p>
+        </p:txBody>
+      </p:sp>
+      <p:sp>
+        <p:nvSpPr>
+          <p:cNvPr id="15" name="Rectangle 14">
+            <a:extLst>
+              <a:ext uri="{FF2B5EF4-FFF2-40B4-BE49-F238E27FC236}">
+                <a16:creationId xmlns:a16="http://schemas.microsoft.com/office/drawing/2014/main" id="{2568BC19-F052-4108-93E1-6A3D1DEC072F}"/>
               </a:ext>
               <a:ext uri="{C183D7F6-B498-43B3-948B-1728B52AA6E4}">
                 <adec:decorative xmlns:adec="http://schemas.microsoft.com/office/drawing/2017/decorative" val="1"/>
@@ -5284,87 +6299,18 @@
         </p:nvSpPr>
         <p:spPr>
           <a:xfrm>
-            <a:off x="0" y="0"/>
-            <a:ext cx="4948887" cy="6858000"/>
+            <a:off x="494784" y="764424"/>
+            <a:ext cx="128016" cy="653903"/>
           </a:xfrm>
-          <a:custGeom>
+          <a:prstGeom prst="rect">
             <a:avLst/>
-            <a:gdLst>
-              <a:gd name="connsiteX0" fmla="*/ 0 w 4948887"/>
-              <a:gd name="connsiteY0" fmla="*/ 0 h 6858000"/>
-              <a:gd name="connsiteX1" fmla="*/ 4099967 w 4948887"/>
-              <a:gd name="connsiteY1" fmla="*/ 0 h 6858000"/>
-              <a:gd name="connsiteX2" fmla="*/ 4168864 w 4948887"/>
-              <a:gd name="connsiteY2" fmla="*/ 123368 h 6858000"/>
-              <a:gd name="connsiteX3" fmla="*/ 4948887 w 4948887"/>
-              <a:gd name="connsiteY3" fmla="*/ 3429000 h 6858000"/>
-              <a:gd name="connsiteX4" fmla="*/ 4168864 w 4948887"/>
-              <a:gd name="connsiteY4" fmla="*/ 6734633 h 6858000"/>
-              <a:gd name="connsiteX5" fmla="*/ 4099967 w 4948887"/>
-              <a:gd name="connsiteY5" fmla="*/ 6858000 h 6858000"/>
-              <a:gd name="connsiteX6" fmla="*/ 0 w 4948887"/>
-              <a:gd name="connsiteY6" fmla="*/ 6858000 h 6858000"/>
-            </a:gdLst>
-            <a:ahLst/>
-            <a:cxnLst>
-              <a:cxn ang="0">
-                <a:pos x="connsiteX0" y="connsiteY0"/>
-              </a:cxn>
-              <a:cxn ang="0">
-                <a:pos x="connsiteX1" y="connsiteY1"/>
-              </a:cxn>
-              <a:cxn ang="0">
-                <a:pos x="connsiteX2" y="connsiteY2"/>
-              </a:cxn>
-              <a:cxn ang="0">
-                <a:pos x="connsiteX3" y="connsiteY3"/>
-              </a:cxn>
-              <a:cxn ang="0">
-                <a:pos x="connsiteX4" y="connsiteY4"/>
-              </a:cxn>
-              <a:cxn ang="0">
-                <a:pos x="connsiteX5" y="connsiteY5"/>
-              </a:cxn>
-              <a:cxn ang="0">
-                <a:pos x="connsiteX6" y="connsiteY6"/>
-              </a:cxn>
-            </a:cxnLst>
-            <a:rect l="l" t="t" r="r" b="b"/>
-            <a:pathLst>
-              <a:path w="4948887" h="6858000">
-                <a:moveTo>
-                  <a:pt x="0" y="0"/>
-                </a:moveTo>
-                <a:lnTo>
-                  <a:pt x="4099967" y="0"/>
-                </a:lnTo>
-                <a:lnTo>
-                  <a:pt x="4168864" y="123368"/>
-                </a:lnTo>
-                <a:cubicBezTo>
-                  <a:pt x="4658769" y="1045156"/>
-                  <a:pt x="4948887" y="2189404"/>
-                  <a:pt x="4948887" y="3429000"/>
-                </a:cubicBezTo>
-                <a:cubicBezTo>
-                  <a:pt x="4948887" y="4668597"/>
-                  <a:pt x="4658769" y="5812845"/>
-                  <a:pt x="4168864" y="6734633"/>
-                </a:cubicBezTo>
-                <a:lnTo>
-                  <a:pt x="4099967" y="6858000"/>
-                </a:lnTo>
-                <a:lnTo>
-                  <a:pt x="0" y="6858000"/>
-                </a:lnTo>
-                <a:close/>
-              </a:path>
-            </a:pathLst>
-          </a:custGeom>
-          <a:ln w="9525">
+          </a:prstGeom>
+          <a:solidFill>
+            <a:schemeClr val="accent2"/>
+          </a:solidFill>
+          <a:ln>
             <a:noFill/>
           </a:ln>
-          <a:effectLst/>
         </p:spPr>
         <p:style>
           <a:lnRef idx="2">
@@ -5383,9 +6329,7 @@
           </a:fontRef>
         </p:style>
         <p:txBody>
-          <a:bodyPr wrap="square" rtlCol="0" anchor="ctr">
-            <a:noAutofit/>
-          </a:bodyPr>
+          <a:bodyPr rtlCol="0" anchor="ctr"/>
           <a:lstStyle/>
           <a:p>
             <a:pPr marL="0" marR="0" lvl="0" indent="0" algn="ctr" defTabSz="914400" rtl="0" eaLnBrk="1" fontAlgn="auto" latinLnBrk="0" hangingPunct="1">
@@ -5424,10 +6368,261 @@
       </p:sp>
       <p:sp>
         <p:nvSpPr>
+          <p:cNvPr id="17" name="Rectangle 16">
+            <a:extLst>
+              <a:ext uri="{FF2B5EF4-FFF2-40B4-BE49-F238E27FC236}">
+                <a16:creationId xmlns:a16="http://schemas.microsoft.com/office/drawing/2014/main" id="{D5FD337D-4D6B-4C8B-B6F5-121097E09881}"/>
+              </a:ext>
+              <a:ext uri="{C183D7F6-B498-43B3-948B-1728B52AA6E4}">
+                <adec:decorative xmlns:adec="http://schemas.microsoft.com/office/drawing/2017/decorative" val="1"/>
+              </a:ext>
+            </a:extLst>
+          </p:cNvPr>
+          <p:cNvSpPr>
+            <a:spLocks noGrp="1" noRot="1" noChangeAspect="1" noMove="1" noResize="1" noEditPoints="1" noAdjustHandles="1" noChangeArrowheads="1" noChangeShapeType="1" noTextEdit="1"/>
+          </p:cNvSpPr>
+          <p:nvPr>
+            <p:extLst>
+              <p:ext uri="{386F3935-93C4-4BCD-93E2-E3B085C9AB24}">
+                <p16:designElem xmlns:p16="http://schemas.microsoft.com/office/powerpoint/2015/main" val="1"/>
+              </p:ext>
+            </p:extLst>
+          </p:nvPr>
+        </p:nvSpPr>
+        <p:spPr>
+          <a:xfrm rot="5400000">
+            <a:off x="5586984" y="1071836"/>
+            <a:ext cx="1021458" cy="9144"/>
+          </a:xfrm>
+          <a:prstGeom prst="rect">
+            <a:avLst/>
+          </a:prstGeom>
+          <a:solidFill>
+            <a:srgbClr val="D5D5D5"/>
+          </a:solidFill>
+          <a:ln w="3175">
+            <a:noFill/>
+          </a:ln>
+          <a:effectLst/>
+        </p:spPr>
+        <p:style>
+          <a:lnRef idx="2">
+            <a:schemeClr val="accent1">
+              <a:shade val="50000"/>
+            </a:schemeClr>
+          </a:lnRef>
+          <a:fillRef idx="1">
+            <a:schemeClr val="accent1"/>
+          </a:fillRef>
+          <a:effectRef idx="0">
+            <a:schemeClr val="accent1"/>
+          </a:effectRef>
+          <a:fontRef idx="minor">
+            <a:schemeClr val="lt1"/>
+          </a:fontRef>
+        </p:style>
+        <p:txBody>
+          <a:bodyPr rtlCol="0" anchor="ctr"/>
+          <a:lstStyle/>
+          <a:p>
+            <a:pPr marL="0" marR="0" lvl="0" indent="0" algn="ctr" defTabSz="914400" rtl="0" eaLnBrk="1" fontAlgn="auto" latinLnBrk="0" hangingPunct="1">
+              <a:lnSpc>
+                <a:spcPct val="100000"/>
+              </a:lnSpc>
+              <a:spcBef>
+                <a:spcPts val="0"/>
+              </a:spcBef>
+              <a:spcAft>
+                <a:spcPts val="0"/>
+              </a:spcAft>
+              <a:buClrTx/>
+              <a:buSzTx/>
+              <a:buFontTx/>
+              <a:buNone/>
+              <a:tabLst/>
+              <a:defRPr/>
+            </a:pPr>
+            <a:endParaRPr kumimoji="0" lang="en-US" sz="1800" b="0" i="0" u="none" strike="noStrike" kern="1200" cap="none" spc="0" normalizeH="0" baseline="0" noProof="0">
+              <a:ln>
+                <a:noFill/>
+              </a:ln>
+              <a:solidFill>
+                <a:prstClr val="white"/>
+              </a:solidFill>
+              <a:effectLst/>
+              <a:uLnTx/>
+              <a:uFillTx/>
+              <a:latin typeface="Calibri" panose="020F0502020204030204"/>
+              <a:ea typeface="+mn-ea"/>
+              <a:cs typeface="+mn-cs"/>
+            </a:endParaRPr>
+          </a:p>
+        </p:txBody>
+      </p:sp>
+      <p:pic>
+        <p:nvPicPr>
+          <p:cNvPr id="6" name="Picture 5">
+            <a:extLst>
+              <a:ext uri="{FF2B5EF4-FFF2-40B4-BE49-F238E27FC236}">
+                <a16:creationId xmlns:a16="http://schemas.microsoft.com/office/drawing/2014/main" id="{43846C5E-00CB-2A6F-E764-DBC0F78C775C}"/>
+              </a:ext>
+            </a:extLst>
+          </p:cNvPr>
+          <p:cNvPicPr>
+            <a:picLocks noChangeAspect="1"/>
+          </p:cNvPicPr>
+          <p:nvPr/>
+        </p:nvPicPr>
+        <p:blipFill>
+          <a:blip r:embed="rId2"/>
+          <a:stretch>
+            <a:fillRect/>
+          </a:stretch>
+        </p:blipFill>
+        <p:spPr>
+          <a:xfrm>
+            <a:off x="549058" y="2096284"/>
+            <a:ext cx="5431536" cy="4195861"/>
+          </a:xfrm>
+          <a:prstGeom prst="rect">
+            <a:avLst/>
+          </a:prstGeom>
+        </p:spPr>
+      </p:pic>
+      <p:pic>
+        <p:nvPicPr>
+          <p:cNvPr id="4" name="Picture 3">
+            <a:extLst>
+              <a:ext uri="{FF2B5EF4-FFF2-40B4-BE49-F238E27FC236}">
+                <a16:creationId xmlns:a16="http://schemas.microsoft.com/office/drawing/2014/main" id="{87FCF117-B973-3B4A-38D3-57068BBB9B1C}"/>
+              </a:ext>
+            </a:extLst>
+          </p:cNvPr>
+          <p:cNvPicPr>
+            <a:picLocks noChangeAspect="1"/>
+          </p:cNvPicPr>
+          <p:nvPr/>
+        </p:nvPicPr>
+        <p:blipFill>
+          <a:blip r:embed="rId3"/>
+          <a:stretch>
+            <a:fillRect/>
+          </a:stretch>
+        </p:blipFill>
+        <p:spPr>
+          <a:xfrm>
+            <a:off x="6211408" y="2376426"/>
+            <a:ext cx="5431536" cy="3625550"/>
+          </a:xfrm>
+          <a:prstGeom prst="rect">
+            <a:avLst/>
+          </a:prstGeom>
+        </p:spPr>
+      </p:pic>
+    </p:spTree>
+    <p:extLst>
+      <p:ext uri="{BB962C8B-B14F-4D97-AF65-F5344CB8AC3E}">
+        <p14:creationId xmlns:p14="http://schemas.microsoft.com/office/powerpoint/2010/main" val="2075723059"/>
+      </p:ext>
+    </p:extLst>
+  </p:cSld>
+  <p:clrMapOvr>
+    <a:masterClrMapping/>
+  </p:clrMapOvr>
+</p:sld>
+</file>
+
+<file path=ppt/slides/slide14.xml><?xml version="1.0" encoding="utf-8"?>
+<p:sld xmlns:a="http://schemas.openxmlformats.org/drawingml/2006/main" xmlns:r="http://schemas.openxmlformats.org/officeDocument/2006/relationships" xmlns:p="http://schemas.openxmlformats.org/presentationml/2006/main">
+  <p:cSld>
+    <p:bg>
+      <p:bgPr>
+        <a:solidFill>
+          <a:schemeClr val="bg1"/>
+        </a:solidFill>
+        <a:effectLst/>
+      </p:bgPr>
+    </p:bg>
+    <p:spTree>
+      <p:nvGrpSpPr>
+        <p:cNvPr id="1" name=""/>
+        <p:cNvGrpSpPr/>
+        <p:nvPr/>
+      </p:nvGrpSpPr>
+      <p:grpSpPr>
+        <a:xfrm>
+          <a:off x="0" y="0"/>
+          <a:ext cx="0" cy="0"/>
+          <a:chOff x="0" y="0"/>
+          <a:chExt cx="0" cy="0"/>
+        </a:xfrm>
+      </p:grpSpPr>
+      <p:sp useBgFill="1">
+        <p:nvSpPr>
+          <p:cNvPr id="10" name="Rectangle 9">
+            <a:extLst>
+              <a:ext uri="{FF2B5EF4-FFF2-40B4-BE49-F238E27FC236}">
+                <a16:creationId xmlns:a16="http://schemas.microsoft.com/office/drawing/2014/main" id="{68AF5748-FED8-45BA-8631-26D1D10F3246}"/>
+              </a:ext>
+              <a:ext uri="{C183D7F6-B498-43B3-948B-1728B52AA6E4}">
+                <adec:decorative xmlns:adec="http://schemas.microsoft.com/office/drawing/2017/decorative" val="1"/>
+              </a:ext>
+            </a:extLst>
+          </p:cNvPr>
+          <p:cNvSpPr>
+            <a:spLocks noGrp="1" noRot="1" noChangeAspect="1" noMove="1" noResize="1" noEditPoints="1" noAdjustHandles="1" noChangeArrowheads="1" noChangeShapeType="1" noTextEdit="1"/>
+          </p:cNvSpPr>
+          <p:nvPr>
+            <p:extLst>
+              <p:ext uri="{386F3935-93C4-4BCD-93E2-E3B085C9AB24}">
+                <p16:designElem xmlns:p16="http://schemas.microsoft.com/office/powerpoint/2015/main" val="1"/>
+              </p:ext>
+            </p:extLst>
+          </p:nvPr>
+        </p:nvSpPr>
+        <p:spPr>
+          <a:xfrm>
+            <a:off x="0" y="0"/>
+            <a:ext cx="12192000" cy="6858000"/>
+          </a:xfrm>
+          <a:prstGeom prst="rect">
+            <a:avLst/>
+          </a:prstGeom>
+          <a:ln>
+            <a:noFill/>
+          </a:ln>
+        </p:spPr>
+        <p:style>
+          <a:lnRef idx="2">
+            <a:schemeClr val="accent1">
+              <a:shade val="50000"/>
+            </a:schemeClr>
+          </a:lnRef>
+          <a:fillRef idx="1">
+            <a:schemeClr val="accent1"/>
+          </a:fillRef>
+          <a:effectRef idx="0">
+            <a:schemeClr val="accent1"/>
+          </a:effectRef>
+          <a:fontRef idx="minor">
+            <a:schemeClr val="lt1"/>
+          </a:fontRef>
+        </p:style>
+        <p:txBody>
+          <a:bodyPr rtlCol="0" anchor="ctr"/>
+          <a:lstStyle/>
+          <a:p>
+            <a:pPr algn="ctr"/>
+            <a:endParaRPr lang="en-US"/>
+          </a:p>
+        </p:txBody>
+      </p:sp>
+      <p:sp>
+        <p:nvSpPr>
           <p:cNvPr id="2" name="Title 1">
             <a:extLst>
               <a:ext uri="{FF2B5EF4-FFF2-40B4-BE49-F238E27FC236}">
-                <a16:creationId xmlns:a16="http://schemas.microsoft.com/office/drawing/2014/main" id="{3BDE7A21-AB54-38F1-F958-3B069E78164F}"/>
+                <a16:creationId xmlns:a16="http://schemas.microsoft.com/office/drawing/2014/main" id="{B6C513B8-B6DB-0820-61F7-DFBCBF72F1AC}"/>
               </a:ext>
             </a:extLst>
           </p:cNvPr>
@@ -5440,29 +6635,37 @@
         </p:nvSpPr>
         <p:spPr>
           <a:xfrm>
-            <a:off x="481029" y="951094"/>
-            <a:ext cx="1519983" cy="661924"/>
+            <a:off x="477981" y="1122363"/>
+            <a:ext cx="4023360" cy="3204134"/>
           </a:xfrm>
         </p:spPr>
         <p:txBody>
           <a:bodyPr vert="horz" lIns="91440" tIns="45720" rIns="91440" bIns="45720" rtlCol="0" anchor="b">
-            <a:normAutofit fontScale="90000"/>
+            <a:normAutofit/>
           </a:bodyPr>
           <a:lstStyle/>
           <a:p>
-            <a:r>
-              <a:rPr lang="en-US" sz="4800" dirty="0"/>
-              <a:t>Views</a:t>
+            <a:pPr algn="ctr"/>
+            <a:r>
+              <a:rPr lang="en-US" sz="4800" kern="1200" dirty="0">
+                <a:solidFill>
+                  <a:schemeClr val="tx1"/>
+                </a:solidFill>
+                <a:latin typeface="+mj-lt"/>
+                <a:ea typeface="+mj-ea"/>
+                <a:cs typeface="+mj-cs"/>
+              </a:rPr>
+              <a:t>Transactions Query</a:t>
             </a:r>
           </a:p>
         </p:txBody>
       </p:sp>
       <p:sp>
         <p:nvSpPr>
-          <p:cNvPr id="1050" name="Rectangle 1049">
-            <a:extLst>
-              <a:ext uri="{FF2B5EF4-FFF2-40B4-BE49-F238E27FC236}">
-                <a16:creationId xmlns:a16="http://schemas.microsoft.com/office/drawing/2014/main" id="{529C2A7A-A6B6-4A56-B11C-8E967D88A60D}"/>
+          <p:cNvPr id="12" name="Rectangle 11">
+            <a:extLst>
+              <a:ext uri="{FF2B5EF4-FFF2-40B4-BE49-F238E27FC236}">
+                <a16:creationId xmlns:a16="http://schemas.microsoft.com/office/drawing/2014/main" id="{AF2F604E-43BE-4DC3-B983-E071523364F8}"/>
               </a:ext>
               <a:ext uri="{C183D7F6-B498-43B3-948B-1728B52AA6E4}">
                 <adec:decorative xmlns:adec="http://schemas.microsoft.com/office/drawing/2017/decorative" val="1"/>
@@ -5551,10 +6754,10 @@
       </p:sp>
       <p:sp>
         <p:nvSpPr>
-          <p:cNvPr id="1052" name="Rectangle 1051">
-            <a:extLst>
-              <a:ext uri="{FF2B5EF4-FFF2-40B4-BE49-F238E27FC236}">
-                <a16:creationId xmlns:a16="http://schemas.microsoft.com/office/drawing/2014/main" id="{FDBD7205-E536-4134-8768-AC3E1A3C5E59}"/>
+          <p:cNvPr id="14" name="Rectangle 13">
+            <a:extLst>
+              <a:ext uri="{FF2B5EF4-FFF2-40B4-BE49-F238E27FC236}">
+                <a16:creationId xmlns:a16="http://schemas.microsoft.com/office/drawing/2014/main" id="{08C9B587-E65E-4B52-B37C-ABEBB6E87928}"/>
               </a:ext>
               <a:ext uri="{C183D7F6-B498-43B3-948B-1728B52AA6E4}">
                 <adec:decorative xmlns:adec="http://schemas.microsoft.com/office/drawing/2017/decorative" val="1"/>
@@ -5608,46 +6811,22 @@
           <a:bodyPr rtlCol="0" anchor="ctr"/>
           <a:lstStyle/>
           <a:p>
-            <a:pPr marL="0" marR="0" lvl="0" indent="0" algn="ctr" defTabSz="914400" rtl="0" eaLnBrk="1" fontAlgn="auto" latinLnBrk="0" hangingPunct="1">
-              <a:lnSpc>
-                <a:spcPct val="100000"/>
-              </a:lnSpc>
-              <a:spcBef>
-                <a:spcPts val="0"/>
-              </a:spcBef>
-              <a:spcAft>
-                <a:spcPts val="0"/>
-              </a:spcAft>
-              <a:buClrTx/>
-              <a:buSzTx/>
-              <a:buFontTx/>
-              <a:buNone/>
-              <a:tabLst/>
-              <a:defRPr/>
-            </a:pPr>
-            <a:endParaRPr kumimoji="0" lang="en-US" sz="1800" b="0" i="0" u="none" strike="noStrike" kern="1200" cap="none" spc="0" normalizeH="0" baseline="0" noProof="0">
-              <a:ln>
-                <a:noFill/>
-              </a:ln>
+            <a:pPr algn="ctr"/>
+            <a:endParaRPr lang="en-US">
               <a:solidFill>
                 <a:prstClr val="white"/>
               </a:solidFill>
-              <a:effectLst/>
-              <a:uLnTx/>
-              <a:uFillTx/>
               <a:latin typeface="Calibri" panose="020F0502020204030204"/>
-              <a:ea typeface="+mn-ea"/>
-              <a:cs typeface="+mn-cs"/>
             </a:endParaRPr>
           </a:p>
         </p:txBody>
       </p:sp>
       <p:pic>
         <p:nvPicPr>
-          <p:cNvPr id="13" name="Picture 12">
-            <a:extLst>
-              <a:ext uri="{FF2B5EF4-FFF2-40B4-BE49-F238E27FC236}">
-                <a16:creationId xmlns:a16="http://schemas.microsoft.com/office/drawing/2014/main" id="{8099111C-74A3-9892-E7B6-C04662BEFC77}"/>
+          <p:cNvPr id="5" name="Picture 4">
+            <a:extLst>
+              <a:ext uri="{FF2B5EF4-FFF2-40B4-BE49-F238E27FC236}">
+                <a16:creationId xmlns:a16="http://schemas.microsoft.com/office/drawing/2014/main" id="{4E835602-23CA-4B5D-E4B4-0B783AC72FAA}"/>
               </a:ext>
             </a:extLst>
           </p:cNvPr>
@@ -5664,8 +6843,96 @@
         </p:blipFill>
         <p:spPr>
           <a:xfrm>
-            <a:off x="2705100" y="367873"/>
-            <a:ext cx="8894341" cy="2067254"/>
+            <a:off x="4864608" y="854451"/>
+            <a:ext cx="6846363" cy="4997844"/>
+          </a:xfrm>
+          <a:prstGeom prst="rect">
+            <a:avLst/>
+          </a:prstGeom>
+        </p:spPr>
+      </p:pic>
+    </p:spTree>
+    <p:extLst>
+      <p:ext uri="{BB962C8B-B14F-4D97-AF65-F5344CB8AC3E}">
+        <p14:creationId xmlns:p14="http://schemas.microsoft.com/office/powerpoint/2010/main" val="1804831863"/>
+      </p:ext>
+    </p:extLst>
+  </p:cSld>
+  <p:clrMapOvr>
+    <a:masterClrMapping/>
+  </p:clrMapOvr>
+</p:sld>
+</file>
+
+<file path=ppt/slides/slide15.xml><?xml version="1.0" encoding="utf-8"?>
+<p:sld xmlns:a="http://schemas.openxmlformats.org/drawingml/2006/main" xmlns:r="http://schemas.openxmlformats.org/officeDocument/2006/relationships" xmlns:p="http://schemas.openxmlformats.org/presentationml/2006/main">
+  <p:cSld>
+    <p:spTree>
+      <p:nvGrpSpPr>
+        <p:cNvPr id="1" name=""/>
+        <p:cNvGrpSpPr/>
+        <p:nvPr/>
+      </p:nvGrpSpPr>
+      <p:grpSpPr>
+        <a:xfrm>
+          <a:off x="0" y="0"/>
+          <a:ext cx="0" cy="0"/>
+          <a:chOff x="0" y="0"/>
+          <a:chExt cx="0" cy="0"/>
+        </a:xfrm>
+      </p:grpSpPr>
+      <p:sp>
+        <p:nvSpPr>
+          <p:cNvPr id="2" name="Title 1">
+            <a:extLst>
+              <a:ext uri="{FF2B5EF4-FFF2-40B4-BE49-F238E27FC236}">
+                <a16:creationId xmlns:a16="http://schemas.microsoft.com/office/drawing/2014/main" id="{E4774454-61DD-F280-066E-5E9431D737E6}"/>
+              </a:ext>
+            </a:extLst>
+          </p:cNvPr>
+          <p:cNvSpPr>
+            <a:spLocks noGrp="1"/>
+          </p:cNvSpPr>
+          <p:nvPr>
+            <p:ph type="title"/>
+          </p:nvPr>
+        </p:nvSpPr>
+        <p:spPr/>
+        <p:txBody>
+          <a:bodyPr/>
+          <a:lstStyle/>
+          <a:p>
+            <a:r>
+              <a:rPr lang="en-US" dirty="0"/>
+              <a:t>Insertions</a:t>
+            </a:r>
+          </a:p>
+        </p:txBody>
+      </p:sp>
+      <p:pic>
+        <p:nvPicPr>
+          <p:cNvPr id="5" name="Picture 4">
+            <a:extLst>
+              <a:ext uri="{FF2B5EF4-FFF2-40B4-BE49-F238E27FC236}">
+                <a16:creationId xmlns:a16="http://schemas.microsoft.com/office/drawing/2014/main" id="{87F1C044-D5BD-E9AC-C615-681E5E52F4D0}"/>
+              </a:ext>
+            </a:extLst>
+          </p:cNvPr>
+          <p:cNvPicPr>
+            <a:picLocks noChangeAspect="1"/>
+          </p:cNvPicPr>
+          <p:nvPr/>
+        </p:nvPicPr>
+        <p:blipFill>
+          <a:blip r:embed="rId2"/>
+          <a:stretch>
+            <a:fillRect/>
+          </a:stretch>
+        </p:blipFill>
+        <p:spPr>
+          <a:xfrm>
+            <a:off x="228206" y="3272618"/>
+            <a:ext cx="5972692" cy="312759"/>
           </a:xfrm>
           <a:prstGeom prst="rect">
             <a:avLst/>
@@ -5674,10 +6941,10 @@
       </p:pic>
       <p:pic>
         <p:nvPicPr>
-          <p:cNvPr id="17" name="Picture 16">
-            <a:extLst>
-              <a:ext uri="{FF2B5EF4-FFF2-40B4-BE49-F238E27FC236}">
-                <a16:creationId xmlns:a16="http://schemas.microsoft.com/office/drawing/2014/main" id="{31FF4C2D-0310-43C1-FE7E-6E94E9404328}"/>
+          <p:cNvPr id="7" name="Picture 6">
+            <a:extLst>
+              <a:ext uri="{FF2B5EF4-FFF2-40B4-BE49-F238E27FC236}">
+                <a16:creationId xmlns:a16="http://schemas.microsoft.com/office/drawing/2014/main" id="{101384AF-90F0-5480-B504-7405045888A7}"/>
               </a:ext>
             </a:extLst>
           </p:cNvPr>
@@ -5694,8 +6961,8 @@
         </p:blipFill>
         <p:spPr>
           <a:xfrm>
-            <a:off x="592558" y="3169522"/>
-            <a:ext cx="11006883" cy="3405539"/>
+            <a:off x="6451600" y="57137"/>
+            <a:ext cx="5639587" cy="6743723"/>
           </a:xfrm>
           <a:prstGeom prst="rect">
             <a:avLst/>
@@ -5705,7 +6972,1946 @@
     </p:spTree>
     <p:extLst>
       <p:ext uri="{BB962C8B-B14F-4D97-AF65-F5344CB8AC3E}">
-        <p14:creationId xmlns:p14="http://schemas.microsoft.com/office/powerpoint/2010/main" val="1264985142"/>
+        <p14:creationId xmlns:p14="http://schemas.microsoft.com/office/powerpoint/2010/main" val="3438398377"/>
+      </p:ext>
+    </p:extLst>
+  </p:cSld>
+  <p:clrMapOvr>
+    <a:masterClrMapping/>
+  </p:clrMapOvr>
+</p:sld>
+</file>
+
+<file path=ppt/slides/slide16.xml><?xml version="1.0" encoding="utf-8"?>
+<p:sld xmlns:a="http://schemas.openxmlformats.org/drawingml/2006/main" xmlns:r="http://schemas.openxmlformats.org/officeDocument/2006/relationships" xmlns:p="http://schemas.openxmlformats.org/presentationml/2006/main">
+  <p:cSld>
+    <p:bg>
+      <p:bgPr>
+        <a:solidFill>
+          <a:schemeClr val="bg1"/>
+        </a:solidFill>
+        <a:effectLst/>
+      </p:bgPr>
+    </p:bg>
+    <p:spTree>
+      <p:nvGrpSpPr>
+        <p:cNvPr id="1" name=""/>
+        <p:cNvGrpSpPr/>
+        <p:nvPr/>
+      </p:nvGrpSpPr>
+      <p:grpSpPr>
+        <a:xfrm>
+          <a:off x="0" y="0"/>
+          <a:ext cx="0" cy="0"/>
+          <a:chOff x="0" y="0"/>
+          <a:chExt cx="0" cy="0"/>
+        </a:xfrm>
+      </p:grpSpPr>
+      <p:sp useBgFill="1">
+        <p:nvSpPr>
+          <p:cNvPr id="15" name="Rectangle 14">
+            <a:extLst>
+              <a:ext uri="{FF2B5EF4-FFF2-40B4-BE49-F238E27FC236}">
+                <a16:creationId xmlns:a16="http://schemas.microsoft.com/office/drawing/2014/main" id="{7C98A213-5994-475E-B327-DC6EC27FBA8B}"/>
+              </a:ext>
+              <a:ext uri="{C183D7F6-B498-43B3-948B-1728B52AA6E4}">
+                <adec:decorative xmlns:adec="http://schemas.microsoft.com/office/drawing/2017/decorative" val="1"/>
+              </a:ext>
+            </a:extLst>
+          </p:cNvPr>
+          <p:cNvSpPr>
+            <a:spLocks noGrp="1" noRot="1" noChangeAspect="1" noMove="1" noResize="1" noEditPoints="1" noAdjustHandles="1" noChangeArrowheads="1" noChangeShapeType="1" noTextEdit="1"/>
+          </p:cNvSpPr>
+          <p:nvPr>
+            <p:extLst>
+              <p:ext uri="{386F3935-93C4-4BCD-93E2-E3B085C9AB24}">
+                <p16:designElem xmlns:p16="http://schemas.microsoft.com/office/powerpoint/2015/main" val="1"/>
+              </p:ext>
+            </p:extLst>
+          </p:nvPr>
+        </p:nvSpPr>
+        <p:spPr>
+          <a:xfrm>
+            <a:off x="0" y="0"/>
+            <a:ext cx="12188952" cy="6858000"/>
+          </a:xfrm>
+          <a:prstGeom prst="rect">
+            <a:avLst/>
+          </a:prstGeom>
+          <a:ln>
+            <a:noFill/>
+          </a:ln>
+        </p:spPr>
+        <p:style>
+          <a:lnRef idx="2">
+            <a:schemeClr val="accent1">
+              <a:shade val="50000"/>
+            </a:schemeClr>
+          </a:lnRef>
+          <a:fillRef idx="1">
+            <a:schemeClr val="accent1"/>
+          </a:fillRef>
+          <a:effectRef idx="0">
+            <a:schemeClr val="accent1"/>
+          </a:effectRef>
+          <a:fontRef idx="minor">
+            <a:schemeClr val="lt1"/>
+          </a:fontRef>
+        </p:style>
+        <p:txBody>
+          <a:bodyPr rtlCol="0" anchor="ctr"/>
+          <a:lstStyle/>
+          <a:p>
+            <a:pPr algn="ctr"/>
+            <a:endParaRPr lang="en-US"/>
+          </a:p>
+        </p:txBody>
+      </p:sp>
+      <p:sp>
+        <p:nvSpPr>
+          <p:cNvPr id="2" name="Title 1">
+            <a:extLst>
+              <a:ext uri="{FF2B5EF4-FFF2-40B4-BE49-F238E27FC236}">
+                <a16:creationId xmlns:a16="http://schemas.microsoft.com/office/drawing/2014/main" id="{16079329-BB1A-DED9-A658-2A5F12F0D599}"/>
+              </a:ext>
+            </a:extLst>
+          </p:cNvPr>
+          <p:cNvSpPr>
+            <a:spLocks noGrp="1"/>
+          </p:cNvSpPr>
+          <p:nvPr>
+            <p:ph type="title"/>
+          </p:nvPr>
+        </p:nvSpPr>
+        <p:spPr>
+          <a:xfrm>
+            <a:off x="638881" y="670218"/>
+            <a:ext cx="10909640" cy="1065836"/>
+          </a:xfrm>
+        </p:spPr>
+        <p:txBody>
+          <a:bodyPr vert="horz" lIns="91440" tIns="45720" rIns="91440" bIns="45720" rtlCol="0" anchor="ctr">
+            <a:normAutofit/>
+          </a:bodyPr>
+          <a:lstStyle/>
+          <a:p>
+            <a:pPr algn="ctr"/>
+            <a:r>
+              <a:rPr lang="en-US" sz="6600"/>
+              <a:t>Insertions - UI</a:t>
+            </a:r>
+          </a:p>
+        </p:txBody>
+      </p:sp>
+      <p:sp>
+        <p:nvSpPr>
+          <p:cNvPr id="17" name="sketch line">
+            <a:extLst>
+              <a:ext uri="{FF2B5EF4-FFF2-40B4-BE49-F238E27FC236}">
+                <a16:creationId xmlns:a16="http://schemas.microsoft.com/office/drawing/2014/main" id="{4B030A0D-0DAD-4A99-89BB-419527D6A64B}"/>
+              </a:ext>
+              <a:ext uri="{C183D7F6-B498-43B3-948B-1728B52AA6E4}">
+                <adec:decorative xmlns:adec="http://schemas.microsoft.com/office/drawing/2017/decorative" val="1"/>
+              </a:ext>
+            </a:extLst>
+          </p:cNvPr>
+          <p:cNvSpPr>
+            <a:spLocks noGrp="1" noRot="1" noChangeAspect="1" noMove="1" noResize="1" noEditPoints="1" noAdjustHandles="1" noChangeArrowheads="1" noChangeShapeType="1" noTextEdit="1"/>
+          </p:cNvSpPr>
+          <p:nvPr>
+            <p:extLst>
+              <p:ext uri="{386F3935-93C4-4BCD-93E2-E3B085C9AB24}">
+                <p16:designElem xmlns:p16="http://schemas.microsoft.com/office/powerpoint/2015/main" val="1"/>
+              </p:ext>
+            </p:extLst>
+          </p:nvPr>
+        </p:nvSpPr>
+        <p:spPr>
+          <a:xfrm>
+            <a:off x="3389376" y="1800088"/>
+            <a:ext cx="5410200" cy="18288"/>
+          </a:xfrm>
+          <a:custGeom>
+            <a:avLst/>
+            <a:gdLst>
+              <a:gd name="connsiteX0" fmla="*/ 0 w 5410200"/>
+              <a:gd name="connsiteY0" fmla="*/ 0 h 18288"/>
+              <a:gd name="connsiteX1" fmla="*/ 568071 w 5410200"/>
+              <a:gd name="connsiteY1" fmla="*/ 0 h 18288"/>
+              <a:gd name="connsiteX2" fmla="*/ 1298448 w 5410200"/>
+              <a:gd name="connsiteY2" fmla="*/ 0 h 18288"/>
+              <a:gd name="connsiteX3" fmla="*/ 1920621 w 5410200"/>
+              <a:gd name="connsiteY3" fmla="*/ 0 h 18288"/>
+              <a:gd name="connsiteX4" fmla="*/ 2488692 w 5410200"/>
+              <a:gd name="connsiteY4" fmla="*/ 0 h 18288"/>
+              <a:gd name="connsiteX5" fmla="*/ 3219069 w 5410200"/>
+              <a:gd name="connsiteY5" fmla="*/ 0 h 18288"/>
+              <a:gd name="connsiteX6" fmla="*/ 3895344 w 5410200"/>
+              <a:gd name="connsiteY6" fmla="*/ 0 h 18288"/>
+              <a:gd name="connsiteX7" fmla="*/ 4571619 w 5410200"/>
+              <a:gd name="connsiteY7" fmla="*/ 0 h 18288"/>
+              <a:gd name="connsiteX8" fmla="*/ 5410200 w 5410200"/>
+              <a:gd name="connsiteY8" fmla="*/ 0 h 18288"/>
+              <a:gd name="connsiteX9" fmla="*/ 5410200 w 5410200"/>
+              <a:gd name="connsiteY9" fmla="*/ 18288 h 18288"/>
+              <a:gd name="connsiteX10" fmla="*/ 4842129 w 5410200"/>
+              <a:gd name="connsiteY10" fmla="*/ 18288 h 18288"/>
+              <a:gd name="connsiteX11" fmla="*/ 4328160 w 5410200"/>
+              <a:gd name="connsiteY11" fmla="*/ 18288 h 18288"/>
+              <a:gd name="connsiteX12" fmla="*/ 3597783 w 5410200"/>
+              <a:gd name="connsiteY12" fmla="*/ 18288 h 18288"/>
+              <a:gd name="connsiteX13" fmla="*/ 3029712 w 5410200"/>
+              <a:gd name="connsiteY13" fmla="*/ 18288 h 18288"/>
+              <a:gd name="connsiteX14" fmla="*/ 2299335 w 5410200"/>
+              <a:gd name="connsiteY14" fmla="*/ 18288 h 18288"/>
+              <a:gd name="connsiteX15" fmla="*/ 1514856 w 5410200"/>
+              <a:gd name="connsiteY15" fmla="*/ 18288 h 18288"/>
+              <a:gd name="connsiteX16" fmla="*/ 892683 w 5410200"/>
+              <a:gd name="connsiteY16" fmla="*/ 18288 h 18288"/>
+              <a:gd name="connsiteX17" fmla="*/ 0 w 5410200"/>
+              <a:gd name="connsiteY17" fmla="*/ 18288 h 18288"/>
+              <a:gd name="connsiteX18" fmla="*/ 0 w 5410200"/>
+              <a:gd name="connsiteY18" fmla="*/ 0 h 18288"/>
+            </a:gdLst>
+            <a:ahLst/>
+            <a:cxnLst>
+              <a:cxn ang="0">
+                <a:pos x="connsiteX0" y="connsiteY0"/>
+              </a:cxn>
+              <a:cxn ang="0">
+                <a:pos x="connsiteX1" y="connsiteY1"/>
+              </a:cxn>
+              <a:cxn ang="0">
+                <a:pos x="connsiteX2" y="connsiteY2"/>
+              </a:cxn>
+              <a:cxn ang="0">
+                <a:pos x="connsiteX3" y="connsiteY3"/>
+              </a:cxn>
+              <a:cxn ang="0">
+                <a:pos x="connsiteX4" y="connsiteY4"/>
+              </a:cxn>
+              <a:cxn ang="0">
+                <a:pos x="connsiteX5" y="connsiteY5"/>
+              </a:cxn>
+              <a:cxn ang="0">
+                <a:pos x="connsiteX6" y="connsiteY6"/>
+              </a:cxn>
+              <a:cxn ang="0">
+                <a:pos x="connsiteX7" y="connsiteY7"/>
+              </a:cxn>
+              <a:cxn ang="0">
+                <a:pos x="connsiteX8" y="connsiteY8"/>
+              </a:cxn>
+              <a:cxn ang="0">
+                <a:pos x="connsiteX9" y="connsiteY9"/>
+              </a:cxn>
+              <a:cxn ang="0">
+                <a:pos x="connsiteX10" y="connsiteY10"/>
+              </a:cxn>
+              <a:cxn ang="0">
+                <a:pos x="connsiteX11" y="connsiteY11"/>
+              </a:cxn>
+              <a:cxn ang="0">
+                <a:pos x="connsiteX12" y="connsiteY12"/>
+              </a:cxn>
+              <a:cxn ang="0">
+                <a:pos x="connsiteX13" y="connsiteY13"/>
+              </a:cxn>
+              <a:cxn ang="0">
+                <a:pos x="connsiteX14" y="connsiteY14"/>
+              </a:cxn>
+              <a:cxn ang="0">
+                <a:pos x="connsiteX15" y="connsiteY15"/>
+              </a:cxn>
+              <a:cxn ang="0">
+                <a:pos x="connsiteX16" y="connsiteY16"/>
+              </a:cxn>
+              <a:cxn ang="0">
+                <a:pos x="connsiteX17" y="connsiteY17"/>
+              </a:cxn>
+              <a:cxn ang="0">
+                <a:pos x="connsiteX18" y="connsiteY18"/>
+              </a:cxn>
+            </a:cxnLst>
+            <a:rect l="l" t="t" r="r" b="b"/>
+            <a:pathLst>
+              <a:path w="5410200" h="18288" fill="none" extrusionOk="0">
+                <a:moveTo>
+                  <a:pt x="0" y="0"/>
+                </a:moveTo>
+                <a:cubicBezTo>
+                  <a:pt x="163050" y="-18707"/>
+                  <a:pt x="319321" y="-16364"/>
+                  <a:pt x="568071" y="0"/>
+                </a:cubicBezTo>
+                <a:cubicBezTo>
+                  <a:pt x="816821" y="16364"/>
+                  <a:pt x="1013224" y="-7268"/>
+                  <a:pt x="1298448" y="0"/>
+                </a:cubicBezTo>
+                <a:cubicBezTo>
+                  <a:pt x="1583672" y="7268"/>
+                  <a:pt x="1631711" y="-3367"/>
+                  <a:pt x="1920621" y="0"/>
+                </a:cubicBezTo>
+                <a:cubicBezTo>
+                  <a:pt x="2209531" y="3367"/>
+                  <a:pt x="2364420" y="-19184"/>
+                  <a:pt x="2488692" y="0"/>
+                </a:cubicBezTo>
+                <a:cubicBezTo>
+                  <a:pt x="2612964" y="19184"/>
+                  <a:pt x="3023298" y="-34627"/>
+                  <a:pt x="3219069" y="0"/>
+                </a:cubicBezTo>
+                <a:cubicBezTo>
+                  <a:pt x="3414840" y="34627"/>
+                  <a:pt x="3656810" y="24043"/>
+                  <a:pt x="3895344" y="0"/>
+                </a:cubicBezTo>
+                <a:cubicBezTo>
+                  <a:pt x="4133879" y="-24043"/>
+                  <a:pt x="4393984" y="-19577"/>
+                  <a:pt x="4571619" y="0"/>
+                </a:cubicBezTo>
+                <a:cubicBezTo>
+                  <a:pt x="4749255" y="19577"/>
+                  <a:pt x="5179928" y="-6281"/>
+                  <a:pt x="5410200" y="0"/>
+                </a:cubicBezTo>
+                <a:cubicBezTo>
+                  <a:pt x="5410730" y="6954"/>
+                  <a:pt x="5410934" y="12839"/>
+                  <a:pt x="5410200" y="18288"/>
+                </a:cubicBezTo>
+                <a:cubicBezTo>
+                  <a:pt x="5139060" y="6751"/>
+                  <a:pt x="5121593" y="31035"/>
+                  <a:pt x="4842129" y="18288"/>
+                </a:cubicBezTo>
+                <a:cubicBezTo>
+                  <a:pt x="4562665" y="5541"/>
+                  <a:pt x="4448273" y="9487"/>
+                  <a:pt x="4328160" y="18288"/>
+                </a:cubicBezTo>
+                <a:cubicBezTo>
+                  <a:pt x="4208047" y="27089"/>
+                  <a:pt x="3760936" y="22567"/>
+                  <a:pt x="3597783" y="18288"/>
+                </a:cubicBezTo>
+                <a:cubicBezTo>
+                  <a:pt x="3434630" y="14009"/>
+                  <a:pt x="3299718" y="33213"/>
+                  <a:pt x="3029712" y="18288"/>
+                </a:cubicBezTo>
+                <a:cubicBezTo>
+                  <a:pt x="2759706" y="3363"/>
+                  <a:pt x="2640159" y="27394"/>
+                  <a:pt x="2299335" y="18288"/>
+                </a:cubicBezTo>
+                <a:cubicBezTo>
+                  <a:pt x="1958511" y="9182"/>
+                  <a:pt x="1801186" y="28985"/>
+                  <a:pt x="1514856" y="18288"/>
+                </a:cubicBezTo>
+                <a:cubicBezTo>
+                  <a:pt x="1228526" y="7591"/>
+                  <a:pt x="1063509" y="-5305"/>
+                  <a:pt x="892683" y="18288"/>
+                </a:cubicBezTo>
+                <a:cubicBezTo>
+                  <a:pt x="721857" y="41881"/>
+                  <a:pt x="186945" y="-20897"/>
+                  <a:pt x="0" y="18288"/>
+                </a:cubicBezTo>
+                <a:cubicBezTo>
+                  <a:pt x="-570" y="9279"/>
+                  <a:pt x="132" y="5100"/>
+                  <a:pt x="0" y="0"/>
+                </a:cubicBezTo>
+                <a:close/>
+              </a:path>
+              <a:path w="5410200" h="18288" stroke="0" extrusionOk="0">
+                <a:moveTo>
+                  <a:pt x="0" y="0"/>
+                </a:moveTo>
+                <a:cubicBezTo>
+                  <a:pt x="285096" y="-4925"/>
+                  <a:pt x="376456" y="22268"/>
+                  <a:pt x="622173" y="0"/>
+                </a:cubicBezTo>
+                <a:cubicBezTo>
+                  <a:pt x="867890" y="-22268"/>
+                  <a:pt x="1031392" y="7228"/>
+                  <a:pt x="1136142" y="0"/>
+                </a:cubicBezTo>
+                <a:cubicBezTo>
+                  <a:pt x="1240892" y="-7228"/>
+                  <a:pt x="1561853" y="9877"/>
+                  <a:pt x="1920621" y="0"/>
+                </a:cubicBezTo>
+                <a:cubicBezTo>
+                  <a:pt x="2279389" y="-9877"/>
+                  <a:pt x="2367255" y="19546"/>
+                  <a:pt x="2542794" y="0"/>
+                </a:cubicBezTo>
+                <a:cubicBezTo>
+                  <a:pt x="2718333" y="-19546"/>
+                  <a:pt x="2866732" y="-22226"/>
+                  <a:pt x="3164967" y="0"/>
+                </a:cubicBezTo>
+                <a:cubicBezTo>
+                  <a:pt x="3463202" y="22226"/>
+                  <a:pt x="3568055" y="-2765"/>
+                  <a:pt x="3949446" y="0"/>
+                </a:cubicBezTo>
+                <a:cubicBezTo>
+                  <a:pt x="4330837" y="2765"/>
+                  <a:pt x="4287895" y="10557"/>
+                  <a:pt x="4517517" y="0"/>
+                </a:cubicBezTo>
+                <a:cubicBezTo>
+                  <a:pt x="4747139" y="-10557"/>
+                  <a:pt x="5149588" y="8716"/>
+                  <a:pt x="5410200" y="0"/>
+                </a:cubicBezTo>
+                <a:cubicBezTo>
+                  <a:pt x="5409517" y="5414"/>
+                  <a:pt x="5409480" y="12510"/>
+                  <a:pt x="5410200" y="18288"/>
+                </a:cubicBezTo>
+                <a:cubicBezTo>
+                  <a:pt x="5163327" y="41494"/>
+                  <a:pt x="5008749" y="10693"/>
+                  <a:pt x="4842129" y="18288"/>
+                </a:cubicBezTo>
+                <a:cubicBezTo>
+                  <a:pt x="4675509" y="25883"/>
+                  <a:pt x="4433401" y="-615"/>
+                  <a:pt x="4165854" y="18288"/>
+                </a:cubicBezTo>
+                <a:cubicBezTo>
+                  <a:pt x="3898308" y="37191"/>
+                  <a:pt x="3809032" y="-8710"/>
+                  <a:pt x="3543681" y="18288"/>
+                </a:cubicBezTo>
+                <a:cubicBezTo>
+                  <a:pt x="3278330" y="45286"/>
+                  <a:pt x="3073876" y="-15917"/>
+                  <a:pt x="2759202" y="18288"/>
+                </a:cubicBezTo>
+                <a:cubicBezTo>
+                  <a:pt x="2444528" y="52493"/>
+                  <a:pt x="2204144" y="3372"/>
+                  <a:pt x="1974723" y="18288"/>
+                </a:cubicBezTo>
+                <a:cubicBezTo>
+                  <a:pt x="1745302" y="33204"/>
+                  <a:pt x="1602335" y="31490"/>
+                  <a:pt x="1406652" y="18288"/>
+                </a:cubicBezTo>
+                <a:cubicBezTo>
+                  <a:pt x="1210969" y="5086"/>
+                  <a:pt x="923948" y="3161"/>
+                  <a:pt x="730377" y="18288"/>
+                </a:cubicBezTo>
+                <a:cubicBezTo>
+                  <a:pt x="536806" y="33415"/>
+                  <a:pt x="336496" y="-141"/>
+                  <a:pt x="0" y="18288"/>
+                </a:cubicBezTo>
+                <a:cubicBezTo>
+                  <a:pt x="-306" y="11061"/>
+                  <a:pt x="-655" y="7751"/>
+                  <a:pt x="0" y="0"/>
+                </a:cubicBezTo>
+                <a:close/>
+              </a:path>
+            </a:pathLst>
+          </a:custGeom>
+          <a:solidFill>
+            <a:schemeClr val="accent2"/>
+          </a:solidFill>
+          <a:ln w="41275" cap="rnd">
+            <a:solidFill>
+              <a:schemeClr val="accent2"/>
+            </a:solidFill>
+            <a:round/>
+            <a:extLst>
+              <a:ext uri="{C807C97D-BFC1-408E-A445-0C87EB9F89A2}">
+                <ask:lineSketchStyleProps xmlns:ask="http://schemas.microsoft.com/office/drawing/2018/sketchyshapes" sd="1219033472">
+                  <a:prstGeom prst="rect">
+                    <a:avLst/>
+                  </a:prstGeom>
+                  <ask:type>
+                    <ask:lineSketchFreehand/>
+                  </ask:type>
+                </ask:lineSketchStyleProps>
+              </a:ext>
+            </a:extLst>
+          </a:ln>
+        </p:spPr>
+        <p:style>
+          <a:lnRef idx="2">
+            <a:schemeClr val="accent1">
+              <a:shade val="50000"/>
+            </a:schemeClr>
+          </a:lnRef>
+          <a:fillRef idx="1">
+            <a:schemeClr val="accent1"/>
+          </a:fillRef>
+          <a:effectRef idx="0">
+            <a:schemeClr val="accent1"/>
+          </a:effectRef>
+          <a:fontRef idx="minor">
+            <a:schemeClr val="lt1"/>
+          </a:fontRef>
+        </p:style>
+        <p:txBody>
+          <a:bodyPr rtlCol="0" anchor="ctr"/>
+          <a:lstStyle/>
+          <a:p>
+            <a:pPr algn="ctr"/>
+            <a:endParaRPr lang="en-US"/>
+          </a:p>
+        </p:txBody>
+      </p:sp>
+      <p:pic>
+        <p:nvPicPr>
+          <p:cNvPr id="6" name="Picture 5" descr="A screenshot of a computer&#10;&#10;Description automatically generated">
+            <a:extLst>
+              <a:ext uri="{FF2B5EF4-FFF2-40B4-BE49-F238E27FC236}">
+                <a16:creationId xmlns:a16="http://schemas.microsoft.com/office/drawing/2014/main" id="{42422A77-6E7D-CD47-033A-D352E095B09C}"/>
+              </a:ext>
+            </a:extLst>
+          </p:cNvPr>
+          <p:cNvPicPr>
+            <a:picLocks noChangeAspect="1"/>
+          </p:cNvPicPr>
+          <p:nvPr/>
+        </p:nvPicPr>
+        <p:blipFill>
+          <a:blip r:embed="rId2"/>
+          <a:stretch>
+            <a:fillRect/>
+          </a:stretch>
+        </p:blipFill>
+        <p:spPr>
+          <a:xfrm>
+            <a:off x="487791" y="670218"/>
+            <a:ext cx="2380537" cy="5568510"/>
+          </a:xfrm>
+          <a:prstGeom prst="rect">
+            <a:avLst/>
+          </a:prstGeom>
+        </p:spPr>
+      </p:pic>
+      <p:pic>
+        <p:nvPicPr>
+          <p:cNvPr id="8" name="Picture 7" descr="A screenshot of a sports team&#10;&#10;Description automatically generated">
+            <a:extLst>
+              <a:ext uri="{FF2B5EF4-FFF2-40B4-BE49-F238E27FC236}">
+                <a16:creationId xmlns:a16="http://schemas.microsoft.com/office/drawing/2014/main" id="{C6A05BE1-6DF2-2D65-B39D-836BD59E3D59}"/>
+              </a:ext>
+            </a:extLst>
+          </p:cNvPr>
+          <p:cNvPicPr>
+            <a:picLocks noChangeAspect="1"/>
+          </p:cNvPicPr>
+          <p:nvPr/>
+        </p:nvPicPr>
+        <p:blipFill>
+          <a:blip r:embed="rId3"/>
+          <a:stretch>
+            <a:fillRect/>
+          </a:stretch>
+        </p:blipFill>
+        <p:spPr>
+          <a:xfrm>
+            <a:off x="9041544" y="1818376"/>
+            <a:ext cx="2905439" cy="4636501"/>
+          </a:xfrm>
+          <a:prstGeom prst="rect">
+            <a:avLst/>
+          </a:prstGeom>
+        </p:spPr>
+      </p:pic>
+      <p:pic>
+        <p:nvPicPr>
+          <p:cNvPr id="10" name="Picture 9" descr="A screenshot of a computer&#10;&#10;Description automatically generated">
+            <a:extLst>
+              <a:ext uri="{FF2B5EF4-FFF2-40B4-BE49-F238E27FC236}">
+                <a16:creationId xmlns:a16="http://schemas.microsoft.com/office/drawing/2014/main" id="{DC4D82B1-B34A-C41E-87F1-3A368B75B6F2}"/>
+              </a:ext>
+            </a:extLst>
+          </p:cNvPr>
+          <p:cNvPicPr>
+            <a:picLocks noChangeAspect="1"/>
+          </p:cNvPicPr>
+          <p:nvPr/>
+        </p:nvPicPr>
+        <p:blipFill>
+          <a:blip r:embed="rId4"/>
+          <a:stretch>
+            <a:fillRect/>
+          </a:stretch>
+        </p:blipFill>
+        <p:spPr>
+          <a:xfrm>
+            <a:off x="4214609" y="2650376"/>
+            <a:ext cx="3758184" cy="2972500"/>
+          </a:xfrm>
+          <a:prstGeom prst="rect">
+            <a:avLst/>
+          </a:prstGeom>
+        </p:spPr>
+      </p:pic>
+    </p:spTree>
+    <p:extLst>
+      <p:ext uri="{BB962C8B-B14F-4D97-AF65-F5344CB8AC3E}">
+        <p14:creationId xmlns:p14="http://schemas.microsoft.com/office/powerpoint/2010/main" val="3184911814"/>
+      </p:ext>
+    </p:extLst>
+  </p:cSld>
+  <p:clrMapOvr>
+    <a:masterClrMapping/>
+  </p:clrMapOvr>
+</p:sld>
+</file>
+
+<file path=ppt/slides/slide17.xml><?xml version="1.0" encoding="utf-8"?>
+<p:sld xmlns:a="http://schemas.openxmlformats.org/drawingml/2006/main" xmlns:r="http://schemas.openxmlformats.org/officeDocument/2006/relationships" xmlns:p="http://schemas.openxmlformats.org/presentationml/2006/main">
+  <p:cSld>
+    <p:bg>
+      <p:bgPr>
+        <a:solidFill>
+          <a:schemeClr val="bg1"/>
+        </a:solidFill>
+        <a:effectLst/>
+      </p:bgPr>
+    </p:bg>
+    <p:spTree>
+      <p:nvGrpSpPr>
+        <p:cNvPr id="1" name=""/>
+        <p:cNvGrpSpPr/>
+        <p:nvPr/>
+      </p:nvGrpSpPr>
+      <p:grpSpPr>
+        <a:xfrm>
+          <a:off x="0" y="0"/>
+          <a:ext cx="0" cy="0"/>
+          <a:chOff x="0" y="0"/>
+          <a:chExt cx="0" cy="0"/>
+        </a:xfrm>
+      </p:grpSpPr>
+      <p:sp useBgFill="1">
+        <p:nvSpPr>
+          <p:cNvPr id="18" name="Rectangle 17">
+            <a:extLst>
+              <a:ext uri="{FF2B5EF4-FFF2-40B4-BE49-F238E27FC236}">
+                <a16:creationId xmlns:a16="http://schemas.microsoft.com/office/drawing/2014/main" id="{91F55C5D-1648-4BE3-932D-8CADBF3F6736}"/>
+              </a:ext>
+              <a:ext uri="{C183D7F6-B498-43B3-948B-1728B52AA6E4}">
+                <adec:decorative xmlns:adec="http://schemas.microsoft.com/office/drawing/2017/decorative" val="1"/>
+              </a:ext>
+            </a:extLst>
+          </p:cNvPr>
+          <p:cNvSpPr>
+            <a:spLocks noGrp="1" noRot="1" noChangeAspect="1" noMove="1" noResize="1" noEditPoints="1" noAdjustHandles="1" noChangeArrowheads="1" noChangeShapeType="1" noTextEdit="1"/>
+          </p:cNvSpPr>
+          <p:nvPr>
+            <p:extLst>
+              <p:ext uri="{386F3935-93C4-4BCD-93E2-E3B085C9AB24}">
+                <p16:designElem xmlns:p16="http://schemas.microsoft.com/office/powerpoint/2015/main" val="1"/>
+              </p:ext>
+            </p:extLst>
+          </p:nvPr>
+        </p:nvSpPr>
+        <p:spPr>
+          <a:xfrm>
+            <a:off x="0" y="0"/>
+            <a:ext cx="12188952" cy="6858000"/>
+          </a:xfrm>
+          <a:prstGeom prst="rect">
+            <a:avLst/>
+          </a:prstGeom>
+          <a:ln>
+            <a:noFill/>
+          </a:ln>
+        </p:spPr>
+        <p:style>
+          <a:lnRef idx="2">
+            <a:schemeClr val="accent1">
+              <a:shade val="50000"/>
+            </a:schemeClr>
+          </a:lnRef>
+          <a:fillRef idx="1">
+            <a:schemeClr val="accent1"/>
+          </a:fillRef>
+          <a:effectRef idx="0">
+            <a:schemeClr val="accent1"/>
+          </a:effectRef>
+          <a:fontRef idx="minor">
+            <a:schemeClr val="lt1"/>
+          </a:fontRef>
+        </p:style>
+        <p:txBody>
+          <a:bodyPr rtlCol="0" anchor="ctr"/>
+          <a:lstStyle/>
+          <a:p>
+            <a:pPr algn="ctr"/>
+            <a:endParaRPr lang="en-US"/>
+          </a:p>
+        </p:txBody>
+      </p:sp>
+      <p:sp>
+        <p:nvSpPr>
+          <p:cNvPr id="2" name="Title 1">
+            <a:extLst>
+              <a:ext uri="{FF2B5EF4-FFF2-40B4-BE49-F238E27FC236}">
+                <a16:creationId xmlns:a16="http://schemas.microsoft.com/office/drawing/2014/main" id="{CED1B7D2-CB3F-0319-083A-264CCF8D2764}"/>
+              </a:ext>
+            </a:extLst>
+          </p:cNvPr>
+          <p:cNvSpPr>
+            <a:spLocks noGrp="1"/>
+          </p:cNvSpPr>
+          <p:nvPr>
+            <p:ph type="title"/>
+          </p:nvPr>
+        </p:nvSpPr>
+        <p:spPr>
+          <a:xfrm>
+            <a:off x="4915569" y="917907"/>
+            <a:ext cx="2669523" cy="629921"/>
+          </a:xfrm>
+        </p:spPr>
+        <p:txBody>
+          <a:bodyPr vert="horz" lIns="91440" tIns="45720" rIns="91440" bIns="45720" rtlCol="0" anchor="ctr">
+            <a:normAutofit/>
+          </a:bodyPr>
+          <a:lstStyle/>
+          <a:p>
+            <a:pPr algn="ctr"/>
+            <a:r>
+              <a:rPr lang="en-US" sz="3000" dirty="0"/>
+              <a:t>Player Insertion</a:t>
+            </a:r>
+          </a:p>
+        </p:txBody>
+      </p:sp>
+      <p:sp>
+        <p:nvSpPr>
+          <p:cNvPr id="20" name="sketch line">
+            <a:extLst>
+              <a:ext uri="{FF2B5EF4-FFF2-40B4-BE49-F238E27FC236}">
+                <a16:creationId xmlns:a16="http://schemas.microsoft.com/office/drawing/2014/main" id="{A38E1331-B5A6-44BE-BF4E-EE6C2FD2A242}"/>
+              </a:ext>
+              <a:ext uri="{C183D7F6-B498-43B3-948B-1728B52AA6E4}">
+                <adec:decorative xmlns:adec="http://schemas.microsoft.com/office/drawing/2017/decorative" val="1"/>
+              </a:ext>
+            </a:extLst>
+          </p:cNvPr>
+          <p:cNvSpPr>
+            <a:spLocks noGrp="1" noRot="1" noChangeAspect="1" noMove="1" noResize="1" noEditPoints="1" noAdjustHandles="1" noChangeArrowheads="1" noChangeShapeType="1" noTextEdit="1"/>
+          </p:cNvSpPr>
+          <p:nvPr>
+            <p:extLst>
+              <p:ext uri="{386F3935-93C4-4BCD-93E2-E3B085C9AB24}">
+                <p16:designElem xmlns:p16="http://schemas.microsoft.com/office/powerpoint/2015/main" val="1"/>
+              </p:ext>
+            </p:extLst>
+          </p:nvPr>
+        </p:nvSpPr>
+        <p:spPr>
+          <a:xfrm>
+            <a:off x="3810000" y="1776977"/>
+            <a:ext cx="4572000" cy="18288"/>
+          </a:xfrm>
+          <a:custGeom>
+            <a:avLst/>
+            <a:gdLst>
+              <a:gd name="connsiteX0" fmla="*/ 0 w 4572000"/>
+              <a:gd name="connsiteY0" fmla="*/ 0 h 18288"/>
+              <a:gd name="connsiteX1" fmla="*/ 744583 w 4572000"/>
+              <a:gd name="connsiteY1" fmla="*/ 0 h 18288"/>
+              <a:gd name="connsiteX2" fmla="*/ 1352006 w 4572000"/>
+              <a:gd name="connsiteY2" fmla="*/ 0 h 18288"/>
+              <a:gd name="connsiteX3" fmla="*/ 2050869 w 4572000"/>
+              <a:gd name="connsiteY3" fmla="*/ 0 h 18288"/>
+              <a:gd name="connsiteX4" fmla="*/ 2612571 w 4572000"/>
+              <a:gd name="connsiteY4" fmla="*/ 0 h 18288"/>
+              <a:gd name="connsiteX5" fmla="*/ 3357154 w 4572000"/>
+              <a:gd name="connsiteY5" fmla="*/ 0 h 18288"/>
+              <a:gd name="connsiteX6" fmla="*/ 4010297 w 4572000"/>
+              <a:gd name="connsiteY6" fmla="*/ 0 h 18288"/>
+              <a:gd name="connsiteX7" fmla="*/ 4572000 w 4572000"/>
+              <a:gd name="connsiteY7" fmla="*/ 0 h 18288"/>
+              <a:gd name="connsiteX8" fmla="*/ 4572000 w 4572000"/>
+              <a:gd name="connsiteY8" fmla="*/ 18288 h 18288"/>
+              <a:gd name="connsiteX9" fmla="*/ 3873137 w 4572000"/>
+              <a:gd name="connsiteY9" fmla="*/ 18288 h 18288"/>
+              <a:gd name="connsiteX10" fmla="*/ 3265714 w 4572000"/>
+              <a:gd name="connsiteY10" fmla="*/ 18288 h 18288"/>
+              <a:gd name="connsiteX11" fmla="*/ 2521131 w 4572000"/>
+              <a:gd name="connsiteY11" fmla="*/ 18288 h 18288"/>
+              <a:gd name="connsiteX12" fmla="*/ 1867989 w 4572000"/>
+              <a:gd name="connsiteY12" fmla="*/ 18288 h 18288"/>
+              <a:gd name="connsiteX13" fmla="*/ 1352006 w 4572000"/>
+              <a:gd name="connsiteY13" fmla="*/ 18288 h 18288"/>
+              <a:gd name="connsiteX14" fmla="*/ 836023 w 4572000"/>
+              <a:gd name="connsiteY14" fmla="*/ 18288 h 18288"/>
+              <a:gd name="connsiteX15" fmla="*/ 0 w 4572000"/>
+              <a:gd name="connsiteY15" fmla="*/ 18288 h 18288"/>
+              <a:gd name="connsiteX16" fmla="*/ 0 w 4572000"/>
+              <a:gd name="connsiteY16" fmla="*/ 0 h 18288"/>
+            </a:gdLst>
+            <a:ahLst/>
+            <a:cxnLst>
+              <a:cxn ang="0">
+                <a:pos x="connsiteX0" y="connsiteY0"/>
+              </a:cxn>
+              <a:cxn ang="0">
+                <a:pos x="connsiteX1" y="connsiteY1"/>
+              </a:cxn>
+              <a:cxn ang="0">
+                <a:pos x="connsiteX2" y="connsiteY2"/>
+              </a:cxn>
+              <a:cxn ang="0">
+                <a:pos x="connsiteX3" y="connsiteY3"/>
+              </a:cxn>
+              <a:cxn ang="0">
+                <a:pos x="connsiteX4" y="connsiteY4"/>
+              </a:cxn>
+              <a:cxn ang="0">
+                <a:pos x="connsiteX5" y="connsiteY5"/>
+              </a:cxn>
+              <a:cxn ang="0">
+                <a:pos x="connsiteX6" y="connsiteY6"/>
+              </a:cxn>
+              <a:cxn ang="0">
+                <a:pos x="connsiteX7" y="connsiteY7"/>
+              </a:cxn>
+              <a:cxn ang="0">
+                <a:pos x="connsiteX8" y="connsiteY8"/>
+              </a:cxn>
+              <a:cxn ang="0">
+                <a:pos x="connsiteX9" y="connsiteY9"/>
+              </a:cxn>
+              <a:cxn ang="0">
+                <a:pos x="connsiteX10" y="connsiteY10"/>
+              </a:cxn>
+              <a:cxn ang="0">
+                <a:pos x="connsiteX11" y="connsiteY11"/>
+              </a:cxn>
+              <a:cxn ang="0">
+                <a:pos x="connsiteX12" y="connsiteY12"/>
+              </a:cxn>
+              <a:cxn ang="0">
+                <a:pos x="connsiteX13" y="connsiteY13"/>
+              </a:cxn>
+              <a:cxn ang="0">
+                <a:pos x="connsiteX14" y="connsiteY14"/>
+              </a:cxn>
+              <a:cxn ang="0">
+                <a:pos x="connsiteX15" y="connsiteY15"/>
+              </a:cxn>
+              <a:cxn ang="0">
+                <a:pos x="connsiteX16" y="connsiteY16"/>
+              </a:cxn>
+            </a:cxnLst>
+            <a:rect l="l" t="t" r="r" b="b"/>
+            <a:pathLst>
+              <a:path w="4572000" h="18288" fill="none" extrusionOk="0">
+                <a:moveTo>
+                  <a:pt x="0" y="0"/>
+                </a:moveTo>
+                <a:cubicBezTo>
+                  <a:pt x="335213" y="-5275"/>
+                  <a:pt x="446637" y="2749"/>
+                  <a:pt x="744583" y="0"/>
+                </a:cubicBezTo>
+                <a:cubicBezTo>
+                  <a:pt x="1042529" y="-2749"/>
+                  <a:pt x="1223095" y="8165"/>
+                  <a:pt x="1352006" y="0"/>
+                </a:cubicBezTo>
+                <a:cubicBezTo>
+                  <a:pt x="1480917" y="-8165"/>
+                  <a:pt x="1803308" y="16240"/>
+                  <a:pt x="2050869" y="0"/>
+                </a:cubicBezTo>
+                <a:cubicBezTo>
+                  <a:pt x="2298430" y="-16240"/>
+                  <a:pt x="2464656" y="-22054"/>
+                  <a:pt x="2612571" y="0"/>
+                </a:cubicBezTo>
+                <a:cubicBezTo>
+                  <a:pt x="2760486" y="22054"/>
+                  <a:pt x="3034874" y="11895"/>
+                  <a:pt x="3357154" y="0"/>
+                </a:cubicBezTo>
+                <a:cubicBezTo>
+                  <a:pt x="3679434" y="-11895"/>
+                  <a:pt x="3778145" y="-10841"/>
+                  <a:pt x="4010297" y="0"/>
+                </a:cubicBezTo>
+                <a:cubicBezTo>
+                  <a:pt x="4242449" y="10841"/>
+                  <a:pt x="4385860" y="17261"/>
+                  <a:pt x="4572000" y="0"/>
+                </a:cubicBezTo>
+                <a:cubicBezTo>
+                  <a:pt x="4571443" y="8172"/>
+                  <a:pt x="4571244" y="10948"/>
+                  <a:pt x="4572000" y="18288"/>
+                </a:cubicBezTo>
+                <a:cubicBezTo>
+                  <a:pt x="4352099" y="1269"/>
+                  <a:pt x="4065933" y="40755"/>
+                  <a:pt x="3873137" y="18288"/>
+                </a:cubicBezTo>
+                <a:cubicBezTo>
+                  <a:pt x="3680341" y="-4179"/>
+                  <a:pt x="3486903" y="33471"/>
+                  <a:pt x="3265714" y="18288"/>
+                </a:cubicBezTo>
+                <a:cubicBezTo>
+                  <a:pt x="3044525" y="3105"/>
+                  <a:pt x="2683548" y="-1073"/>
+                  <a:pt x="2521131" y="18288"/>
+                </a:cubicBezTo>
+                <a:cubicBezTo>
+                  <a:pt x="2358714" y="37649"/>
+                  <a:pt x="2132855" y="34593"/>
+                  <a:pt x="1867989" y="18288"/>
+                </a:cubicBezTo>
+                <a:cubicBezTo>
+                  <a:pt x="1603123" y="1983"/>
+                  <a:pt x="1605373" y="2886"/>
+                  <a:pt x="1352006" y="18288"/>
+                </a:cubicBezTo>
+                <a:cubicBezTo>
+                  <a:pt x="1098639" y="33690"/>
+                  <a:pt x="962100" y="16241"/>
+                  <a:pt x="836023" y="18288"/>
+                </a:cubicBezTo>
+                <a:cubicBezTo>
+                  <a:pt x="709946" y="20335"/>
+                  <a:pt x="193668" y="-307"/>
+                  <a:pt x="0" y="18288"/>
+                </a:cubicBezTo>
+                <a:cubicBezTo>
+                  <a:pt x="-277" y="11188"/>
+                  <a:pt x="-244" y="5848"/>
+                  <a:pt x="0" y="0"/>
+                </a:cubicBezTo>
+                <a:close/>
+              </a:path>
+              <a:path w="4572000" h="18288" stroke="0" extrusionOk="0">
+                <a:moveTo>
+                  <a:pt x="0" y="0"/>
+                </a:moveTo>
+                <a:cubicBezTo>
+                  <a:pt x="158188" y="7508"/>
+                  <a:pt x="361578" y="-27091"/>
+                  <a:pt x="561703" y="0"/>
+                </a:cubicBezTo>
+                <a:cubicBezTo>
+                  <a:pt x="761828" y="27091"/>
+                  <a:pt x="1133811" y="14547"/>
+                  <a:pt x="1306286" y="0"/>
+                </a:cubicBezTo>
+                <a:cubicBezTo>
+                  <a:pt x="1478761" y="-14547"/>
+                  <a:pt x="1809594" y="13320"/>
+                  <a:pt x="2050869" y="0"/>
+                </a:cubicBezTo>
+                <a:cubicBezTo>
+                  <a:pt x="2292144" y="-13320"/>
+                  <a:pt x="2409269" y="-14334"/>
+                  <a:pt x="2612571" y="0"/>
+                </a:cubicBezTo>
+                <a:cubicBezTo>
+                  <a:pt x="2815873" y="14334"/>
+                  <a:pt x="3025009" y="33536"/>
+                  <a:pt x="3311434" y="0"/>
+                </a:cubicBezTo>
+                <a:cubicBezTo>
+                  <a:pt x="3597859" y="-33536"/>
+                  <a:pt x="3695431" y="-13462"/>
+                  <a:pt x="3827417" y="0"/>
+                </a:cubicBezTo>
+                <a:cubicBezTo>
+                  <a:pt x="3959403" y="13462"/>
+                  <a:pt x="4360180" y="899"/>
+                  <a:pt x="4572000" y="0"/>
+                </a:cubicBezTo>
+                <a:cubicBezTo>
+                  <a:pt x="4572481" y="8890"/>
+                  <a:pt x="4572898" y="10033"/>
+                  <a:pt x="4572000" y="18288"/>
+                </a:cubicBezTo>
+                <a:cubicBezTo>
+                  <a:pt x="4356830" y="5817"/>
+                  <a:pt x="4021942" y="41441"/>
+                  <a:pt x="3873137" y="18288"/>
+                </a:cubicBezTo>
+                <a:cubicBezTo>
+                  <a:pt x="3724332" y="-4865"/>
+                  <a:pt x="3494019" y="36771"/>
+                  <a:pt x="3174274" y="18288"/>
+                </a:cubicBezTo>
+                <a:cubicBezTo>
+                  <a:pt x="2854529" y="-195"/>
+                  <a:pt x="2861023" y="5963"/>
+                  <a:pt x="2658291" y="18288"/>
+                </a:cubicBezTo>
+                <a:cubicBezTo>
+                  <a:pt x="2455559" y="30613"/>
+                  <a:pt x="2309968" y="11711"/>
+                  <a:pt x="2050869" y="18288"/>
+                </a:cubicBezTo>
+                <a:cubicBezTo>
+                  <a:pt x="1791770" y="24865"/>
+                  <a:pt x="1671115" y="-4587"/>
+                  <a:pt x="1306286" y="18288"/>
+                </a:cubicBezTo>
+                <a:cubicBezTo>
+                  <a:pt x="941457" y="41163"/>
+                  <a:pt x="838619" y="-9452"/>
+                  <a:pt x="653143" y="18288"/>
+                </a:cubicBezTo>
+                <a:cubicBezTo>
+                  <a:pt x="467667" y="46028"/>
+                  <a:pt x="308702" y="9245"/>
+                  <a:pt x="0" y="18288"/>
+                </a:cubicBezTo>
+                <a:cubicBezTo>
+                  <a:pt x="-4" y="10872"/>
+                  <a:pt x="388" y="6748"/>
+                  <a:pt x="0" y="0"/>
+                </a:cubicBezTo>
+                <a:close/>
+              </a:path>
+            </a:pathLst>
+          </a:custGeom>
+          <a:solidFill>
+            <a:schemeClr val="accent2"/>
+          </a:solidFill>
+          <a:ln w="41275" cap="rnd">
+            <a:solidFill>
+              <a:schemeClr val="accent2"/>
+            </a:solidFill>
+            <a:round/>
+            <a:extLst>
+              <a:ext uri="{C807C97D-BFC1-408E-A445-0C87EB9F89A2}">
+                <ask:lineSketchStyleProps xmlns:ask="http://schemas.microsoft.com/office/drawing/2018/sketchyshapes" sd="1959150775">
+                  <a:prstGeom prst="rect">
+                    <a:avLst/>
+                  </a:prstGeom>
+                  <ask:type>
+                    <ask:lineSketchFreehand/>
+                  </ask:type>
+                </ask:lineSketchStyleProps>
+              </a:ext>
+            </a:extLst>
+          </a:ln>
+        </p:spPr>
+        <p:style>
+          <a:lnRef idx="2">
+            <a:schemeClr val="accent1">
+              <a:shade val="50000"/>
+            </a:schemeClr>
+          </a:lnRef>
+          <a:fillRef idx="1">
+            <a:schemeClr val="accent1"/>
+          </a:fillRef>
+          <a:effectRef idx="0">
+            <a:schemeClr val="accent1"/>
+          </a:effectRef>
+          <a:fontRef idx="minor">
+            <a:schemeClr val="lt1"/>
+          </a:fontRef>
+        </p:style>
+        <p:txBody>
+          <a:bodyPr rtlCol="0" anchor="ctr"/>
+          <a:lstStyle/>
+          <a:p>
+            <a:pPr algn="ctr"/>
+            <a:endParaRPr lang="en-US"/>
+          </a:p>
+        </p:txBody>
+      </p:sp>
+      <p:pic>
+        <p:nvPicPr>
+          <p:cNvPr id="11" name="Picture 10" descr="A screenshot of a computer&#10;&#10;Description automatically generated">
+            <a:extLst>
+              <a:ext uri="{FF2B5EF4-FFF2-40B4-BE49-F238E27FC236}">
+                <a16:creationId xmlns:a16="http://schemas.microsoft.com/office/drawing/2014/main" id="{DFC658C1-F9D7-3BBF-CD67-5F2A2B568C36}"/>
+              </a:ext>
+            </a:extLst>
+          </p:cNvPr>
+          <p:cNvPicPr>
+            <a:picLocks noChangeAspect="1"/>
+          </p:cNvPicPr>
+          <p:nvPr/>
+        </p:nvPicPr>
+        <p:blipFill>
+          <a:blip r:embed="rId2"/>
+          <a:stretch>
+            <a:fillRect/>
+          </a:stretch>
+        </p:blipFill>
+        <p:spPr>
+          <a:xfrm>
+            <a:off x="3730597" y="3767357"/>
+            <a:ext cx="4730806" cy="2661077"/>
+          </a:xfrm>
+          <a:prstGeom prst="rect">
+            <a:avLst/>
+          </a:prstGeom>
+        </p:spPr>
+      </p:pic>
+      <p:pic>
+        <p:nvPicPr>
+          <p:cNvPr id="9" name="Picture 8" descr="A screenshot of a computer error&#10;&#10;Description automatically generated">
+            <a:extLst>
+              <a:ext uri="{FF2B5EF4-FFF2-40B4-BE49-F238E27FC236}">
+                <a16:creationId xmlns:a16="http://schemas.microsoft.com/office/drawing/2014/main" id="{210722EF-31D7-DDDA-E06E-23576B5C71BB}"/>
+              </a:ext>
+            </a:extLst>
+          </p:cNvPr>
+          <p:cNvPicPr>
+            <a:picLocks noChangeAspect="1"/>
+          </p:cNvPicPr>
+          <p:nvPr/>
+        </p:nvPicPr>
+        <p:blipFill>
+          <a:blip r:embed="rId3"/>
+          <a:stretch>
+            <a:fillRect/>
+          </a:stretch>
+        </p:blipFill>
+        <p:spPr>
+          <a:xfrm>
+            <a:off x="4678441" y="1795265"/>
+            <a:ext cx="2832069" cy="1818759"/>
+          </a:xfrm>
+          <a:prstGeom prst="rect">
+            <a:avLst/>
+          </a:prstGeom>
+        </p:spPr>
+      </p:pic>
+      <p:pic>
+        <p:nvPicPr>
+          <p:cNvPr id="7" name="Picture 6" descr="A screenshot of a phone&#10;&#10;Description automatically generated">
+            <a:extLst>
+              <a:ext uri="{FF2B5EF4-FFF2-40B4-BE49-F238E27FC236}">
+                <a16:creationId xmlns:a16="http://schemas.microsoft.com/office/drawing/2014/main" id="{56A6AE92-D29D-9C89-63C3-247D3C426BE0}"/>
+              </a:ext>
+            </a:extLst>
+          </p:cNvPr>
+          <p:cNvPicPr>
+            <a:picLocks noChangeAspect="1"/>
+          </p:cNvPicPr>
+          <p:nvPr/>
+        </p:nvPicPr>
+        <p:blipFill>
+          <a:blip r:embed="rId4"/>
+          <a:stretch>
+            <a:fillRect/>
+          </a:stretch>
+        </p:blipFill>
+        <p:spPr>
+          <a:xfrm>
+            <a:off x="439597" y="446411"/>
+            <a:ext cx="2569890" cy="6118790"/>
+          </a:xfrm>
+          <a:prstGeom prst="rect">
+            <a:avLst/>
+          </a:prstGeom>
+        </p:spPr>
+      </p:pic>
+      <p:pic>
+        <p:nvPicPr>
+          <p:cNvPr id="15" name="Picture 14">
+            <a:extLst>
+              <a:ext uri="{FF2B5EF4-FFF2-40B4-BE49-F238E27FC236}">
+                <a16:creationId xmlns:a16="http://schemas.microsoft.com/office/drawing/2014/main" id="{1545459B-D212-2808-3511-1C34EA5C8DCF}"/>
+              </a:ext>
+            </a:extLst>
+          </p:cNvPr>
+          <p:cNvPicPr>
+            <a:picLocks noChangeAspect="1"/>
+          </p:cNvPicPr>
+          <p:nvPr/>
+        </p:nvPicPr>
+        <p:blipFill>
+          <a:blip r:embed="rId5"/>
+          <a:stretch>
+            <a:fillRect/>
+          </a:stretch>
+        </p:blipFill>
+        <p:spPr>
+          <a:xfrm>
+            <a:off x="8566223" y="651746"/>
+            <a:ext cx="3438504" cy="5554508"/>
+          </a:xfrm>
+          <a:prstGeom prst="rect">
+            <a:avLst/>
+          </a:prstGeom>
+        </p:spPr>
+      </p:pic>
+    </p:spTree>
+    <p:extLst>
+      <p:ext uri="{BB962C8B-B14F-4D97-AF65-F5344CB8AC3E}">
+        <p14:creationId xmlns:p14="http://schemas.microsoft.com/office/powerpoint/2010/main" val="1322906560"/>
+      </p:ext>
+    </p:extLst>
+  </p:cSld>
+  <p:clrMapOvr>
+    <a:masterClrMapping/>
+  </p:clrMapOvr>
+</p:sld>
+</file>
+
+<file path=ppt/slides/slide18.xml><?xml version="1.0" encoding="utf-8"?>
+<p:sld xmlns:a="http://schemas.openxmlformats.org/drawingml/2006/main" xmlns:r="http://schemas.openxmlformats.org/officeDocument/2006/relationships" xmlns:p="http://schemas.openxmlformats.org/presentationml/2006/main">
+  <p:cSld>
+    <p:bg>
+      <p:bgPr>
+        <a:solidFill>
+          <a:schemeClr val="bg1"/>
+        </a:solidFill>
+        <a:effectLst/>
+      </p:bgPr>
+    </p:bg>
+    <p:spTree>
+      <p:nvGrpSpPr>
+        <p:cNvPr id="1" name=""/>
+        <p:cNvGrpSpPr/>
+        <p:nvPr/>
+      </p:nvGrpSpPr>
+      <p:grpSpPr>
+        <a:xfrm>
+          <a:off x="0" y="0"/>
+          <a:ext cx="0" cy="0"/>
+          <a:chOff x="0" y="0"/>
+          <a:chExt cx="0" cy="0"/>
+        </a:xfrm>
+      </p:grpSpPr>
+      <p:sp useBgFill="1">
+        <p:nvSpPr>
+          <p:cNvPr id="14" name="Rectangle 13">
+            <a:extLst>
+              <a:ext uri="{FF2B5EF4-FFF2-40B4-BE49-F238E27FC236}">
+                <a16:creationId xmlns:a16="http://schemas.microsoft.com/office/drawing/2014/main" id="{7C98A213-5994-475E-B327-DC6EC27FBA8B}"/>
+              </a:ext>
+              <a:ext uri="{C183D7F6-B498-43B3-948B-1728B52AA6E4}">
+                <adec:decorative xmlns:adec="http://schemas.microsoft.com/office/drawing/2017/decorative" val="1"/>
+              </a:ext>
+            </a:extLst>
+          </p:cNvPr>
+          <p:cNvSpPr>
+            <a:spLocks noGrp="1" noRot="1" noChangeAspect="1" noMove="1" noResize="1" noEditPoints="1" noAdjustHandles="1" noChangeArrowheads="1" noChangeShapeType="1" noTextEdit="1"/>
+          </p:cNvSpPr>
+          <p:nvPr>
+            <p:extLst>
+              <p:ext uri="{386F3935-93C4-4BCD-93E2-E3B085C9AB24}">
+                <p16:designElem xmlns:p16="http://schemas.microsoft.com/office/powerpoint/2015/main" val="1"/>
+              </p:ext>
+            </p:extLst>
+          </p:nvPr>
+        </p:nvSpPr>
+        <p:spPr>
+          <a:xfrm>
+            <a:off x="0" y="0"/>
+            <a:ext cx="12188952" cy="6858000"/>
+          </a:xfrm>
+          <a:prstGeom prst="rect">
+            <a:avLst/>
+          </a:prstGeom>
+          <a:ln>
+            <a:noFill/>
+          </a:ln>
+        </p:spPr>
+        <p:style>
+          <a:lnRef idx="2">
+            <a:schemeClr val="accent1">
+              <a:shade val="50000"/>
+            </a:schemeClr>
+          </a:lnRef>
+          <a:fillRef idx="1">
+            <a:schemeClr val="accent1"/>
+          </a:fillRef>
+          <a:effectRef idx="0">
+            <a:schemeClr val="accent1"/>
+          </a:effectRef>
+          <a:fontRef idx="minor">
+            <a:schemeClr val="lt1"/>
+          </a:fontRef>
+        </p:style>
+        <p:txBody>
+          <a:bodyPr rtlCol="0" anchor="ctr"/>
+          <a:lstStyle/>
+          <a:p>
+            <a:pPr algn="ctr"/>
+            <a:endParaRPr lang="en-US"/>
+          </a:p>
+        </p:txBody>
+      </p:sp>
+      <p:sp>
+        <p:nvSpPr>
+          <p:cNvPr id="2" name="Title 1">
+            <a:extLst>
+              <a:ext uri="{FF2B5EF4-FFF2-40B4-BE49-F238E27FC236}">
+                <a16:creationId xmlns:a16="http://schemas.microsoft.com/office/drawing/2014/main" id="{A4840821-8535-0826-BDBD-6D3BB6277C51}"/>
+              </a:ext>
+            </a:extLst>
+          </p:cNvPr>
+          <p:cNvSpPr>
+            <a:spLocks noGrp="1"/>
+          </p:cNvSpPr>
+          <p:nvPr>
+            <p:ph type="title"/>
+          </p:nvPr>
+        </p:nvSpPr>
+        <p:spPr>
+          <a:xfrm>
+            <a:off x="638881" y="670218"/>
+            <a:ext cx="10909640" cy="1065836"/>
+          </a:xfrm>
+        </p:spPr>
+        <p:txBody>
+          <a:bodyPr vert="horz" lIns="91440" tIns="45720" rIns="91440" bIns="45720" rtlCol="0" anchor="ctr">
+            <a:normAutofit/>
+          </a:bodyPr>
+          <a:lstStyle/>
+          <a:p>
+            <a:pPr algn="ctr"/>
+            <a:r>
+              <a:rPr lang="en-US" sz="6600"/>
+              <a:t>Team Insertion</a:t>
+            </a:r>
+          </a:p>
+        </p:txBody>
+      </p:sp>
+      <p:sp>
+        <p:nvSpPr>
+          <p:cNvPr id="16" name="sketch line">
+            <a:extLst>
+              <a:ext uri="{FF2B5EF4-FFF2-40B4-BE49-F238E27FC236}">
+                <a16:creationId xmlns:a16="http://schemas.microsoft.com/office/drawing/2014/main" id="{4B030A0D-0DAD-4A99-89BB-419527D6A64B}"/>
+              </a:ext>
+              <a:ext uri="{C183D7F6-B498-43B3-948B-1728B52AA6E4}">
+                <adec:decorative xmlns:adec="http://schemas.microsoft.com/office/drawing/2017/decorative" val="1"/>
+              </a:ext>
+            </a:extLst>
+          </p:cNvPr>
+          <p:cNvSpPr>
+            <a:spLocks noGrp="1" noRot="1" noChangeAspect="1" noMove="1" noResize="1" noEditPoints="1" noAdjustHandles="1" noChangeArrowheads="1" noChangeShapeType="1" noTextEdit="1"/>
+          </p:cNvSpPr>
+          <p:nvPr>
+            <p:extLst>
+              <p:ext uri="{386F3935-93C4-4BCD-93E2-E3B085C9AB24}">
+                <p16:designElem xmlns:p16="http://schemas.microsoft.com/office/powerpoint/2015/main" val="1"/>
+              </p:ext>
+            </p:extLst>
+          </p:nvPr>
+        </p:nvSpPr>
+        <p:spPr>
+          <a:xfrm>
+            <a:off x="3389376" y="1800088"/>
+            <a:ext cx="5410200" cy="18288"/>
+          </a:xfrm>
+          <a:custGeom>
+            <a:avLst/>
+            <a:gdLst>
+              <a:gd name="connsiteX0" fmla="*/ 0 w 5410200"/>
+              <a:gd name="connsiteY0" fmla="*/ 0 h 18288"/>
+              <a:gd name="connsiteX1" fmla="*/ 568071 w 5410200"/>
+              <a:gd name="connsiteY1" fmla="*/ 0 h 18288"/>
+              <a:gd name="connsiteX2" fmla="*/ 1298448 w 5410200"/>
+              <a:gd name="connsiteY2" fmla="*/ 0 h 18288"/>
+              <a:gd name="connsiteX3" fmla="*/ 1920621 w 5410200"/>
+              <a:gd name="connsiteY3" fmla="*/ 0 h 18288"/>
+              <a:gd name="connsiteX4" fmla="*/ 2488692 w 5410200"/>
+              <a:gd name="connsiteY4" fmla="*/ 0 h 18288"/>
+              <a:gd name="connsiteX5" fmla="*/ 3219069 w 5410200"/>
+              <a:gd name="connsiteY5" fmla="*/ 0 h 18288"/>
+              <a:gd name="connsiteX6" fmla="*/ 3895344 w 5410200"/>
+              <a:gd name="connsiteY6" fmla="*/ 0 h 18288"/>
+              <a:gd name="connsiteX7" fmla="*/ 4571619 w 5410200"/>
+              <a:gd name="connsiteY7" fmla="*/ 0 h 18288"/>
+              <a:gd name="connsiteX8" fmla="*/ 5410200 w 5410200"/>
+              <a:gd name="connsiteY8" fmla="*/ 0 h 18288"/>
+              <a:gd name="connsiteX9" fmla="*/ 5410200 w 5410200"/>
+              <a:gd name="connsiteY9" fmla="*/ 18288 h 18288"/>
+              <a:gd name="connsiteX10" fmla="*/ 4842129 w 5410200"/>
+              <a:gd name="connsiteY10" fmla="*/ 18288 h 18288"/>
+              <a:gd name="connsiteX11" fmla="*/ 4328160 w 5410200"/>
+              <a:gd name="connsiteY11" fmla="*/ 18288 h 18288"/>
+              <a:gd name="connsiteX12" fmla="*/ 3597783 w 5410200"/>
+              <a:gd name="connsiteY12" fmla="*/ 18288 h 18288"/>
+              <a:gd name="connsiteX13" fmla="*/ 3029712 w 5410200"/>
+              <a:gd name="connsiteY13" fmla="*/ 18288 h 18288"/>
+              <a:gd name="connsiteX14" fmla="*/ 2299335 w 5410200"/>
+              <a:gd name="connsiteY14" fmla="*/ 18288 h 18288"/>
+              <a:gd name="connsiteX15" fmla="*/ 1514856 w 5410200"/>
+              <a:gd name="connsiteY15" fmla="*/ 18288 h 18288"/>
+              <a:gd name="connsiteX16" fmla="*/ 892683 w 5410200"/>
+              <a:gd name="connsiteY16" fmla="*/ 18288 h 18288"/>
+              <a:gd name="connsiteX17" fmla="*/ 0 w 5410200"/>
+              <a:gd name="connsiteY17" fmla="*/ 18288 h 18288"/>
+              <a:gd name="connsiteX18" fmla="*/ 0 w 5410200"/>
+              <a:gd name="connsiteY18" fmla="*/ 0 h 18288"/>
+            </a:gdLst>
+            <a:ahLst/>
+            <a:cxnLst>
+              <a:cxn ang="0">
+                <a:pos x="connsiteX0" y="connsiteY0"/>
+              </a:cxn>
+              <a:cxn ang="0">
+                <a:pos x="connsiteX1" y="connsiteY1"/>
+              </a:cxn>
+              <a:cxn ang="0">
+                <a:pos x="connsiteX2" y="connsiteY2"/>
+              </a:cxn>
+              <a:cxn ang="0">
+                <a:pos x="connsiteX3" y="connsiteY3"/>
+              </a:cxn>
+              <a:cxn ang="0">
+                <a:pos x="connsiteX4" y="connsiteY4"/>
+              </a:cxn>
+              <a:cxn ang="0">
+                <a:pos x="connsiteX5" y="connsiteY5"/>
+              </a:cxn>
+              <a:cxn ang="0">
+                <a:pos x="connsiteX6" y="connsiteY6"/>
+              </a:cxn>
+              <a:cxn ang="0">
+                <a:pos x="connsiteX7" y="connsiteY7"/>
+              </a:cxn>
+              <a:cxn ang="0">
+                <a:pos x="connsiteX8" y="connsiteY8"/>
+              </a:cxn>
+              <a:cxn ang="0">
+                <a:pos x="connsiteX9" y="connsiteY9"/>
+              </a:cxn>
+              <a:cxn ang="0">
+                <a:pos x="connsiteX10" y="connsiteY10"/>
+              </a:cxn>
+              <a:cxn ang="0">
+                <a:pos x="connsiteX11" y="connsiteY11"/>
+              </a:cxn>
+              <a:cxn ang="0">
+                <a:pos x="connsiteX12" y="connsiteY12"/>
+              </a:cxn>
+              <a:cxn ang="0">
+                <a:pos x="connsiteX13" y="connsiteY13"/>
+              </a:cxn>
+              <a:cxn ang="0">
+                <a:pos x="connsiteX14" y="connsiteY14"/>
+              </a:cxn>
+              <a:cxn ang="0">
+                <a:pos x="connsiteX15" y="connsiteY15"/>
+              </a:cxn>
+              <a:cxn ang="0">
+                <a:pos x="connsiteX16" y="connsiteY16"/>
+              </a:cxn>
+              <a:cxn ang="0">
+                <a:pos x="connsiteX17" y="connsiteY17"/>
+              </a:cxn>
+              <a:cxn ang="0">
+                <a:pos x="connsiteX18" y="connsiteY18"/>
+              </a:cxn>
+            </a:cxnLst>
+            <a:rect l="l" t="t" r="r" b="b"/>
+            <a:pathLst>
+              <a:path w="5410200" h="18288" fill="none" extrusionOk="0">
+                <a:moveTo>
+                  <a:pt x="0" y="0"/>
+                </a:moveTo>
+                <a:cubicBezTo>
+                  <a:pt x="163050" y="-18707"/>
+                  <a:pt x="319321" y="-16364"/>
+                  <a:pt x="568071" y="0"/>
+                </a:cubicBezTo>
+                <a:cubicBezTo>
+                  <a:pt x="816821" y="16364"/>
+                  <a:pt x="1013224" y="-7268"/>
+                  <a:pt x="1298448" y="0"/>
+                </a:cubicBezTo>
+                <a:cubicBezTo>
+                  <a:pt x="1583672" y="7268"/>
+                  <a:pt x="1631711" y="-3367"/>
+                  <a:pt x="1920621" y="0"/>
+                </a:cubicBezTo>
+                <a:cubicBezTo>
+                  <a:pt x="2209531" y="3367"/>
+                  <a:pt x="2364420" y="-19184"/>
+                  <a:pt x="2488692" y="0"/>
+                </a:cubicBezTo>
+                <a:cubicBezTo>
+                  <a:pt x="2612964" y="19184"/>
+                  <a:pt x="3023298" y="-34627"/>
+                  <a:pt x="3219069" y="0"/>
+                </a:cubicBezTo>
+                <a:cubicBezTo>
+                  <a:pt x="3414840" y="34627"/>
+                  <a:pt x="3656810" y="24043"/>
+                  <a:pt x="3895344" y="0"/>
+                </a:cubicBezTo>
+                <a:cubicBezTo>
+                  <a:pt x="4133879" y="-24043"/>
+                  <a:pt x="4393984" y="-19577"/>
+                  <a:pt x="4571619" y="0"/>
+                </a:cubicBezTo>
+                <a:cubicBezTo>
+                  <a:pt x="4749255" y="19577"/>
+                  <a:pt x="5179928" y="-6281"/>
+                  <a:pt x="5410200" y="0"/>
+                </a:cubicBezTo>
+                <a:cubicBezTo>
+                  <a:pt x="5410730" y="6954"/>
+                  <a:pt x="5410934" y="12839"/>
+                  <a:pt x="5410200" y="18288"/>
+                </a:cubicBezTo>
+                <a:cubicBezTo>
+                  <a:pt x="5139060" y="6751"/>
+                  <a:pt x="5121593" y="31035"/>
+                  <a:pt x="4842129" y="18288"/>
+                </a:cubicBezTo>
+                <a:cubicBezTo>
+                  <a:pt x="4562665" y="5541"/>
+                  <a:pt x="4448273" y="9487"/>
+                  <a:pt x="4328160" y="18288"/>
+                </a:cubicBezTo>
+                <a:cubicBezTo>
+                  <a:pt x="4208047" y="27089"/>
+                  <a:pt x="3760936" y="22567"/>
+                  <a:pt x="3597783" y="18288"/>
+                </a:cubicBezTo>
+                <a:cubicBezTo>
+                  <a:pt x="3434630" y="14009"/>
+                  <a:pt x="3299718" y="33213"/>
+                  <a:pt x="3029712" y="18288"/>
+                </a:cubicBezTo>
+                <a:cubicBezTo>
+                  <a:pt x="2759706" y="3363"/>
+                  <a:pt x="2640159" y="27394"/>
+                  <a:pt x="2299335" y="18288"/>
+                </a:cubicBezTo>
+                <a:cubicBezTo>
+                  <a:pt x="1958511" y="9182"/>
+                  <a:pt x="1801186" y="28985"/>
+                  <a:pt x="1514856" y="18288"/>
+                </a:cubicBezTo>
+                <a:cubicBezTo>
+                  <a:pt x="1228526" y="7591"/>
+                  <a:pt x="1063509" y="-5305"/>
+                  <a:pt x="892683" y="18288"/>
+                </a:cubicBezTo>
+                <a:cubicBezTo>
+                  <a:pt x="721857" y="41881"/>
+                  <a:pt x="186945" y="-20897"/>
+                  <a:pt x="0" y="18288"/>
+                </a:cubicBezTo>
+                <a:cubicBezTo>
+                  <a:pt x="-570" y="9279"/>
+                  <a:pt x="132" y="5100"/>
+                  <a:pt x="0" y="0"/>
+                </a:cubicBezTo>
+                <a:close/>
+              </a:path>
+              <a:path w="5410200" h="18288" stroke="0" extrusionOk="0">
+                <a:moveTo>
+                  <a:pt x="0" y="0"/>
+                </a:moveTo>
+                <a:cubicBezTo>
+                  <a:pt x="285096" y="-4925"/>
+                  <a:pt x="376456" y="22268"/>
+                  <a:pt x="622173" y="0"/>
+                </a:cubicBezTo>
+                <a:cubicBezTo>
+                  <a:pt x="867890" y="-22268"/>
+                  <a:pt x="1031392" y="7228"/>
+                  <a:pt x="1136142" y="0"/>
+                </a:cubicBezTo>
+                <a:cubicBezTo>
+                  <a:pt x="1240892" y="-7228"/>
+                  <a:pt x="1561853" y="9877"/>
+                  <a:pt x="1920621" y="0"/>
+                </a:cubicBezTo>
+                <a:cubicBezTo>
+                  <a:pt x="2279389" y="-9877"/>
+                  <a:pt x="2367255" y="19546"/>
+                  <a:pt x="2542794" y="0"/>
+                </a:cubicBezTo>
+                <a:cubicBezTo>
+                  <a:pt x="2718333" y="-19546"/>
+                  <a:pt x="2866732" y="-22226"/>
+                  <a:pt x="3164967" y="0"/>
+                </a:cubicBezTo>
+                <a:cubicBezTo>
+                  <a:pt x="3463202" y="22226"/>
+                  <a:pt x="3568055" y="-2765"/>
+                  <a:pt x="3949446" y="0"/>
+                </a:cubicBezTo>
+                <a:cubicBezTo>
+                  <a:pt x="4330837" y="2765"/>
+                  <a:pt x="4287895" y="10557"/>
+                  <a:pt x="4517517" y="0"/>
+                </a:cubicBezTo>
+                <a:cubicBezTo>
+                  <a:pt x="4747139" y="-10557"/>
+                  <a:pt x="5149588" y="8716"/>
+                  <a:pt x="5410200" y="0"/>
+                </a:cubicBezTo>
+                <a:cubicBezTo>
+                  <a:pt x="5409517" y="5414"/>
+                  <a:pt x="5409480" y="12510"/>
+                  <a:pt x="5410200" y="18288"/>
+                </a:cubicBezTo>
+                <a:cubicBezTo>
+                  <a:pt x="5163327" y="41494"/>
+                  <a:pt x="5008749" y="10693"/>
+                  <a:pt x="4842129" y="18288"/>
+                </a:cubicBezTo>
+                <a:cubicBezTo>
+                  <a:pt x="4675509" y="25883"/>
+                  <a:pt x="4433401" y="-615"/>
+                  <a:pt x="4165854" y="18288"/>
+                </a:cubicBezTo>
+                <a:cubicBezTo>
+                  <a:pt x="3898308" y="37191"/>
+                  <a:pt x="3809032" y="-8710"/>
+                  <a:pt x="3543681" y="18288"/>
+                </a:cubicBezTo>
+                <a:cubicBezTo>
+                  <a:pt x="3278330" y="45286"/>
+                  <a:pt x="3073876" y="-15917"/>
+                  <a:pt x="2759202" y="18288"/>
+                </a:cubicBezTo>
+                <a:cubicBezTo>
+                  <a:pt x="2444528" y="52493"/>
+                  <a:pt x="2204144" y="3372"/>
+                  <a:pt x="1974723" y="18288"/>
+                </a:cubicBezTo>
+                <a:cubicBezTo>
+                  <a:pt x="1745302" y="33204"/>
+                  <a:pt x="1602335" y="31490"/>
+                  <a:pt x="1406652" y="18288"/>
+                </a:cubicBezTo>
+                <a:cubicBezTo>
+                  <a:pt x="1210969" y="5086"/>
+                  <a:pt x="923948" y="3161"/>
+                  <a:pt x="730377" y="18288"/>
+                </a:cubicBezTo>
+                <a:cubicBezTo>
+                  <a:pt x="536806" y="33415"/>
+                  <a:pt x="336496" y="-141"/>
+                  <a:pt x="0" y="18288"/>
+                </a:cubicBezTo>
+                <a:cubicBezTo>
+                  <a:pt x="-306" y="11061"/>
+                  <a:pt x="-655" y="7751"/>
+                  <a:pt x="0" y="0"/>
+                </a:cubicBezTo>
+                <a:close/>
+              </a:path>
+            </a:pathLst>
+          </a:custGeom>
+          <a:solidFill>
+            <a:schemeClr val="accent2"/>
+          </a:solidFill>
+          <a:ln w="41275" cap="rnd">
+            <a:solidFill>
+              <a:schemeClr val="accent2"/>
+            </a:solidFill>
+            <a:round/>
+            <a:extLst>
+              <a:ext uri="{C807C97D-BFC1-408E-A445-0C87EB9F89A2}">
+                <ask:lineSketchStyleProps xmlns:ask="http://schemas.microsoft.com/office/drawing/2018/sketchyshapes" sd="1219033472">
+                  <a:prstGeom prst="rect">
+                    <a:avLst/>
+                  </a:prstGeom>
+                  <ask:type>
+                    <ask:lineSketchFreehand/>
+                  </ask:type>
+                </ask:lineSketchStyleProps>
+              </a:ext>
+            </a:extLst>
+          </a:ln>
+        </p:spPr>
+        <p:style>
+          <a:lnRef idx="2">
+            <a:schemeClr val="accent1">
+              <a:shade val="50000"/>
+            </a:schemeClr>
+          </a:lnRef>
+          <a:fillRef idx="1">
+            <a:schemeClr val="accent1"/>
+          </a:fillRef>
+          <a:effectRef idx="0">
+            <a:schemeClr val="accent1"/>
+          </a:effectRef>
+          <a:fontRef idx="minor">
+            <a:schemeClr val="lt1"/>
+          </a:fontRef>
+        </p:style>
+        <p:txBody>
+          <a:bodyPr rtlCol="0" anchor="ctr"/>
+          <a:lstStyle/>
+          <a:p>
+            <a:pPr algn="ctr"/>
+            <a:endParaRPr lang="en-US"/>
+          </a:p>
+        </p:txBody>
+      </p:sp>
+      <p:pic>
+        <p:nvPicPr>
+          <p:cNvPr id="5" name="Picture 4" descr="A screenshot of a computer&#10;&#10;Description automatically generated">
+            <a:extLst>
+              <a:ext uri="{FF2B5EF4-FFF2-40B4-BE49-F238E27FC236}">
+                <a16:creationId xmlns:a16="http://schemas.microsoft.com/office/drawing/2014/main" id="{0051ABF2-494C-F823-735B-895B03BAC31B}"/>
+              </a:ext>
+            </a:extLst>
+          </p:cNvPr>
+          <p:cNvPicPr>
+            <a:picLocks noChangeAspect="1"/>
+          </p:cNvPicPr>
+          <p:nvPr/>
+        </p:nvPicPr>
+        <p:blipFill>
+          <a:blip r:embed="rId2"/>
+          <a:stretch>
+            <a:fillRect/>
+          </a:stretch>
+        </p:blipFill>
+        <p:spPr>
+          <a:xfrm>
+            <a:off x="460368" y="419855"/>
+            <a:ext cx="2719425" cy="4034160"/>
+          </a:xfrm>
+          <a:prstGeom prst="rect">
+            <a:avLst/>
+          </a:prstGeom>
+        </p:spPr>
+      </p:pic>
+      <p:pic>
+        <p:nvPicPr>
+          <p:cNvPr id="9" name="Picture 8" descr="A screenshot of a computer&#10;&#10;Description automatically generated">
+            <a:extLst>
+              <a:ext uri="{FF2B5EF4-FFF2-40B4-BE49-F238E27FC236}">
+                <a16:creationId xmlns:a16="http://schemas.microsoft.com/office/drawing/2014/main" id="{33D85623-F45F-CE26-3021-2B76324BA521}"/>
+              </a:ext>
+            </a:extLst>
+          </p:cNvPr>
+          <p:cNvPicPr>
+            <a:picLocks noChangeAspect="1"/>
+          </p:cNvPicPr>
+          <p:nvPr/>
+        </p:nvPicPr>
+        <p:blipFill>
+          <a:blip r:embed="rId3"/>
+          <a:stretch>
+            <a:fillRect/>
+          </a:stretch>
+        </p:blipFill>
+        <p:spPr>
+          <a:xfrm>
+            <a:off x="5184808" y="2030433"/>
+            <a:ext cx="6546824" cy="4615510"/>
+          </a:xfrm>
+          <a:prstGeom prst="rect">
+            <a:avLst/>
+          </a:prstGeom>
+        </p:spPr>
+      </p:pic>
+      <p:pic>
+        <p:nvPicPr>
+          <p:cNvPr id="7" name="Picture 6" descr="A screenshot of a computer&#10;&#10;Description automatically generated">
+            <a:extLst>
+              <a:ext uri="{FF2B5EF4-FFF2-40B4-BE49-F238E27FC236}">
+                <a16:creationId xmlns:a16="http://schemas.microsoft.com/office/drawing/2014/main" id="{768561B1-36CC-53D2-FC6C-DADB5D33B3B5}"/>
+              </a:ext>
+            </a:extLst>
+          </p:cNvPr>
+          <p:cNvPicPr>
+            <a:picLocks noChangeAspect="1"/>
+          </p:cNvPicPr>
+          <p:nvPr/>
+        </p:nvPicPr>
+        <p:blipFill>
+          <a:blip r:embed="rId4"/>
+          <a:stretch>
+            <a:fillRect/>
+          </a:stretch>
+        </p:blipFill>
+        <p:spPr>
+          <a:xfrm>
+            <a:off x="248612" y="4704378"/>
+            <a:ext cx="3351236" cy="1675618"/>
+          </a:xfrm>
+          <a:prstGeom prst="rect">
+            <a:avLst/>
+          </a:prstGeom>
+        </p:spPr>
+      </p:pic>
+    </p:spTree>
+    <p:extLst>
+      <p:ext uri="{BB962C8B-B14F-4D97-AF65-F5344CB8AC3E}">
+        <p14:creationId xmlns:p14="http://schemas.microsoft.com/office/powerpoint/2010/main" val="788458167"/>
+      </p:ext>
+    </p:extLst>
+  </p:cSld>
+  <p:clrMapOvr>
+    <a:masterClrMapping/>
+  </p:clrMapOvr>
+</p:sld>
+</file>
+
+<file path=ppt/slides/slide19.xml><?xml version="1.0" encoding="utf-8"?>
+<p:sld xmlns:a="http://schemas.openxmlformats.org/drawingml/2006/main" xmlns:r="http://schemas.openxmlformats.org/officeDocument/2006/relationships" xmlns:p="http://schemas.openxmlformats.org/presentationml/2006/main">
+  <p:cSld>
+    <p:spTree>
+      <p:nvGrpSpPr>
+        <p:cNvPr id="1" name=""/>
+        <p:cNvGrpSpPr/>
+        <p:nvPr/>
+      </p:nvGrpSpPr>
+      <p:grpSpPr>
+        <a:xfrm>
+          <a:off x="0" y="0"/>
+          <a:ext cx="0" cy="0"/>
+          <a:chOff x="0" y="0"/>
+          <a:chExt cx="0" cy="0"/>
+        </a:xfrm>
+      </p:grpSpPr>
+      <p:sp>
+        <p:nvSpPr>
+          <p:cNvPr id="2" name="Title 1">
+            <a:extLst>
+              <a:ext uri="{FF2B5EF4-FFF2-40B4-BE49-F238E27FC236}">
+                <a16:creationId xmlns:a16="http://schemas.microsoft.com/office/drawing/2014/main" id="{B0F109CC-FD16-B91C-1E0C-769B8C5B4D65}"/>
+              </a:ext>
+            </a:extLst>
+          </p:cNvPr>
+          <p:cNvSpPr>
+            <a:spLocks noGrp="1"/>
+          </p:cNvSpPr>
+          <p:nvPr>
+            <p:ph type="title"/>
+          </p:nvPr>
+        </p:nvSpPr>
+        <p:spPr/>
+        <p:txBody>
+          <a:bodyPr/>
+          <a:lstStyle/>
+          <a:p>
+            <a:r>
+              <a:rPr lang="en-US" dirty="0"/>
+              <a:t>Deletions</a:t>
+            </a:r>
+          </a:p>
+        </p:txBody>
+      </p:sp>
+      <p:pic>
+        <p:nvPicPr>
+          <p:cNvPr id="5" name="Picture 4">
+            <a:extLst>
+              <a:ext uri="{FF2B5EF4-FFF2-40B4-BE49-F238E27FC236}">
+                <a16:creationId xmlns:a16="http://schemas.microsoft.com/office/drawing/2014/main" id="{330CBA94-380D-F1AD-4022-3E51E938F6EA}"/>
+              </a:ext>
+            </a:extLst>
+          </p:cNvPr>
+          <p:cNvPicPr>
+            <a:picLocks noChangeAspect="1"/>
+          </p:cNvPicPr>
+          <p:nvPr/>
+        </p:nvPicPr>
+        <p:blipFill>
+          <a:blip r:embed="rId2"/>
+          <a:stretch>
+            <a:fillRect/>
+          </a:stretch>
+        </p:blipFill>
+        <p:spPr>
+          <a:xfrm>
+            <a:off x="838200" y="4464764"/>
+            <a:ext cx="6898025" cy="734701"/>
+          </a:xfrm>
+          <a:prstGeom prst="rect">
+            <a:avLst/>
+          </a:prstGeom>
+        </p:spPr>
+      </p:pic>
+      <p:pic>
+        <p:nvPicPr>
+          <p:cNvPr id="6" name="Picture 5" descr="A screenshot of a computer&#10;&#10;Description automatically generated">
+            <a:extLst>
+              <a:ext uri="{FF2B5EF4-FFF2-40B4-BE49-F238E27FC236}">
+                <a16:creationId xmlns:a16="http://schemas.microsoft.com/office/drawing/2014/main" id="{183D4250-D322-E969-E364-952DF71B96A8}"/>
+              </a:ext>
+            </a:extLst>
+          </p:cNvPr>
+          <p:cNvPicPr>
+            <a:picLocks noChangeAspect="1"/>
+          </p:cNvPicPr>
+          <p:nvPr/>
+        </p:nvPicPr>
+        <p:blipFill>
+          <a:blip r:embed="rId3"/>
+          <a:stretch>
+            <a:fillRect/>
+          </a:stretch>
+        </p:blipFill>
+        <p:spPr>
+          <a:xfrm>
+            <a:off x="4351810" y="365125"/>
+            <a:ext cx="7001990" cy="3906452"/>
+          </a:xfrm>
+          <a:prstGeom prst="rect">
+            <a:avLst/>
+          </a:prstGeom>
+        </p:spPr>
+      </p:pic>
+      <p:pic>
+        <p:nvPicPr>
+          <p:cNvPr id="9" name="Picture 8">
+            <a:extLst>
+              <a:ext uri="{FF2B5EF4-FFF2-40B4-BE49-F238E27FC236}">
+                <a16:creationId xmlns:a16="http://schemas.microsoft.com/office/drawing/2014/main" id="{29CC6E35-37C4-AD62-12AA-E0AA14484275}"/>
+              </a:ext>
+            </a:extLst>
+          </p:cNvPr>
+          <p:cNvPicPr>
+            <a:picLocks noChangeAspect="1"/>
+          </p:cNvPicPr>
+          <p:nvPr/>
+        </p:nvPicPr>
+        <p:blipFill>
+          <a:blip r:embed="rId4"/>
+          <a:stretch>
+            <a:fillRect/>
+          </a:stretch>
+        </p:blipFill>
+        <p:spPr>
+          <a:xfrm>
+            <a:off x="4632905" y="5392652"/>
+            <a:ext cx="6439799" cy="1228896"/>
+          </a:xfrm>
+          <a:prstGeom prst="rect">
+            <a:avLst/>
+          </a:prstGeom>
+        </p:spPr>
+      </p:pic>
+    </p:spTree>
+    <p:extLst>
+      <p:ext uri="{BB962C8B-B14F-4D97-AF65-F5344CB8AC3E}">
+        <p14:creationId xmlns:p14="http://schemas.microsoft.com/office/powerpoint/2010/main" val="1551043271"/>
       </p:ext>
     </p:extLst>
   </p:cSld>
@@ -6126,10 +9332,487 @@
       </p:grpSpPr>
       <p:sp useBgFill="1">
         <p:nvSpPr>
-          <p:cNvPr id="30" name="Rectangle 29">
-            <a:extLst>
-              <a:ext uri="{FF2B5EF4-FFF2-40B4-BE49-F238E27FC236}">
-                <a16:creationId xmlns:a16="http://schemas.microsoft.com/office/drawing/2014/main" id="{68AF5748-FED8-45BA-8631-26D1D10F3246}"/>
+          <p:cNvPr id="15" name="Rectangle 14">
+            <a:extLst>
+              <a:ext uri="{FF2B5EF4-FFF2-40B4-BE49-F238E27FC236}">
+                <a16:creationId xmlns:a16="http://schemas.microsoft.com/office/drawing/2014/main" id="{C4879EFC-8E62-4E00-973C-C45EE9EC676D}"/>
+              </a:ext>
+              <a:ext uri="{C183D7F6-B498-43B3-948B-1728B52AA6E4}">
+                <adec:decorative xmlns:adec="http://schemas.microsoft.com/office/drawing/2017/decorative" val="1"/>
+              </a:ext>
+            </a:extLst>
+          </p:cNvPr>
+          <p:cNvSpPr>
+            <a:spLocks noGrp="1" noRot="1" noChangeAspect="1" noMove="1" noResize="1" noEditPoints="1" noAdjustHandles="1" noChangeArrowheads="1" noChangeShapeType="1" noTextEdit="1"/>
+          </p:cNvSpPr>
+          <p:nvPr>
+            <p:extLst>
+              <p:ext uri="{386F3935-93C4-4BCD-93E2-E3B085C9AB24}">
+                <p16:designElem xmlns:p16="http://schemas.microsoft.com/office/powerpoint/2015/main" val="1"/>
+              </p:ext>
+            </p:extLst>
+          </p:nvPr>
+        </p:nvSpPr>
+        <p:spPr>
+          <a:xfrm>
+            <a:off x="0" y="0"/>
+            <a:ext cx="12188952" cy="6858000"/>
+          </a:xfrm>
+          <a:prstGeom prst="rect">
+            <a:avLst/>
+          </a:prstGeom>
+          <a:ln>
+            <a:noFill/>
+          </a:ln>
+        </p:spPr>
+        <p:style>
+          <a:lnRef idx="2">
+            <a:schemeClr val="accent1">
+              <a:shade val="50000"/>
+            </a:schemeClr>
+          </a:lnRef>
+          <a:fillRef idx="1">
+            <a:schemeClr val="accent1"/>
+          </a:fillRef>
+          <a:effectRef idx="0">
+            <a:schemeClr val="accent1"/>
+          </a:effectRef>
+          <a:fontRef idx="minor">
+            <a:schemeClr val="lt1"/>
+          </a:fontRef>
+        </p:style>
+        <p:txBody>
+          <a:bodyPr rtlCol="0" anchor="ctr"/>
+          <a:lstStyle/>
+          <a:p>
+            <a:pPr algn="ctr"/>
+            <a:endParaRPr lang="en-US"/>
+          </a:p>
+        </p:txBody>
+      </p:sp>
+      <p:sp>
+        <p:nvSpPr>
+          <p:cNvPr id="2" name="Title 1">
+            <a:extLst>
+              <a:ext uri="{FF2B5EF4-FFF2-40B4-BE49-F238E27FC236}">
+                <a16:creationId xmlns:a16="http://schemas.microsoft.com/office/drawing/2014/main" id="{F365F436-B59A-6C50-7F06-A40744741A8D}"/>
+              </a:ext>
+            </a:extLst>
+          </p:cNvPr>
+          <p:cNvSpPr>
+            <a:spLocks noGrp="1"/>
+          </p:cNvSpPr>
+          <p:nvPr>
+            <p:ph type="title"/>
+          </p:nvPr>
+        </p:nvSpPr>
+        <p:spPr>
+          <a:xfrm>
+            <a:off x="638881" y="457200"/>
+            <a:ext cx="10909640" cy="1368614"/>
+          </a:xfrm>
+        </p:spPr>
+        <p:txBody>
+          <a:bodyPr vert="horz" lIns="91440" tIns="45720" rIns="91440" bIns="45720" rtlCol="0" anchor="ctr">
+            <a:normAutofit/>
+          </a:bodyPr>
+          <a:lstStyle/>
+          <a:p>
+            <a:pPr algn="ctr"/>
+            <a:r>
+              <a:rPr lang="en-US" sz="6600" dirty="0"/>
+              <a:t>Delete Player</a:t>
+            </a:r>
+          </a:p>
+        </p:txBody>
+      </p:sp>
+      <p:sp>
+        <p:nvSpPr>
+          <p:cNvPr id="17" name="sketch line">
+            <a:extLst>
+              <a:ext uri="{FF2B5EF4-FFF2-40B4-BE49-F238E27FC236}">
+                <a16:creationId xmlns:a16="http://schemas.microsoft.com/office/drawing/2014/main" id="{D6A9C53F-5F90-40A5-8C85-5412D39C8C68}"/>
+              </a:ext>
+              <a:ext uri="{C183D7F6-B498-43B3-948B-1728B52AA6E4}">
+                <adec:decorative xmlns:adec="http://schemas.microsoft.com/office/drawing/2017/decorative" val="1"/>
+              </a:ext>
+            </a:extLst>
+          </p:cNvPr>
+          <p:cNvSpPr>
+            <a:spLocks noGrp="1" noRot="1" noChangeAspect="1" noMove="1" noResize="1" noEditPoints="1" noAdjustHandles="1" noChangeArrowheads="1" noChangeShapeType="1" noTextEdit="1"/>
+          </p:cNvSpPr>
+          <p:nvPr>
+            <p:extLst>
+              <p:ext uri="{386F3935-93C4-4BCD-93E2-E3B085C9AB24}">
+                <p16:designElem xmlns:p16="http://schemas.microsoft.com/office/powerpoint/2015/main" val="1"/>
+              </p:ext>
+            </p:extLst>
+          </p:nvPr>
+        </p:nvSpPr>
+        <p:spPr>
+          <a:xfrm>
+            <a:off x="4450080" y="1850683"/>
+            <a:ext cx="3291840" cy="18288"/>
+          </a:xfrm>
+          <a:custGeom>
+            <a:avLst/>
+            <a:gdLst>
+              <a:gd name="connsiteX0" fmla="*/ 0 w 3291840"/>
+              <a:gd name="connsiteY0" fmla="*/ 0 h 18288"/>
+              <a:gd name="connsiteX1" fmla="*/ 658368 w 3291840"/>
+              <a:gd name="connsiteY1" fmla="*/ 0 h 18288"/>
+              <a:gd name="connsiteX2" fmla="*/ 1283818 w 3291840"/>
+              <a:gd name="connsiteY2" fmla="*/ 0 h 18288"/>
+              <a:gd name="connsiteX3" fmla="*/ 1909267 w 3291840"/>
+              <a:gd name="connsiteY3" fmla="*/ 0 h 18288"/>
+              <a:gd name="connsiteX4" fmla="*/ 2633472 w 3291840"/>
+              <a:gd name="connsiteY4" fmla="*/ 0 h 18288"/>
+              <a:gd name="connsiteX5" fmla="*/ 3291840 w 3291840"/>
+              <a:gd name="connsiteY5" fmla="*/ 0 h 18288"/>
+              <a:gd name="connsiteX6" fmla="*/ 3291840 w 3291840"/>
+              <a:gd name="connsiteY6" fmla="*/ 18288 h 18288"/>
+              <a:gd name="connsiteX7" fmla="*/ 2633472 w 3291840"/>
+              <a:gd name="connsiteY7" fmla="*/ 18288 h 18288"/>
+              <a:gd name="connsiteX8" fmla="*/ 2073859 w 3291840"/>
+              <a:gd name="connsiteY8" fmla="*/ 18288 h 18288"/>
+              <a:gd name="connsiteX9" fmla="*/ 1448410 w 3291840"/>
+              <a:gd name="connsiteY9" fmla="*/ 18288 h 18288"/>
+              <a:gd name="connsiteX10" fmla="*/ 822960 w 3291840"/>
+              <a:gd name="connsiteY10" fmla="*/ 18288 h 18288"/>
+              <a:gd name="connsiteX11" fmla="*/ 0 w 3291840"/>
+              <a:gd name="connsiteY11" fmla="*/ 18288 h 18288"/>
+              <a:gd name="connsiteX12" fmla="*/ 0 w 3291840"/>
+              <a:gd name="connsiteY12" fmla="*/ 0 h 18288"/>
+            </a:gdLst>
+            <a:ahLst/>
+            <a:cxnLst>
+              <a:cxn ang="0">
+                <a:pos x="connsiteX0" y="connsiteY0"/>
+              </a:cxn>
+              <a:cxn ang="0">
+                <a:pos x="connsiteX1" y="connsiteY1"/>
+              </a:cxn>
+              <a:cxn ang="0">
+                <a:pos x="connsiteX2" y="connsiteY2"/>
+              </a:cxn>
+              <a:cxn ang="0">
+                <a:pos x="connsiteX3" y="connsiteY3"/>
+              </a:cxn>
+              <a:cxn ang="0">
+                <a:pos x="connsiteX4" y="connsiteY4"/>
+              </a:cxn>
+              <a:cxn ang="0">
+                <a:pos x="connsiteX5" y="connsiteY5"/>
+              </a:cxn>
+              <a:cxn ang="0">
+                <a:pos x="connsiteX6" y="connsiteY6"/>
+              </a:cxn>
+              <a:cxn ang="0">
+                <a:pos x="connsiteX7" y="connsiteY7"/>
+              </a:cxn>
+              <a:cxn ang="0">
+                <a:pos x="connsiteX8" y="connsiteY8"/>
+              </a:cxn>
+              <a:cxn ang="0">
+                <a:pos x="connsiteX9" y="connsiteY9"/>
+              </a:cxn>
+              <a:cxn ang="0">
+                <a:pos x="connsiteX10" y="connsiteY10"/>
+              </a:cxn>
+              <a:cxn ang="0">
+                <a:pos x="connsiteX11" y="connsiteY11"/>
+              </a:cxn>
+              <a:cxn ang="0">
+                <a:pos x="connsiteX12" y="connsiteY12"/>
+              </a:cxn>
+            </a:cxnLst>
+            <a:rect l="l" t="t" r="r" b="b"/>
+            <a:pathLst>
+              <a:path w="3291840" h="18288" fill="none" extrusionOk="0">
+                <a:moveTo>
+                  <a:pt x="0" y="0"/>
+                </a:moveTo>
+                <a:cubicBezTo>
+                  <a:pt x="173077" y="-20031"/>
+                  <a:pt x="443104" y="6424"/>
+                  <a:pt x="658368" y="0"/>
+                </a:cubicBezTo>
+                <a:cubicBezTo>
+                  <a:pt x="873632" y="-6424"/>
+                  <a:pt x="1034028" y="11764"/>
+                  <a:pt x="1283818" y="0"/>
+                </a:cubicBezTo>
+                <a:cubicBezTo>
+                  <a:pt x="1533608" y="-11764"/>
+                  <a:pt x="1691227" y="-30112"/>
+                  <a:pt x="1909267" y="0"/>
+                </a:cubicBezTo>
+                <a:cubicBezTo>
+                  <a:pt x="2127307" y="30112"/>
+                  <a:pt x="2272465" y="-18735"/>
+                  <a:pt x="2633472" y="0"/>
+                </a:cubicBezTo>
+                <a:cubicBezTo>
+                  <a:pt x="2994479" y="18735"/>
+                  <a:pt x="3023324" y="-32030"/>
+                  <a:pt x="3291840" y="0"/>
+                </a:cubicBezTo>
+                <a:cubicBezTo>
+                  <a:pt x="3291406" y="7551"/>
+                  <a:pt x="3291373" y="9822"/>
+                  <a:pt x="3291840" y="18288"/>
+                </a:cubicBezTo>
+                <a:cubicBezTo>
+                  <a:pt x="3048445" y="38989"/>
+                  <a:pt x="2846548" y="-14400"/>
+                  <a:pt x="2633472" y="18288"/>
+                </a:cubicBezTo>
+                <a:cubicBezTo>
+                  <a:pt x="2420396" y="50976"/>
+                  <a:pt x="2304099" y="6336"/>
+                  <a:pt x="2073859" y="18288"/>
+                </a:cubicBezTo>
+                <a:cubicBezTo>
+                  <a:pt x="1843619" y="30240"/>
+                  <a:pt x="1706926" y="10778"/>
+                  <a:pt x="1448410" y="18288"/>
+                </a:cubicBezTo>
+                <a:cubicBezTo>
+                  <a:pt x="1189894" y="25798"/>
+                  <a:pt x="1002278" y="8992"/>
+                  <a:pt x="822960" y="18288"/>
+                </a:cubicBezTo>
+                <a:cubicBezTo>
+                  <a:pt x="643642" y="27585"/>
+                  <a:pt x="307039" y="38051"/>
+                  <a:pt x="0" y="18288"/>
+                </a:cubicBezTo>
+                <a:cubicBezTo>
+                  <a:pt x="60" y="11696"/>
+                  <a:pt x="66" y="3758"/>
+                  <a:pt x="0" y="0"/>
+                </a:cubicBezTo>
+                <a:close/>
+              </a:path>
+              <a:path w="3291840" h="18288" stroke="0" extrusionOk="0">
+                <a:moveTo>
+                  <a:pt x="0" y="0"/>
+                </a:moveTo>
+                <a:cubicBezTo>
+                  <a:pt x="195850" y="28018"/>
+                  <a:pt x="434891" y="17390"/>
+                  <a:pt x="592531" y="0"/>
+                </a:cubicBezTo>
+                <a:cubicBezTo>
+                  <a:pt x="750171" y="-17390"/>
+                  <a:pt x="1018709" y="32200"/>
+                  <a:pt x="1316736" y="0"/>
+                </a:cubicBezTo>
+                <a:cubicBezTo>
+                  <a:pt x="1614763" y="-32200"/>
+                  <a:pt x="1696480" y="-11367"/>
+                  <a:pt x="1876349" y="0"/>
+                </a:cubicBezTo>
+                <a:cubicBezTo>
+                  <a:pt x="2056218" y="11367"/>
+                  <a:pt x="2193364" y="13433"/>
+                  <a:pt x="2435962" y="0"/>
+                </a:cubicBezTo>
+                <a:cubicBezTo>
+                  <a:pt x="2678560" y="-13433"/>
+                  <a:pt x="3010901" y="-42367"/>
+                  <a:pt x="3291840" y="0"/>
+                </a:cubicBezTo>
+                <a:cubicBezTo>
+                  <a:pt x="3291758" y="4406"/>
+                  <a:pt x="3291751" y="9982"/>
+                  <a:pt x="3291840" y="18288"/>
+                </a:cubicBezTo>
+                <a:cubicBezTo>
+                  <a:pt x="3108993" y="14228"/>
+                  <a:pt x="2952658" y="46900"/>
+                  <a:pt x="2666390" y="18288"/>
+                </a:cubicBezTo>
+                <a:cubicBezTo>
+                  <a:pt x="2380122" y="-10324"/>
+                  <a:pt x="2263855" y="41055"/>
+                  <a:pt x="2040941" y="18288"/>
+                </a:cubicBezTo>
+                <a:cubicBezTo>
+                  <a:pt x="1818027" y="-4479"/>
+                  <a:pt x="1675097" y="6509"/>
+                  <a:pt x="1415491" y="18288"/>
+                </a:cubicBezTo>
+                <a:cubicBezTo>
+                  <a:pt x="1155885" y="30068"/>
+                  <a:pt x="852976" y="36210"/>
+                  <a:pt x="691286" y="18288"/>
+                </a:cubicBezTo>
+                <a:cubicBezTo>
+                  <a:pt x="529596" y="366"/>
+                  <a:pt x="187183" y="13912"/>
+                  <a:pt x="0" y="18288"/>
+                </a:cubicBezTo>
+                <a:cubicBezTo>
+                  <a:pt x="189" y="14288"/>
+                  <a:pt x="-703" y="3747"/>
+                  <a:pt x="0" y="0"/>
+                </a:cubicBezTo>
+                <a:close/>
+              </a:path>
+            </a:pathLst>
+          </a:custGeom>
+          <a:solidFill>
+            <a:schemeClr val="accent2"/>
+          </a:solidFill>
+          <a:ln w="41275" cap="rnd">
+            <a:solidFill>
+              <a:schemeClr val="accent2"/>
+            </a:solidFill>
+            <a:round/>
+            <a:extLst>
+              <a:ext uri="{C807C97D-BFC1-408E-A445-0C87EB9F89A2}">
+                <ask:lineSketchStyleProps xmlns:ask="http://schemas.microsoft.com/office/drawing/2018/sketchyshapes" sd="2863741219">
+                  <a:prstGeom prst="rect">
+                    <a:avLst/>
+                  </a:prstGeom>
+                  <ask:type>
+                    <ask:lineSketchFreehand/>
+                  </ask:type>
+                </ask:lineSketchStyleProps>
+              </a:ext>
+            </a:extLst>
+          </a:ln>
+        </p:spPr>
+        <p:style>
+          <a:lnRef idx="2">
+            <a:schemeClr val="accent1">
+              <a:shade val="50000"/>
+            </a:schemeClr>
+          </a:lnRef>
+          <a:fillRef idx="1">
+            <a:schemeClr val="accent1"/>
+          </a:fillRef>
+          <a:effectRef idx="0">
+            <a:schemeClr val="accent1"/>
+          </a:effectRef>
+          <a:fontRef idx="minor">
+            <a:schemeClr val="lt1"/>
+          </a:fontRef>
+        </p:style>
+        <p:txBody>
+          <a:bodyPr rtlCol="0" anchor="ctr"/>
+          <a:lstStyle/>
+          <a:p>
+            <a:pPr algn="ctr"/>
+            <a:endParaRPr lang="en-US"/>
+          </a:p>
+        </p:txBody>
+      </p:sp>
+      <p:pic>
+        <p:nvPicPr>
+          <p:cNvPr id="6" name="Picture 5" descr="A screenshot of a computer&#10;&#10;Description automatically generated">
+            <a:extLst>
+              <a:ext uri="{FF2B5EF4-FFF2-40B4-BE49-F238E27FC236}">
+                <a16:creationId xmlns:a16="http://schemas.microsoft.com/office/drawing/2014/main" id="{11E849EB-1D48-D508-169B-F611A7428F2E}"/>
+              </a:ext>
+            </a:extLst>
+          </p:cNvPr>
+          <p:cNvPicPr>
+            <a:picLocks noChangeAspect="1"/>
+          </p:cNvPicPr>
+          <p:nvPr/>
+        </p:nvPicPr>
+        <p:blipFill>
+          <a:blip r:embed="rId2"/>
+          <a:stretch>
+            <a:fillRect/>
+          </a:stretch>
+        </p:blipFill>
+        <p:spPr>
+          <a:xfrm>
+            <a:off x="638881" y="2283014"/>
+            <a:ext cx="3095230" cy="3605784"/>
+          </a:xfrm>
+          <a:prstGeom prst="rect">
+            <a:avLst/>
+          </a:prstGeom>
+        </p:spPr>
+      </p:pic>
+      <p:pic>
+        <p:nvPicPr>
+          <p:cNvPr id="10" name="Picture 9" descr="A screenshot of a computer&#10;&#10;Description automatically generated">
+            <a:extLst>
+              <a:ext uri="{FF2B5EF4-FFF2-40B4-BE49-F238E27FC236}">
+                <a16:creationId xmlns:a16="http://schemas.microsoft.com/office/drawing/2014/main" id="{33576B1E-A51B-114C-728A-218B865131A9}"/>
+              </a:ext>
+            </a:extLst>
+          </p:cNvPr>
+          <p:cNvPicPr>
+            <a:picLocks noChangeAspect="1"/>
+          </p:cNvPicPr>
+          <p:nvPr/>
+        </p:nvPicPr>
+        <p:blipFill>
+          <a:blip r:embed="rId3"/>
+          <a:stretch>
+            <a:fillRect/>
+          </a:stretch>
+        </p:blipFill>
+        <p:spPr>
+          <a:xfrm>
+            <a:off x="3916887" y="2127085"/>
+            <a:ext cx="7631634" cy="4273715"/>
+          </a:xfrm>
+          <a:prstGeom prst="rect">
+            <a:avLst/>
+          </a:prstGeom>
+        </p:spPr>
+      </p:pic>
+    </p:spTree>
+    <p:extLst>
+      <p:ext uri="{BB962C8B-B14F-4D97-AF65-F5344CB8AC3E}">
+        <p14:creationId xmlns:p14="http://schemas.microsoft.com/office/powerpoint/2010/main" val="1803299436"/>
+      </p:ext>
+    </p:extLst>
+  </p:cSld>
+  <p:clrMapOvr>
+    <a:masterClrMapping/>
+  </p:clrMapOvr>
+</p:sld>
+</file>
+
+<file path=ppt/slides/slide21.xml><?xml version="1.0" encoding="utf-8"?>
+<p:sld xmlns:a="http://schemas.openxmlformats.org/drawingml/2006/main" xmlns:r="http://schemas.openxmlformats.org/officeDocument/2006/relationships" xmlns:p="http://schemas.openxmlformats.org/presentationml/2006/main">
+  <p:cSld>
+    <p:bg>
+      <p:bgPr>
+        <a:solidFill>
+          <a:schemeClr val="bg1"/>
+        </a:solidFill>
+        <a:effectLst/>
+      </p:bgPr>
+    </p:bg>
+    <p:spTree>
+      <p:nvGrpSpPr>
+        <p:cNvPr id="1" name=""/>
+        <p:cNvGrpSpPr/>
+        <p:nvPr/>
+      </p:nvGrpSpPr>
+      <p:grpSpPr>
+        <a:xfrm>
+          <a:off x="0" y="0"/>
+          <a:ext cx="0" cy="0"/>
+          <a:chOff x="0" y="0"/>
+          <a:chExt cx="0" cy="0"/>
+        </a:xfrm>
+      </p:grpSpPr>
+      <p:sp useBgFill="1">
+        <p:nvSpPr>
+          <p:cNvPr id="12" name="Rectangle 11">
+            <a:extLst>
+              <a:ext uri="{FF2B5EF4-FFF2-40B4-BE49-F238E27FC236}">
+                <a16:creationId xmlns:a16="http://schemas.microsoft.com/office/drawing/2014/main" id="{88263A24-0C1F-4677-B43C-4AE14E276B27}"/>
               </a:ext>
               <a:ext uri="{C183D7F6-B498-43B3-948B-1728B52AA6E4}">
                 <adec:decorative xmlns:adec="http://schemas.microsoft.com/office/drawing/2017/decorative" val="1"/>
@@ -6184,12 +9867,111 @@
           </a:p>
         </p:txBody>
       </p:sp>
+      <p:sp useBgFill="1">
+        <p:nvSpPr>
+          <p:cNvPr id="14" name="Rectangle 13">
+            <a:extLst>
+              <a:ext uri="{FF2B5EF4-FFF2-40B4-BE49-F238E27FC236}">
+                <a16:creationId xmlns:a16="http://schemas.microsoft.com/office/drawing/2014/main" id="{0ADDB668-2CA4-4D2B-9C34-3487CA330BA8}"/>
+              </a:ext>
+              <a:ext uri="{C183D7F6-B498-43B3-948B-1728B52AA6E4}">
+                <adec:decorative xmlns:adec="http://schemas.microsoft.com/office/drawing/2017/decorative" val="1"/>
+              </a:ext>
+            </a:extLst>
+          </p:cNvPr>
+          <p:cNvSpPr>
+            <a:spLocks noGrp="1" noRot="1" noChangeAspect="1" noMove="1" noResize="1" noEditPoints="1" noAdjustHandles="1" noChangeArrowheads="1" noChangeShapeType="1" noTextEdit="1"/>
+          </p:cNvSpPr>
+          <p:nvPr>
+            <p:extLst>
+              <p:ext uri="{386F3935-93C4-4BCD-93E2-E3B085C9AB24}">
+                <p16:designElem xmlns:p16="http://schemas.microsoft.com/office/powerpoint/2015/main" val="1"/>
+              </p:ext>
+            </p:extLst>
+          </p:nvPr>
+        </p:nvSpPr>
+        <p:spPr>
+          <a:xfrm>
+            <a:off x="551553" y="304802"/>
+            <a:ext cx="11097349" cy="1573149"/>
+          </a:xfrm>
+          <a:prstGeom prst="rect">
+            <a:avLst/>
+          </a:prstGeom>
+          <a:ln w="12700">
+            <a:solidFill>
+              <a:srgbClr val="DEDEDE"/>
+            </a:solidFill>
+          </a:ln>
+          <a:effectLst>
+            <a:outerShdw blurRad="50800" dist="38100" dir="2700000" algn="tl" rotWithShape="0">
+              <a:schemeClr val="bg2">
+                <a:lumMod val="85000"/>
+                <a:alpha val="50000"/>
+              </a:schemeClr>
+            </a:outerShdw>
+          </a:effectLst>
+        </p:spPr>
+        <p:style>
+          <a:lnRef idx="2">
+            <a:schemeClr val="accent1">
+              <a:shade val="50000"/>
+            </a:schemeClr>
+          </a:lnRef>
+          <a:fillRef idx="1">
+            <a:schemeClr val="accent1"/>
+          </a:fillRef>
+          <a:effectRef idx="0">
+            <a:schemeClr val="accent1"/>
+          </a:effectRef>
+          <a:fontRef idx="minor">
+            <a:schemeClr val="lt1"/>
+          </a:fontRef>
+        </p:style>
+        <p:txBody>
+          <a:bodyPr rtlCol="0" anchor="ctr"/>
+          <a:lstStyle/>
+          <a:p>
+            <a:pPr marL="0" marR="0" lvl="0" indent="0" algn="ctr" defTabSz="914400" rtl="0" eaLnBrk="1" fontAlgn="auto" latinLnBrk="0" hangingPunct="1">
+              <a:lnSpc>
+                <a:spcPct val="100000"/>
+              </a:lnSpc>
+              <a:spcBef>
+                <a:spcPts val="0"/>
+              </a:spcBef>
+              <a:spcAft>
+                <a:spcPts val="0"/>
+              </a:spcAft>
+              <a:buClrTx/>
+              <a:buSzTx/>
+              <a:buFontTx/>
+              <a:buNone/>
+              <a:tabLst/>
+              <a:defRPr/>
+            </a:pPr>
+            <a:endParaRPr kumimoji="0" lang="en-US" sz="1800" b="0" i="0" u="none" strike="noStrike" kern="1200" cap="none" spc="0" normalizeH="0" baseline="0" noProof="0">
+              <a:ln>
+                <a:noFill/>
+              </a:ln>
+              <a:solidFill>
+                <a:prstClr val="white"/>
+              </a:solidFill>
+              <a:effectLst/>
+              <a:uLnTx/>
+              <a:uFillTx/>
+              <a:latin typeface="Calibri" panose="020F0502020204030204"/>
+              <a:ea typeface="+mn-ea"/>
+              <a:cs typeface="+mn-cs"/>
+            </a:endParaRPr>
+          </a:p>
+        </p:txBody>
+      </p:sp>
       <p:sp>
         <p:nvSpPr>
           <p:cNvPr id="2" name="Title 1">
             <a:extLst>
               <a:ext uri="{FF2B5EF4-FFF2-40B4-BE49-F238E27FC236}">
-                <a16:creationId xmlns:a16="http://schemas.microsoft.com/office/drawing/2014/main" id="{A1B99FD3-6A8F-B2D4-5D04-5A20992ED4F3}"/>
+                <a16:creationId xmlns:a16="http://schemas.microsoft.com/office/drawing/2014/main" id="{B47B6220-55C2-E036-D187-44C14E8BC79E}"/>
               </a:ext>
             </a:extLst>
           </p:cNvPr>
@@ -6202,8 +9984,534 @@
         </p:nvSpPr>
         <p:spPr>
           <a:xfrm>
-            <a:off x="477981" y="1122363"/>
-            <a:ext cx="4023360" cy="3204134"/>
+            <a:off x="868680" y="405575"/>
+            <a:ext cx="5001768" cy="1371600"/>
+          </a:xfrm>
+        </p:spPr>
+        <p:txBody>
+          <a:bodyPr vert="horz" lIns="91440" tIns="45720" rIns="91440" bIns="45720" rtlCol="0" anchor="ctr">
+            <a:normAutofit/>
+          </a:bodyPr>
+          <a:lstStyle/>
+          <a:p>
+            <a:r>
+              <a:rPr lang="en-US" sz="3600" dirty="0"/>
+              <a:t>Delete Team</a:t>
+            </a:r>
+          </a:p>
+        </p:txBody>
+      </p:sp>
+      <p:sp>
+        <p:nvSpPr>
+          <p:cNvPr id="16" name="Rectangle 15">
+            <a:extLst>
+              <a:ext uri="{FF2B5EF4-FFF2-40B4-BE49-F238E27FC236}">
+                <a16:creationId xmlns:a16="http://schemas.microsoft.com/office/drawing/2014/main" id="{2568BC19-F052-4108-93E1-6A3D1DEC072F}"/>
+              </a:ext>
+              <a:ext uri="{C183D7F6-B498-43B3-948B-1728B52AA6E4}">
+                <adec:decorative xmlns:adec="http://schemas.microsoft.com/office/drawing/2017/decorative" val="1"/>
+              </a:ext>
+            </a:extLst>
+          </p:cNvPr>
+          <p:cNvSpPr>
+            <a:spLocks noGrp="1" noRot="1" noChangeAspect="1" noMove="1" noResize="1" noEditPoints="1" noAdjustHandles="1" noChangeArrowheads="1" noChangeShapeType="1" noTextEdit="1"/>
+          </p:cNvSpPr>
+          <p:nvPr>
+            <p:extLst>
+              <p:ext uri="{386F3935-93C4-4BCD-93E2-E3B085C9AB24}">
+                <p16:designElem xmlns:p16="http://schemas.microsoft.com/office/powerpoint/2015/main" val="1"/>
+              </p:ext>
+            </p:extLst>
+          </p:nvPr>
+        </p:nvSpPr>
+        <p:spPr>
+          <a:xfrm>
+            <a:off x="494784" y="764424"/>
+            <a:ext cx="128016" cy="653903"/>
+          </a:xfrm>
+          <a:prstGeom prst="rect">
+            <a:avLst/>
+          </a:prstGeom>
+          <a:solidFill>
+            <a:schemeClr val="accent2"/>
+          </a:solidFill>
+          <a:ln>
+            <a:noFill/>
+          </a:ln>
+        </p:spPr>
+        <p:style>
+          <a:lnRef idx="2">
+            <a:schemeClr val="accent1">
+              <a:shade val="50000"/>
+            </a:schemeClr>
+          </a:lnRef>
+          <a:fillRef idx="1">
+            <a:schemeClr val="accent1"/>
+          </a:fillRef>
+          <a:effectRef idx="0">
+            <a:schemeClr val="accent1"/>
+          </a:effectRef>
+          <a:fontRef idx="minor">
+            <a:schemeClr val="lt1"/>
+          </a:fontRef>
+        </p:style>
+        <p:txBody>
+          <a:bodyPr rtlCol="0" anchor="ctr"/>
+          <a:lstStyle/>
+          <a:p>
+            <a:pPr marL="0" marR="0" lvl="0" indent="0" algn="ctr" defTabSz="914400" rtl="0" eaLnBrk="1" fontAlgn="auto" latinLnBrk="0" hangingPunct="1">
+              <a:lnSpc>
+                <a:spcPct val="100000"/>
+              </a:lnSpc>
+              <a:spcBef>
+                <a:spcPts val="0"/>
+              </a:spcBef>
+              <a:spcAft>
+                <a:spcPts val="0"/>
+              </a:spcAft>
+              <a:buClrTx/>
+              <a:buSzTx/>
+              <a:buFontTx/>
+              <a:buNone/>
+              <a:tabLst/>
+              <a:defRPr/>
+            </a:pPr>
+            <a:endParaRPr kumimoji="0" lang="en-US" sz="1800" b="0" i="0" u="none" strike="noStrike" kern="1200" cap="none" spc="0" normalizeH="0" baseline="0" noProof="0">
+              <a:ln>
+                <a:noFill/>
+              </a:ln>
+              <a:solidFill>
+                <a:prstClr val="white"/>
+              </a:solidFill>
+              <a:effectLst/>
+              <a:uLnTx/>
+              <a:uFillTx/>
+              <a:latin typeface="Calibri" panose="020F0502020204030204"/>
+              <a:ea typeface="+mn-ea"/>
+              <a:cs typeface="+mn-cs"/>
+            </a:endParaRPr>
+          </a:p>
+        </p:txBody>
+      </p:sp>
+      <p:sp>
+        <p:nvSpPr>
+          <p:cNvPr id="18" name="Rectangle 17">
+            <a:extLst>
+              <a:ext uri="{FF2B5EF4-FFF2-40B4-BE49-F238E27FC236}">
+                <a16:creationId xmlns:a16="http://schemas.microsoft.com/office/drawing/2014/main" id="{D5FD337D-4D6B-4C8B-B6F5-121097E09881}"/>
+              </a:ext>
+              <a:ext uri="{C183D7F6-B498-43B3-948B-1728B52AA6E4}">
+                <adec:decorative xmlns:adec="http://schemas.microsoft.com/office/drawing/2017/decorative" val="1"/>
+              </a:ext>
+            </a:extLst>
+          </p:cNvPr>
+          <p:cNvSpPr>
+            <a:spLocks noGrp="1" noRot="1" noChangeAspect="1" noMove="1" noResize="1" noEditPoints="1" noAdjustHandles="1" noChangeArrowheads="1" noChangeShapeType="1" noTextEdit="1"/>
+          </p:cNvSpPr>
+          <p:nvPr>
+            <p:extLst>
+              <p:ext uri="{386F3935-93C4-4BCD-93E2-E3B085C9AB24}">
+                <p16:designElem xmlns:p16="http://schemas.microsoft.com/office/powerpoint/2015/main" val="1"/>
+              </p:ext>
+            </p:extLst>
+          </p:nvPr>
+        </p:nvSpPr>
+        <p:spPr>
+          <a:xfrm rot="5400000">
+            <a:off x="5586984" y="1071836"/>
+            <a:ext cx="1021458" cy="9144"/>
+          </a:xfrm>
+          <a:prstGeom prst="rect">
+            <a:avLst/>
+          </a:prstGeom>
+          <a:solidFill>
+            <a:srgbClr val="D5D5D5"/>
+          </a:solidFill>
+          <a:ln w="3175">
+            <a:noFill/>
+          </a:ln>
+          <a:effectLst/>
+        </p:spPr>
+        <p:style>
+          <a:lnRef idx="2">
+            <a:schemeClr val="accent1">
+              <a:shade val="50000"/>
+            </a:schemeClr>
+          </a:lnRef>
+          <a:fillRef idx="1">
+            <a:schemeClr val="accent1"/>
+          </a:fillRef>
+          <a:effectRef idx="0">
+            <a:schemeClr val="accent1"/>
+          </a:effectRef>
+          <a:fontRef idx="minor">
+            <a:schemeClr val="lt1"/>
+          </a:fontRef>
+        </p:style>
+        <p:txBody>
+          <a:bodyPr rtlCol="0" anchor="ctr"/>
+          <a:lstStyle/>
+          <a:p>
+            <a:pPr marL="0" marR="0" lvl="0" indent="0" algn="ctr" defTabSz="914400" rtl="0" eaLnBrk="1" fontAlgn="auto" latinLnBrk="0" hangingPunct="1">
+              <a:lnSpc>
+                <a:spcPct val="100000"/>
+              </a:lnSpc>
+              <a:spcBef>
+                <a:spcPts val="0"/>
+              </a:spcBef>
+              <a:spcAft>
+                <a:spcPts val="0"/>
+              </a:spcAft>
+              <a:buClrTx/>
+              <a:buSzTx/>
+              <a:buFontTx/>
+              <a:buNone/>
+              <a:tabLst/>
+              <a:defRPr/>
+            </a:pPr>
+            <a:endParaRPr kumimoji="0" lang="en-US" sz="1800" b="0" i="0" u="none" strike="noStrike" kern="1200" cap="none" spc="0" normalizeH="0" baseline="0" noProof="0">
+              <a:ln>
+                <a:noFill/>
+              </a:ln>
+              <a:solidFill>
+                <a:prstClr val="white"/>
+              </a:solidFill>
+              <a:effectLst/>
+              <a:uLnTx/>
+              <a:uFillTx/>
+              <a:latin typeface="Calibri" panose="020F0502020204030204"/>
+              <a:ea typeface="+mn-ea"/>
+              <a:cs typeface="+mn-cs"/>
+            </a:endParaRPr>
+          </a:p>
+        </p:txBody>
+      </p:sp>
+      <p:pic>
+        <p:nvPicPr>
+          <p:cNvPr id="5" name="Picture 4" descr="A screenshot of a computer&#10;&#10;Description automatically generated">
+            <a:extLst>
+              <a:ext uri="{FF2B5EF4-FFF2-40B4-BE49-F238E27FC236}">
+                <a16:creationId xmlns:a16="http://schemas.microsoft.com/office/drawing/2014/main" id="{D8921536-9AC1-F79D-5F0E-BDAC80D21C46}"/>
+              </a:ext>
+            </a:extLst>
+          </p:cNvPr>
+          <p:cNvPicPr>
+            <a:picLocks noChangeAspect="1"/>
+          </p:cNvPicPr>
+          <p:nvPr/>
+        </p:nvPicPr>
+        <p:blipFill>
+          <a:blip r:embed="rId2"/>
+          <a:stretch>
+            <a:fillRect/>
+          </a:stretch>
+        </p:blipFill>
+        <p:spPr>
+          <a:xfrm>
+            <a:off x="622800" y="2086080"/>
+            <a:ext cx="3532242" cy="4206240"/>
+          </a:xfrm>
+          <a:prstGeom prst="rect">
+            <a:avLst/>
+          </a:prstGeom>
+        </p:spPr>
+      </p:pic>
+      <p:pic>
+        <p:nvPicPr>
+          <p:cNvPr id="7" name="Picture 6" descr="A screenshot of a computer&#10;&#10;Description automatically generated">
+            <a:extLst>
+              <a:ext uri="{FF2B5EF4-FFF2-40B4-BE49-F238E27FC236}">
+                <a16:creationId xmlns:a16="http://schemas.microsoft.com/office/drawing/2014/main" id="{B03D941B-59F4-E799-94A3-088AA4811843}"/>
+              </a:ext>
+            </a:extLst>
+          </p:cNvPr>
+          <p:cNvPicPr>
+            <a:picLocks noChangeAspect="1"/>
+          </p:cNvPicPr>
+          <p:nvPr/>
+        </p:nvPicPr>
+        <p:blipFill>
+          <a:blip r:embed="rId3"/>
+          <a:stretch>
+            <a:fillRect/>
+          </a:stretch>
+        </p:blipFill>
+        <p:spPr>
+          <a:xfrm>
+            <a:off x="5100457" y="2011842"/>
+            <a:ext cx="6548445" cy="4354716"/>
+          </a:xfrm>
+          <a:prstGeom prst="rect">
+            <a:avLst/>
+          </a:prstGeom>
+        </p:spPr>
+      </p:pic>
+    </p:spTree>
+    <p:extLst>
+      <p:ext uri="{BB962C8B-B14F-4D97-AF65-F5344CB8AC3E}">
+        <p14:creationId xmlns:p14="http://schemas.microsoft.com/office/powerpoint/2010/main" val="2127978111"/>
+      </p:ext>
+    </p:extLst>
+  </p:cSld>
+  <p:clrMapOvr>
+    <a:masterClrMapping/>
+  </p:clrMapOvr>
+</p:sld>
+</file>
+
+<file path=ppt/slides/slide22.xml><?xml version="1.0" encoding="utf-8"?>
+<p:sld xmlns:a="http://schemas.openxmlformats.org/drawingml/2006/main" xmlns:r="http://schemas.openxmlformats.org/officeDocument/2006/relationships" xmlns:p="http://schemas.openxmlformats.org/presentationml/2006/main">
+  <p:cSld>
+    <p:spTree>
+      <p:nvGrpSpPr>
+        <p:cNvPr id="1" name=""/>
+        <p:cNvGrpSpPr/>
+        <p:nvPr/>
+      </p:nvGrpSpPr>
+      <p:grpSpPr>
+        <a:xfrm>
+          <a:off x="0" y="0"/>
+          <a:ext cx="0" cy="0"/>
+          <a:chOff x="0" y="0"/>
+          <a:chExt cx="0" cy="0"/>
+        </a:xfrm>
+      </p:grpSpPr>
+      <p:sp>
+        <p:nvSpPr>
+          <p:cNvPr id="2" name="Title 1">
+            <a:extLst>
+              <a:ext uri="{FF2B5EF4-FFF2-40B4-BE49-F238E27FC236}">
+                <a16:creationId xmlns:a16="http://schemas.microsoft.com/office/drawing/2014/main" id="{455EB3C1-28CF-6404-51AA-D8889E258E5B}"/>
+              </a:ext>
+            </a:extLst>
+          </p:cNvPr>
+          <p:cNvSpPr>
+            <a:spLocks noGrp="1"/>
+          </p:cNvSpPr>
+          <p:nvPr>
+            <p:ph type="title"/>
+          </p:nvPr>
+        </p:nvSpPr>
+        <p:spPr/>
+        <p:txBody>
+          <a:bodyPr/>
+          <a:lstStyle/>
+          <a:p>
+            <a:r>
+              <a:rPr lang="en-US" dirty="0"/>
+              <a:t>Updates</a:t>
+            </a:r>
+          </a:p>
+        </p:txBody>
+      </p:sp>
+      <p:pic>
+        <p:nvPicPr>
+          <p:cNvPr id="5" name="Picture 4">
+            <a:extLst>
+              <a:ext uri="{FF2B5EF4-FFF2-40B4-BE49-F238E27FC236}">
+                <a16:creationId xmlns:a16="http://schemas.microsoft.com/office/drawing/2014/main" id="{196458F5-9F40-39F9-28E2-EE99859F9B7A}"/>
+              </a:ext>
+            </a:extLst>
+          </p:cNvPr>
+          <p:cNvPicPr>
+            <a:picLocks noChangeAspect="1"/>
+          </p:cNvPicPr>
+          <p:nvPr/>
+        </p:nvPicPr>
+        <p:blipFill>
+          <a:blip r:embed="rId2"/>
+          <a:stretch>
+            <a:fillRect/>
+          </a:stretch>
+        </p:blipFill>
+        <p:spPr>
+          <a:xfrm>
+            <a:off x="139700" y="1690688"/>
+            <a:ext cx="5842000" cy="597230"/>
+          </a:xfrm>
+          <a:prstGeom prst="rect">
+            <a:avLst/>
+          </a:prstGeom>
+        </p:spPr>
+      </p:pic>
+      <p:pic>
+        <p:nvPicPr>
+          <p:cNvPr id="6" name="Picture 5" descr="A screenshot of a computer&#10;&#10;Description automatically generated">
+            <a:extLst>
+              <a:ext uri="{FF2B5EF4-FFF2-40B4-BE49-F238E27FC236}">
+                <a16:creationId xmlns:a16="http://schemas.microsoft.com/office/drawing/2014/main" id="{C60FEE8D-D99D-DAA1-2FBB-5A00AFB6F5A6}"/>
+              </a:ext>
+            </a:extLst>
+          </p:cNvPr>
+          <p:cNvPicPr>
+            <a:picLocks noChangeAspect="1"/>
+          </p:cNvPicPr>
+          <p:nvPr/>
+        </p:nvPicPr>
+        <p:blipFill>
+          <a:blip r:embed="rId3"/>
+          <a:stretch>
+            <a:fillRect/>
+          </a:stretch>
+        </p:blipFill>
+        <p:spPr>
+          <a:xfrm>
+            <a:off x="6096000" y="365125"/>
+            <a:ext cx="5842000" cy="4521309"/>
+          </a:xfrm>
+          <a:prstGeom prst="rect">
+            <a:avLst/>
+          </a:prstGeom>
+        </p:spPr>
+      </p:pic>
+      <p:pic>
+        <p:nvPicPr>
+          <p:cNvPr id="8" name="Picture 7">
+            <a:extLst>
+              <a:ext uri="{FF2B5EF4-FFF2-40B4-BE49-F238E27FC236}">
+                <a16:creationId xmlns:a16="http://schemas.microsoft.com/office/drawing/2014/main" id="{B32DE423-4AE6-67C3-67EA-8ECE6BEA1F94}"/>
+              </a:ext>
+            </a:extLst>
+          </p:cNvPr>
+          <p:cNvPicPr>
+            <a:picLocks noChangeAspect="1"/>
+          </p:cNvPicPr>
+          <p:nvPr/>
+        </p:nvPicPr>
+        <p:blipFill>
+          <a:blip r:embed="rId4"/>
+          <a:stretch>
+            <a:fillRect/>
+          </a:stretch>
+        </p:blipFill>
+        <p:spPr>
+          <a:xfrm>
+            <a:off x="312354" y="2474290"/>
+            <a:ext cx="5496692" cy="4191585"/>
+          </a:xfrm>
+          <a:prstGeom prst="rect">
+            <a:avLst/>
+          </a:prstGeom>
+        </p:spPr>
+      </p:pic>
+    </p:spTree>
+    <p:extLst>
+      <p:ext uri="{BB962C8B-B14F-4D97-AF65-F5344CB8AC3E}">
+        <p14:creationId xmlns:p14="http://schemas.microsoft.com/office/powerpoint/2010/main" val="1264183051"/>
+      </p:ext>
+    </p:extLst>
+  </p:cSld>
+  <p:clrMapOvr>
+    <a:masterClrMapping/>
+  </p:clrMapOvr>
+</p:sld>
+</file>
+
+<file path=ppt/slides/slide23.xml><?xml version="1.0" encoding="utf-8"?>
+<p:sld xmlns:a="http://schemas.openxmlformats.org/drawingml/2006/main" xmlns:r="http://schemas.openxmlformats.org/officeDocument/2006/relationships" xmlns:p="http://schemas.openxmlformats.org/presentationml/2006/main">
+  <p:cSld>
+    <p:bg>
+      <p:bgPr>
+        <a:solidFill>
+          <a:schemeClr val="bg1"/>
+        </a:solidFill>
+        <a:effectLst/>
+      </p:bgPr>
+    </p:bg>
+    <p:spTree>
+      <p:nvGrpSpPr>
+        <p:cNvPr id="1" name=""/>
+        <p:cNvGrpSpPr/>
+        <p:nvPr/>
+      </p:nvGrpSpPr>
+      <p:grpSpPr>
+        <a:xfrm>
+          <a:off x="0" y="0"/>
+          <a:ext cx="0" cy="0"/>
+          <a:chOff x="0" y="0"/>
+          <a:chExt cx="0" cy="0"/>
+        </a:xfrm>
+      </p:grpSpPr>
+      <p:sp useBgFill="1">
+        <p:nvSpPr>
+          <p:cNvPr id="19" name="Rectangle 18">
+            <a:extLst>
+              <a:ext uri="{FF2B5EF4-FFF2-40B4-BE49-F238E27FC236}">
+                <a16:creationId xmlns:a16="http://schemas.microsoft.com/office/drawing/2014/main" id="{18F923FF-DD0C-4FD3-A1B4-68DFA511C82D}"/>
+              </a:ext>
+              <a:ext uri="{C183D7F6-B498-43B3-948B-1728B52AA6E4}">
+                <adec:decorative xmlns:adec="http://schemas.microsoft.com/office/drawing/2017/decorative" val="1"/>
+              </a:ext>
+            </a:extLst>
+          </p:cNvPr>
+          <p:cNvSpPr>
+            <a:spLocks noGrp="1" noRot="1" noChangeAspect="1" noMove="1" noResize="1" noEditPoints="1" noAdjustHandles="1" noChangeArrowheads="1" noChangeShapeType="1" noTextEdit="1"/>
+          </p:cNvSpPr>
+          <p:nvPr>
+            <p:extLst>
+              <p:ext uri="{386F3935-93C4-4BCD-93E2-E3B085C9AB24}">
+                <p16:designElem xmlns:p16="http://schemas.microsoft.com/office/powerpoint/2015/main" val="1"/>
+              </p:ext>
+            </p:extLst>
+          </p:nvPr>
+        </p:nvSpPr>
+        <p:spPr>
+          <a:xfrm>
+            <a:off x="0" y="0"/>
+            <a:ext cx="12192000" cy="6858000"/>
+          </a:xfrm>
+          <a:prstGeom prst="rect">
+            <a:avLst/>
+          </a:prstGeom>
+          <a:ln>
+            <a:noFill/>
+          </a:ln>
+        </p:spPr>
+        <p:style>
+          <a:lnRef idx="2">
+            <a:schemeClr val="accent1">
+              <a:shade val="50000"/>
+            </a:schemeClr>
+          </a:lnRef>
+          <a:fillRef idx="1">
+            <a:schemeClr val="accent1"/>
+          </a:fillRef>
+          <a:effectRef idx="0">
+            <a:schemeClr val="accent1"/>
+          </a:effectRef>
+          <a:fontRef idx="minor">
+            <a:schemeClr val="lt1"/>
+          </a:fontRef>
+        </p:style>
+        <p:txBody>
+          <a:bodyPr rtlCol="0" anchor="ctr"/>
+          <a:lstStyle/>
+          <a:p>
+            <a:pPr algn="ctr"/>
+            <a:endParaRPr lang="en-US"/>
+          </a:p>
+        </p:txBody>
+      </p:sp>
+      <p:sp>
+        <p:nvSpPr>
+          <p:cNvPr id="2" name="Title 1">
+            <a:extLst>
+              <a:ext uri="{FF2B5EF4-FFF2-40B4-BE49-F238E27FC236}">
+                <a16:creationId xmlns:a16="http://schemas.microsoft.com/office/drawing/2014/main" id="{976B5143-966B-D8FA-DEB7-551CFAC1B4A2}"/>
+              </a:ext>
+            </a:extLst>
+          </p:cNvPr>
+          <p:cNvSpPr>
+            <a:spLocks noGrp="1"/>
+          </p:cNvSpPr>
+          <p:nvPr>
+            <p:ph type="title"/>
+          </p:nvPr>
+        </p:nvSpPr>
+        <p:spPr>
+          <a:xfrm>
+            <a:off x="359172" y="1144769"/>
+            <a:ext cx="3724217" cy="2896432"/>
           </a:xfrm>
         </p:spPr>
         <p:txBody>
@@ -6213,25 +10521,791 @@
           <a:lstStyle/>
           <a:p>
             <a:r>
-              <a:rPr lang="en-US" sz="4800" kern="1200">
-                <a:solidFill>
-                  <a:schemeClr val="tx1"/>
-                </a:solidFill>
-                <a:latin typeface="+mj-lt"/>
-                <a:ea typeface="+mj-ea"/>
-                <a:cs typeface="+mj-cs"/>
-              </a:rPr>
-              <a:t>Views</a:t>
+              <a:rPr lang="en-US" sz="4000"/>
+              <a:t>Updates - UI</a:t>
             </a:r>
           </a:p>
         </p:txBody>
       </p:sp>
       <p:sp>
         <p:nvSpPr>
-          <p:cNvPr id="31" name="Rectangle 30">
-            <a:extLst>
-              <a:ext uri="{FF2B5EF4-FFF2-40B4-BE49-F238E27FC236}">
-                <a16:creationId xmlns:a16="http://schemas.microsoft.com/office/drawing/2014/main" id="{AF2F604E-43BE-4DC3-B983-E071523364F8}"/>
+          <p:cNvPr id="21" name="Rectangle 20">
+            <a:extLst>
+              <a:ext uri="{FF2B5EF4-FFF2-40B4-BE49-F238E27FC236}">
+                <a16:creationId xmlns:a16="http://schemas.microsoft.com/office/drawing/2014/main" id="{114A821F-8663-46BA-8CC0-D4C44F639F3A}"/>
+              </a:ext>
+              <a:ext uri="{C183D7F6-B498-43B3-948B-1728B52AA6E4}">
+                <adec:decorative xmlns:adec="http://schemas.microsoft.com/office/drawing/2017/decorative" val="1"/>
+              </a:ext>
+            </a:extLst>
+          </p:cNvPr>
+          <p:cNvSpPr>
+            <a:spLocks noGrp="1" noRot="1" noChangeAspect="1" noMove="1" noResize="1" noEditPoints="1" noAdjustHandles="1" noChangeArrowheads="1" noChangeShapeType="1" noTextEdit="1"/>
+          </p:cNvSpPr>
+          <p:nvPr>
+            <p:extLst>
+              <p:ext uri="{386F3935-93C4-4BCD-93E2-E3B085C9AB24}">
+                <p16:designElem xmlns:p16="http://schemas.microsoft.com/office/powerpoint/2015/main" val="1"/>
+              </p:ext>
+            </p:extLst>
+          </p:nvPr>
+        </p:nvSpPr>
+        <p:spPr>
+          <a:xfrm rot="5400000">
+            <a:off x="688249" y="346791"/>
+            <a:ext cx="146304" cy="704088"/>
+          </a:xfrm>
+          <a:prstGeom prst="rect">
+            <a:avLst/>
+          </a:prstGeom>
+          <a:solidFill>
+            <a:schemeClr val="accent2"/>
+          </a:solidFill>
+          <a:ln>
+            <a:noFill/>
+          </a:ln>
+        </p:spPr>
+        <p:style>
+          <a:lnRef idx="2">
+            <a:schemeClr val="accent1">
+              <a:shade val="50000"/>
+            </a:schemeClr>
+          </a:lnRef>
+          <a:fillRef idx="1">
+            <a:schemeClr val="accent1"/>
+          </a:fillRef>
+          <a:effectRef idx="0">
+            <a:schemeClr val="accent1"/>
+          </a:effectRef>
+          <a:fontRef idx="minor">
+            <a:schemeClr val="lt1"/>
+          </a:fontRef>
+        </p:style>
+        <p:txBody>
+          <a:bodyPr rtlCol="0" anchor="ctr"/>
+          <a:lstStyle/>
+          <a:p>
+            <a:pPr marL="0" marR="0" lvl="0" indent="0" algn="ctr" defTabSz="914400" rtl="0" eaLnBrk="1" fontAlgn="auto" latinLnBrk="0" hangingPunct="1">
+              <a:lnSpc>
+                <a:spcPct val="100000"/>
+              </a:lnSpc>
+              <a:spcBef>
+                <a:spcPts val="0"/>
+              </a:spcBef>
+              <a:spcAft>
+                <a:spcPts val="0"/>
+              </a:spcAft>
+              <a:buClrTx/>
+              <a:buSzTx/>
+              <a:buFontTx/>
+              <a:buNone/>
+              <a:tabLst/>
+              <a:defRPr/>
+            </a:pPr>
+            <a:endParaRPr kumimoji="0" lang="en-US" sz="1800" b="0" i="0" u="none" strike="noStrike" kern="1200" cap="none" spc="0" normalizeH="0" baseline="0" noProof="0">
+              <a:ln>
+                <a:noFill/>
+              </a:ln>
+              <a:solidFill>
+                <a:prstClr val="white"/>
+              </a:solidFill>
+              <a:effectLst/>
+              <a:uLnTx/>
+              <a:uFillTx/>
+              <a:latin typeface="Calibri" panose="020F0502020204030204"/>
+              <a:ea typeface="+mn-ea"/>
+              <a:cs typeface="+mn-cs"/>
+            </a:endParaRPr>
+          </a:p>
+        </p:txBody>
+      </p:sp>
+      <p:pic>
+        <p:nvPicPr>
+          <p:cNvPr id="10" name="Picture 9" descr="A screenshot of a computer&#10;&#10;Description automatically generated">
+            <a:extLst>
+              <a:ext uri="{FF2B5EF4-FFF2-40B4-BE49-F238E27FC236}">
+                <a16:creationId xmlns:a16="http://schemas.microsoft.com/office/drawing/2014/main" id="{F6AFF6A8-5841-92F7-2E09-E1E7682BAD66}"/>
+              </a:ext>
+            </a:extLst>
+          </p:cNvPr>
+          <p:cNvPicPr>
+            <a:picLocks noChangeAspect="1"/>
+          </p:cNvPicPr>
+          <p:nvPr/>
+        </p:nvPicPr>
+        <p:blipFill>
+          <a:blip r:embed="rId2"/>
+          <a:stretch>
+            <a:fillRect/>
+          </a:stretch>
+        </p:blipFill>
+        <p:spPr>
+          <a:xfrm>
+            <a:off x="4576508" y="379158"/>
+            <a:ext cx="3575173" cy="2926079"/>
+          </a:xfrm>
+          <a:prstGeom prst="rect">
+            <a:avLst/>
+          </a:prstGeom>
+        </p:spPr>
+      </p:pic>
+      <p:pic>
+        <p:nvPicPr>
+          <p:cNvPr id="14" name="Picture 13" descr="A screenshot of a computer&#10;&#10;Description automatically generated">
+            <a:extLst>
+              <a:ext uri="{FF2B5EF4-FFF2-40B4-BE49-F238E27FC236}">
+                <a16:creationId xmlns:a16="http://schemas.microsoft.com/office/drawing/2014/main" id="{361A1E24-13C7-932B-BB65-29BC69D13543}"/>
+              </a:ext>
+            </a:extLst>
+          </p:cNvPr>
+          <p:cNvPicPr>
+            <a:picLocks noChangeAspect="1"/>
+          </p:cNvPicPr>
+          <p:nvPr/>
+        </p:nvPicPr>
+        <p:blipFill>
+          <a:blip r:embed="rId3"/>
+          <a:stretch>
+            <a:fillRect/>
+          </a:stretch>
+        </p:blipFill>
+        <p:spPr>
+          <a:xfrm>
+            <a:off x="6127826" y="3641100"/>
+            <a:ext cx="3996292" cy="3016937"/>
+          </a:xfrm>
+          <a:prstGeom prst="rect">
+            <a:avLst/>
+          </a:prstGeom>
+        </p:spPr>
+      </p:pic>
+      <p:sp>
+        <p:nvSpPr>
+          <p:cNvPr id="23" name="Rectangle 22">
+            <a:extLst>
+              <a:ext uri="{FF2B5EF4-FFF2-40B4-BE49-F238E27FC236}">
+                <a16:creationId xmlns:a16="http://schemas.microsoft.com/office/drawing/2014/main" id="{67EF550F-47CE-4FB2-9DAC-12AD835C833D}"/>
+              </a:ext>
+              <a:ext uri="{C183D7F6-B498-43B3-948B-1728B52AA6E4}">
+                <adec:decorative xmlns:adec="http://schemas.microsoft.com/office/drawing/2017/decorative" val="1"/>
+              </a:ext>
+            </a:extLst>
+          </p:cNvPr>
+          <p:cNvSpPr>
+            <a:spLocks noGrp="1" noRot="1" noChangeAspect="1" noMove="1" noResize="1" noEditPoints="1" noAdjustHandles="1" noChangeArrowheads="1" noChangeShapeType="1" noTextEdit="1"/>
+          </p:cNvSpPr>
+          <p:nvPr>
+            <p:extLst>
+              <p:ext uri="{386F3935-93C4-4BCD-93E2-E3B085C9AB24}">
+                <p16:designElem xmlns:p16="http://schemas.microsoft.com/office/powerpoint/2015/main" val="1"/>
+              </p:ext>
+            </p:extLst>
+          </p:nvPr>
+        </p:nvSpPr>
+        <p:spPr>
+          <a:xfrm>
+            <a:off x="359171" y="4177748"/>
+            <a:ext cx="3706859" cy="18288"/>
+          </a:xfrm>
+          <a:prstGeom prst="rect">
+            <a:avLst/>
+          </a:prstGeom>
+          <a:solidFill>
+            <a:srgbClr val="D5D5D5"/>
+          </a:solidFill>
+          <a:ln w="3175">
+            <a:noFill/>
+          </a:ln>
+          <a:effectLst/>
+        </p:spPr>
+        <p:style>
+          <a:lnRef idx="2">
+            <a:schemeClr val="accent1">
+              <a:shade val="50000"/>
+            </a:schemeClr>
+          </a:lnRef>
+          <a:fillRef idx="1">
+            <a:schemeClr val="accent1"/>
+          </a:fillRef>
+          <a:effectRef idx="0">
+            <a:schemeClr val="accent1"/>
+          </a:effectRef>
+          <a:fontRef idx="minor">
+            <a:schemeClr val="lt1"/>
+          </a:fontRef>
+        </p:style>
+        <p:txBody>
+          <a:bodyPr rtlCol="0" anchor="ctr"/>
+          <a:lstStyle/>
+          <a:p>
+            <a:pPr marL="0" marR="0" lvl="0" indent="0" algn="ctr" defTabSz="914400" rtl="0" eaLnBrk="1" fontAlgn="auto" latinLnBrk="0" hangingPunct="1">
+              <a:lnSpc>
+                <a:spcPct val="100000"/>
+              </a:lnSpc>
+              <a:spcBef>
+                <a:spcPts val="0"/>
+              </a:spcBef>
+              <a:spcAft>
+                <a:spcPts val="0"/>
+              </a:spcAft>
+              <a:buClrTx/>
+              <a:buSzTx/>
+              <a:buFontTx/>
+              <a:buNone/>
+              <a:tabLst/>
+              <a:defRPr/>
+            </a:pPr>
+            <a:endParaRPr kumimoji="0" lang="en-US" sz="1800" b="0" i="0" u="none" strike="noStrike" kern="1200" cap="none" spc="0" normalizeH="0" baseline="0" noProof="0">
+              <a:ln>
+                <a:noFill/>
+              </a:ln>
+              <a:solidFill>
+                <a:prstClr val="white"/>
+              </a:solidFill>
+              <a:effectLst/>
+              <a:uLnTx/>
+              <a:uFillTx/>
+              <a:latin typeface="Calibri" panose="020F0502020204030204"/>
+              <a:ea typeface="+mn-ea"/>
+              <a:cs typeface="+mn-cs"/>
+            </a:endParaRPr>
+          </a:p>
+        </p:txBody>
+      </p:sp>
+      <p:pic>
+        <p:nvPicPr>
+          <p:cNvPr id="6" name="Picture 5" descr="A screenshot of a computer&#10;&#10;Description automatically generated">
+            <a:extLst>
+              <a:ext uri="{FF2B5EF4-FFF2-40B4-BE49-F238E27FC236}">
+                <a16:creationId xmlns:a16="http://schemas.microsoft.com/office/drawing/2014/main" id="{2A425C8D-0A00-D094-E427-07AE4824B4AD}"/>
+              </a:ext>
+            </a:extLst>
+          </p:cNvPr>
+          <p:cNvPicPr>
+            <a:picLocks noChangeAspect="1"/>
+          </p:cNvPicPr>
+          <p:nvPr/>
+        </p:nvPicPr>
+        <p:blipFill>
+          <a:blip r:embed="rId4"/>
+          <a:stretch>
+            <a:fillRect/>
+          </a:stretch>
+        </p:blipFill>
+        <p:spPr>
+          <a:xfrm>
+            <a:off x="8333896" y="379158"/>
+            <a:ext cx="3675888" cy="1330003"/>
+          </a:xfrm>
+          <a:prstGeom prst="rect">
+            <a:avLst/>
+          </a:prstGeom>
+        </p:spPr>
+      </p:pic>
+      <p:pic>
+        <p:nvPicPr>
+          <p:cNvPr id="12" name="Picture 11" descr="A screenshot of a computer&#10;&#10;Description automatically generated">
+            <a:extLst>
+              <a:ext uri="{FF2B5EF4-FFF2-40B4-BE49-F238E27FC236}">
+                <a16:creationId xmlns:a16="http://schemas.microsoft.com/office/drawing/2014/main" id="{F078A2EA-E057-E9E8-32F9-FB5152D3DBEF}"/>
+              </a:ext>
+            </a:extLst>
+          </p:cNvPr>
+          <p:cNvPicPr>
+            <a:picLocks noChangeAspect="1"/>
+          </p:cNvPicPr>
+          <p:nvPr/>
+        </p:nvPicPr>
+        <p:blipFill>
+          <a:blip r:embed="rId5"/>
+          <a:stretch>
+            <a:fillRect/>
+          </a:stretch>
+        </p:blipFill>
+        <p:spPr>
+          <a:xfrm>
+            <a:off x="8333896" y="1842197"/>
+            <a:ext cx="3675888" cy="1356416"/>
+          </a:xfrm>
+          <a:prstGeom prst="rect">
+            <a:avLst/>
+          </a:prstGeom>
+        </p:spPr>
+      </p:pic>
+    </p:spTree>
+    <p:extLst>
+      <p:ext uri="{BB962C8B-B14F-4D97-AF65-F5344CB8AC3E}">
+        <p14:creationId xmlns:p14="http://schemas.microsoft.com/office/powerpoint/2010/main" val="4190498982"/>
+      </p:ext>
+    </p:extLst>
+  </p:cSld>
+  <p:clrMapOvr>
+    <a:masterClrMapping/>
+  </p:clrMapOvr>
+</p:sld>
+</file>
+
+<file path=ppt/slides/slide24.xml><?xml version="1.0" encoding="utf-8"?>
+<p:sld xmlns:a="http://schemas.openxmlformats.org/drawingml/2006/main" xmlns:r="http://schemas.openxmlformats.org/officeDocument/2006/relationships" xmlns:p="http://schemas.openxmlformats.org/presentationml/2006/main">
+  <p:cSld>
+    <p:bg>
+      <p:bgPr>
+        <a:solidFill>
+          <a:schemeClr val="bg1"/>
+        </a:solidFill>
+        <a:effectLst/>
+      </p:bgPr>
+    </p:bg>
+    <p:spTree>
+      <p:nvGrpSpPr>
+        <p:cNvPr id="1" name=""/>
+        <p:cNvGrpSpPr/>
+        <p:nvPr/>
+      </p:nvGrpSpPr>
+      <p:grpSpPr>
+        <a:xfrm>
+          <a:off x="0" y="0"/>
+          <a:ext cx="0" cy="0"/>
+          <a:chOff x="0" y="0"/>
+          <a:chExt cx="0" cy="0"/>
+        </a:xfrm>
+      </p:grpSpPr>
+      <p:sp useBgFill="1">
+        <p:nvSpPr>
+          <p:cNvPr id="1049" name="Rectangle 1048">
+            <a:extLst>
+              <a:ext uri="{FF2B5EF4-FFF2-40B4-BE49-F238E27FC236}">
+                <a16:creationId xmlns:a16="http://schemas.microsoft.com/office/drawing/2014/main" id="{8C886788-700E-4D20-9F80-E0E96837A203}"/>
+              </a:ext>
+              <a:ext uri="{C183D7F6-B498-43B3-948B-1728B52AA6E4}">
+                <adec:decorative xmlns:adec="http://schemas.microsoft.com/office/drawing/2017/decorative" val="1"/>
+              </a:ext>
+            </a:extLst>
+          </p:cNvPr>
+          <p:cNvSpPr>
+            <a:spLocks noGrp="1" noRot="1" noChangeAspect="1" noMove="1" noResize="1" noEditPoints="1" noAdjustHandles="1" noChangeArrowheads="1" noChangeShapeType="1" noTextEdit="1"/>
+          </p:cNvSpPr>
+          <p:nvPr>
+            <p:extLst>
+              <p:ext uri="{386F3935-93C4-4BCD-93E2-E3B085C9AB24}">
+                <p16:designElem xmlns:p16="http://schemas.microsoft.com/office/powerpoint/2015/main" val="1"/>
+              </p:ext>
+            </p:extLst>
+          </p:nvPr>
+        </p:nvSpPr>
+        <p:spPr>
+          <a:xfrm>
+            <a:off x="0" y="0"/>
+            <a:ext cx="12192000" cy="6858000"/>
+          </a:xfrm>
+          <a:prstGeom prst="rect">
+            <a:avLst/>
+          </a:prstGeom>
+          <a:ln>
+            <a:noFill/>
+          </a:ln>
+        </p:spPr>
+        <p:style>
+          <a:lnRef idx="2">
+            <a:schemeClr val="accent1">
+              <a:shade val="50000"/>
+            </a:schemeClr>
+          </a:lnRef>
+          <a:fillRef idx="1">
+            <a:schemeClr val="accent1"/>
+          </a:fillRef>
+          <a:effectRef idx="0">
+            <a:schemeClr val="accent1"/>
+          </a:effectRef>
+          <a:fontRef idx="minor">
+            <a:schemeClr val="lt1"/>
+          </a:fontRef>
+        </p:style>
+        <p:txBody>
+          <a:bodyPr rtlCol="0" anchor="ctr"/>
+          <a:lstStyle/>
+          <a:p>
+            <a:pPr algn="ctr"/>
+            <a:endParaRPr lang="en-US"/>
+          </a:p>
+        </p:txBody>
+      </p:sp>
+      <p:sp useBgFill="1">
+        <p:nvSpPr>
+          <p:cNvPr id="1051" name="Freeform: Shape 1050">
+            <a:extLst>
+              <a:ext uri="{FF2B5EF4-FFF2-40B4-BE49-F238E27FC236}">
+                <a16:creationId xmlns:a16="http://schemas.microsoft.com/office/drawing/2014/main" id="{1850674C-4E08-4C62-A3E2-6337FE4F7D86}"/>
+              </a:ext>
+              <a:ext uri="{C183D7F6-B498-43B3-948B-1728B52AA6E4}">
+                <adec:decorative xmlns:adec="http://schemas.microsoft.com/office/drawing/2017/decorative" val="1"/>
+              </a:ext>
+            </a:extLst>
+          </p:cNvPr>
+          <p:cNvSpPr>
+            <a:spLocks noGrp="1" noRot="1" noChangeAspect="1" noMove="1" noResize="1" noEditPoints="1" noAdjustHandles="1" noChangeArrowheads="1" noChangeShapeType="1" noTextEdit="1"/>
+          </p:cNvSpPr>
+          <p:nvPr>
+            <p:extLst>
+              <p:ext uri="{386F3935-93C4-4BCD-93E2-E3B085C9AB24}">
+                <p16:designElem xmlns:p16="http://schemas.microsoft.com/office/powerpoint/2015/main" val="1"/>
+              </p:ext>
+            </p:extLst>
+          </p:nvPr>
+        </p:nvSpPr>
+        <p:spPr>
+          <a:xfrm>
+            <a:off x="0" y="0"/>
+            <a:ext cx="4959047" cy="6858000"/>
+          </a:xfrm>
+          <a:custGeom>
+            <a:avLst/>
+            <a:gdLst>
+              <a:gd name="connsiteX0" fmla="*/ 0 w 4959047"/>
+              <a:gd name="connsiteY0" fmla="*/ 0 h 6858000"/>
+              <a:gd name="connsiteX1" fmla="*/ 4110127 w 4959047"/>
+              <a:gd name="connsiteY1" fmla="*/ 0 h 6858000"/>
+              <a:gd name="connsiteX2" fmla="*/ 4179024 w 4959047"/>
+              <a:gd name="connsiteY2" fmla="*/ 123368 h 6858000"/>
+              <a:gd name="connsiteX3" fmla="*/ 4959047 w 4959047"/>
+              <a:gd name="connsiteY3" fmla="*/ 3429000 h 6858000"/>
+              <a:gd name="connsiteX4" fmla="*/ 4179024 w 4959047"/>
+              <a:gd name="connsiteY4" fmla="*/ 6734633 h 6858000"/>
+              <a:gd name="connsiteX5" fmla="*/ 4110127 w 4959047"/>
+              <a:gd name="connsiteY5" fmla="*/ 6858000 h 6858000"/>
+              <a:gd name="connsiteX6" fmla="*/ 0 w 4959047"/>
+              <a:gd name="connsiteY6" fmla="*/ 6858000 h 6858000"/>
+            </a:gdLst>
+            <a:ahLst/>
+            <a:cxnLst>
+              <a:cxn ang="0">
+                <a:pos x="connsiteX0" y="connsiteY0"/>
+              </a:cxn>
+              <a:cxn ang="0">
+                <a:pos x="connsiteX1" y="connsiteY1"/>
+              </a:cxn>
+              <a:cxn ang="0">
+                <a:pos x="connsiteX2" y="connsiteY2"/>
+              </a:cxn>
+              <a:cxn ang="0">
+                <a:pos x="connsiteX3" y="connsiteY3"/>
+              </a:cxn>
+              <a:cxn ang="0">
+                <a:pos x="connsiteX4" y="connsiteY4"/>
+              </a:cxn>
+              <a:cxn ang="0">
+                <a:pos x="connsiteX5" y="connsiteY5"/>
+              </a:cxn>
+              <a:cxn ang="0">
+                <a:pos x="connsiteX6" y="connsiteY6"/>
+              </a:cxn>
+            </a:cxnLst>
+            <a:rect l="l" t="t" r="r" b="b"/>
+            <a:pathLst>
+              <a:path w="4959047" h="6858000">
+                <a:moveTo>
+                  <a:pt x="0" y="0"/>
+                </a:moveTo>
+                <a:lnTo>
+                  <a:pt x="4110127" y="0"/>
+                </a:lnTo>
+                <a:lnTo>
+                  <a:pt x="4179024" y="123368"/>
+                </a:lnTo>
+                <a:cubicBezTo>
+                  <a:pt x="4668929" y="1045156"/>
+                  <a:pt x="4959047" y="2189404"/>
+                  <a:pt x="4959047" y="3429000"/>
+                </a:cubicBezTo>
+                <a:cubicBezTo>
+                  <a:pt x="4959047" y="4668597"/>
+                  <a:pt x="4668929" y="5812845"/>
+                  <a:pt x="4179024" y="6734633"/>
+                </a:cubicBezTo>
+                <a:lnTo>
+                  <a:pt x="4110127" y="6858000"/>
+                </a:lnTo>
+                <a:lnTo>
+                  <a:pt x="0" y="6858000"/>
+                </a:lnTo>
+                <a:close/>
+              </a:path>
+            </a:pathLst>
+          </a:custGeom>
+          <a:ln w="9525">
+            <a:solidFill>
+              <a:srgbClr val="EFEFEF"/>
+            </a:solidFill>
+          </a:ln>
+          <a:effectLst>
+            <a:outerShdw blurRad="50800" dist="38100" algn="l" rotWithShape="0">
+              <a:schemeClr val="bg1">
+                <a:lumMod val="85000"/>
+                <a:alpha val="30000"/>
+              </a:schemeClr>
+            </a:outerShdw>
+          </a:effectLst>
+        </p:spPr>
+        <p:style>
+          <a:lnRef idx="2">
+            <a:schemeClr val="accent1">
+              <a:shade val="50000"/>
+            </a:schemeClr>
+          </a:lnRef>
+          <a:fillRef idx="1">
+            <a:schemeClr val="accent1"/>
+          </a:fillRef>
+          <a:effectRef idx="0">
+            <a:schemeClr val="accent1"/>
+          </a:effectRef>
+          <a:fontRef idx="minor">
+            <a:schemeClr val="lt1"/>
+          </a:fontRef>
+        </p:style>
+        <p:txBody>
+          <a:bodyPr wrap="square" rtlCol="0" anchor="ctr">
+            <a:noAutofit/>
+          </a:bodyPr>
+          <a:lstStyle/>
+          <a:p>
+            <a:pPr marL="0" marR="0" lvl="0" indent="0" algn="ctr" defTabSz="914400" rtl="0" eaLnBrk="1" fontAlgn="auto" latinLnBrk="0" hangingPunct="1">
+              <a:lnSpc>
+                <a:spcPct val="100000"/>
+              </a:lnSpc>
+              <a:spcBef>
+                <a:spcPts val="0"/>
+              </a:spcBef>
+              <a:spcAft>
+                <a:spcPts val="0"/>
+              </a:spcAft>
+              <a:buClrTx/>
+              <a:buSzTx/>
+              <a:buFontTx/>
+              <a:buNone/>
+              <a:tabLst/>
+              <a:defRPr/>
+            </a:pPr>
+            <a:endParaRPr kumimoji="0" lang="en-US" sz="1800" b="0" i="0" u="none" strike="noStrike" kern="1200" cap="none" spc="0" normalizeH="0" baseline="0" noProof="0">
+              <a:ln>
+                <a:noFill/>
+              </a:ln>
+              <a:solidFill>
+                <a:prstClr val="white"/>
+              </a:solidFill>
+              <a:effectLst/>
+              <a:uLnTx/>
+              <a:uFillTx/>
+              <a:latin typeface="Calibri" panose="020F0502020204030204"/>
+              <a:ea typeface="+mn-ea"/>
+              <a:cs typeface="+mn-cs"/>
+            </a:endParaRPr>
+          </a:p>
+        </p:txBody>
+      </p:sp>
+      <p:sp useBgFill="1">
+        <p:nvSpPr>
+          <p:cNvPr id="1048" name="Freeform: Shape 1047">
+            <a:extLst>
+              <a:ext uri="{FF2B5EF4-FFF2-40B4-BE49-F238E27FC236}">
+                <a16:creationId xmlns:a16="http://schemas.microsoft.com/office/drawing/2014/main" id="{BCE4FF05-2B0C-4C97-A9B4-E163085A90E1}"/>
+              </a:ext>
+              <a:ext uri="{C183D7F6-B498-43B3-948B-1728B52AA6E4}">
+                <adec:decorative xmlns:adec="http://schemas.microsoft.com/office/drawing/2017/decorative" val="1"/>
+              </a:ext>
+            </a:extLst>
+          </p:cNvPr>
+          <p:cNvSpPr>
+            <a:spLocks noGrp="1" noRot="1" noChangeAspect="1" noMove="1" noResize="1" noEditPoints="1" noAdjustHandles="1" noChangeArrowheads="1" noChangeShapeType="1" noTextEdit="1"/>
+          </p:cNvSpPr>
+          <p:nvPr>
+            <p:extLst>
+              <p:ext uri="{386F3935-93C4-4BCD-93E2-E3B085C9AB24}">
+                <p16:designElem xmlns:p16="http://schemas.microsoft.com/office/powerpoint/2015/main" val="1"/>
+              </p:ext>
+            </p:extLst>
+          </p:nvPr>
+        </p:nvSpPr>
+        <p:spPr>
+          <a:xfrm>
+            <a:off x="0" y="0"/>
+            <a:ext cx="4948887" cy="6858000"/>
+          </a:xfrm>
+          <a:custGeom>
+            <a:avLst/>
+            <a:gdLst>
+              <a:gd name="connsiteX0" fmla="*/ 0 w 4948887"/>
+              <a:gd name="connsiteY0" fmla="*/ 0 h 6858000"/>
+              <a:gd name="connsiteX1" fmla="*/ 4099967 w 4948887"/>
+              <a:gd name="connsiteY1" fmla="*/ 0 h 6858000"/>
+              <a:gd name="connsiteX2" fmla="*/ 4168864 w 4948887"/>
+              <a:gd name="connsiteY2" fmla="*/ 123368 h 6858000"/>
+              <a:gd name="connsiteX3" fmla="*/ 4948887 w 4948887"/>
+              <a:gd name="connsiteY3" fmla="*/ 3429000 h 6858000"/>
+              <a:gd name="connsiteX4" fmla="*/ 4168864 w 4948887"/>
+              <a:gd name="connsiteY4" fmla="*/ 6734633 h 6858000"/>
+              <a:gd name="connsiteX5" fmla="*/ 4099967 w 4948887"/>
+              <a:gd name="connsiteY5" fmla="*/ 6858000 h 6858000"/>
+              <a:gd name="connsiteX6" fmla="*/ 0 w 4948887"/>
+              <a:gd name="connsiteY6" fmla="*/ 6858000 h 6858000"/>
+            </a:gdLst>
+            <a:ahLst/>
+            <a:cxnLst>
+              <a:cxn ang="0">
+                <a:pos x="connsiteX0" y="connsiteY0"/>
+              </a:cxn>
+              <a:cxn ang="0">
+                <a:pos x="connsiteX1" y="connsiteY1"/>
+              </a:cxn>
+              <a:cxn ang="0">
+                <a:pos x="connsiteX2" y="connsiteY2"/>
+              </a:cxn>
+              <a:cxn ang="0">
+                <a:pos x="connsiteX3" y="connsiteY3"/>
+              </a:cxn>
+              <a:cxn ang="0">
+                <a:pos x="connsiteX4" y="connsiteY4"/>
+              </a:cxn>
+              <a:cxn ang="0">
+                <a:pos x="connsiteX5" y="connsiteY5"/>
+              </a:cxn>
+              <a:cxn ang="0">
+                <a:pos x="connsiteX6" y="connsiteY6"/>
+              </a:cxn>
+            </a:cxnLst>
+            <a:rect l="l" t="t" r="r" b="b"/>
+            <a:pathLst>
+              <a:path w="4948887" h="6858000">
+                <a:moveTo>
+                  <a:pt x="0" y="0"/>
+                </a:moveTo>
+                <a:lnTo>
+                  <a:pt x="4099967" y="0"/>
+                </a:lnTo>
+                <a:lnTo>
+                  <a:pt x="4168864" y="123368"/>
+                </a:lnTo>
+                <a:cubicBezTo>
+                  <a:pt x="4658769" y="1045156"/>
+                  <a:pt x="4948887" y="2189404"/>
+                  <a:pt x="4948887" y="3429000"/>
+                </a:cubicBezTo>
+                <a:cubicBezTo>
+                  <a:pt x="4948887" y="4668597"/>
+                  <a:pt x="4658769" y="5812845"/>
+                  <a:pt x="4168864" y="6734633"/>
+                </a:cubicBezTo>
+                <a:lnTo>
+                  <a:pt x="4099967" y="6858000"/>
+                </a:lnTo>
+                <a:lnTo>
+                  <a:pt x="0" y="6858000"/>
+                </a:lnTo>
+                <a:close/>
+              </a:path>
+            </a:pathLst>
+          </a:custGeom>
+          <a:ln w="9525">
+            <a:noFill/>
+          </a:ln>
+          <a:effectLst/>
+        </p:spPr>
+        <p:style>
+          <a:lnRef idx="2">
+            <a:schemeClr val="accent1">
+              <a:shade val="50000"/>
+            </a:schemeClr>
+          </a:lnRef>
+          <a:fillRef idx="1">
+            <a:schemeClr val="accent1"/>
+          </a:fillRef>
+          <a:effectRef idx="0">
+            <a:schemeClr val="accent1"/>
+          </a:effectRef>
+          <a:fontRef idx="minor">
+            <a:schemeClr val="lt1"/>
+          </a:fontRef>
+        </p:style>
+        <p:txBody>
+          <a:bodyPr wrap="square" rtlCol="0" anchor="ctr">
+            <a:noAutofit/>
+          </a:bodyPr>
+          <a:lstStyle/>
+          <a:p>
+            <a:pPr marL="0" marR="0" lvl="0" indent="0" algn="ctr" defTabSz="914400" rtl="0" eaLnBrk="1" fontAlgn="auto" latinLnBrk="0" hangingPunct="1">
+              <a:lnSpc>
+                <a:spcPct val="100000"/>
+              </a:lnSpc>
+              <a:spcBef>
+                <a:spcPts val="0"/>
+              </a:spcBef>
+              <a:spcAft>
+                <a:spcPts val="0"/>
+              </a:spcAft>
+              <a:buClrTx/>
+              <a:buSzTx/>
+              <a:buFontTx/>
+              <a:buNone/>
+              <a:tabLst/>
+              <a:defRPr/>
+            </a:pPr>
+            <a:endParaRPr kumimoji="0" lang="en-US" sz="1800" b="0" i="0" u="none" strike="noStrike" kern="1200" cap="none" spc="0" normalizeH="0" baseline="0" noProof="0">
+              <a:ln>
+                <a:noFill/>
+              </a:ln>
+              <a:solidFill>
+                <a:prstClr val="white"/>
+              </a:solidFill>
+              <a:effectLst/>
+              <a:uLnTx/>
+              <a:uFillTx/>
+              <a:latin typeface="Calibri" panose="020F0502020204030204"/>
+              <a:ea typeface="+mn-ea"/>
+              <a:cs typeface="+mn-cs"/>
+            </a:endParaRPr>
+          </a:p>
+        </p:txBody>
+      </p:sp>
+      <p:sp>
+        <p:nvSpPr>
+          <p:cNvPr id="2" name="Title 1">
+            <a:extLst>
+              <a:ext uri="{FF2B5EF4-FFF2-40B4-BE49-F238E27FC236}">
+                <a16:creationId xmlns:a16="http://schemas.microsoft.com/office/drawing/2014/main" id="{3BDE7A21-AB54-38F1-F958-3B069E78164F}"/>
+              </a:ext>
+            </a:extLst>
+          </p:cNvPr>
+          <p:cNvSpPr>
+            <a:spLocks noGrp="1"/>
+          </p:cNvSpPr>
+          <p:nvPr>
+            <p:ph type="title"/>
+          </p:nvPr>
+        </p:nvSpPr>
+        <p:spPr>
+          <a:xfrm>
+            <a:off x="481029" y="951094"/>
+            <a:ext cx="1519983" cy="661924"/>
+          </a:xfrm>
+        </p:spPr>
+        <p:txBody>
+          <a:bodyPr vert="horz" lIns="91440" tIns="45720" rIns="91440" bIns="45720" rtlCol="0" anchor="b">
+            <a:normAutofit fontScale="90000"/>
+          </a:bodyPr>
+          <a:lstStyle/>
+          <a:p>
+            <a:r>
+              <a:rPr lang="en-US" sz="4800" dirty="0"/>
+              <a:t>Views</a:t>
+            </a:r>
+          </a:p>
+        </p:txBody>
+      </p:sp>
+      <p:sp>
+        <p:nvSpPr>
+          <p:cNvPr id="1050" name="Rectangle 1049">
+            <a:extLst>
+              <a:ext uri="{FF2B5EF4-FFF2-40B4-BE49-F238E27FC236}">
+                <a16:creationId xmlns:a16="http://schemas.microsoft.com/office/drawing/2014/main" id="{529C2A7A-A6B6-4A56-B11C-8E967D88A60D}"/>
               </a:ext>
               <a:ext uri="{C183D7F6-B498-43B3-948B-1728B52AA6E4}">
                 <adec:decorative xmlns:adec="http://schemas.microsoft.com/office/drawing/2017/decorative" val="1"/>
@@ -6320,10 +11394,10 @@
       </p:sp>
       <p:sp>
         <p:nvSpPr>
-          <p:cNvPr id="32" name="Rectangle 31">
-            <a:extLst>
-              <a:ext uri="{FF2B5EF4-FFF2-40B4-BE49-F238E27FC236}">
-                <a16:creationId xmlns:a16="http://schemas.microsoft.com/office/drawing/2014/main" id="{08C9B587-E65E-4B52-B37C-ABEBB6E87928}"/>
+          <p:cNvPr id="1052" name="Rectangle 1051">
+            <a:extLst>
+              <a:ext uri="{FF2B5EF4-FFF2-40B4-BE49-F238E27FC236}">
+                <a16:creationId xmlns:a16="http://schemas.microsoft.com/office/drawing/2014/main" id="{FDBD7205-E536-4134-8768-AC3E1A3C5E59}"/>
               </a:ext>
               <a:ext uri="{C183D7F6-B498-43B3-948B-1728B52AA6E4}">
                 <adec:decorative xmlns:adec="http://schemas.microsoft.com/office/drawing/2017/decorative" val="1"/>
@@ -6377,6 +11451,391 @@
           <a:bodyPr rtlCol="0" anchor="ctr"/>
           <a:lstStyle/>
           <a:p>
+            <a:pPr marL="0" marR="0" lvl="0" indent="0" algn="ctr" defTabSz="914400" rtl="0" eaLnBrk="1" fontAlgn="auto" latinLnBrk="0" hangingPunct="1">
+              <a:lnSpc>
+                <a:spcPct val="100000"/>
+              </a:lnSpc>
+              <a:spcBef>
+                <a:spcPts val="0"/>
+              </a:spcBef>
+              <a:spcAft>
+                <a:spcPts val="0"/>
+              </a:spcAft>
+              <a:buClrTx/>
+              <a:buSzTx/>
+              <a:buFontTx/>
+              <a:buNone/>
+              <a:tabLst/>
+              <a:defRPr/>
+            </a:pPr>
+            <a:endParaRPr kumimoji="0" lang="en-US" sz="1800" b="0" i="0" u="none" strike="noStrike" kern="1200" cap="none" spc="0" normalizeH="0" baseline="0" noProof="0">
+              <a:ln>
+                <a:noFill/>
+              </a:ln>
+              <a:solidFill>
+                <a:prstClr val="white"/>
+              </a:solidFill>
+              <a:effectLst/>
+              <a:uLnTx/>
+              <a:uFillTx/>
+              <a:latin typeface="Calibri" panose="020F0502020204030204"/>
+              <a:ea typeface="+mn-ea"/>
+              <a:cs typeface="+mn-cs"/>
+            </a:endParaRPr>
+          </a:p>
+        </p:txBody>
+      </p:sp>
+      <p:pic>
+        <p:nvPicPr>
+          <p:cNvPr id="13" name="Picture 12">
+            <a:extLst>
+              <a:ext uri="{FF2B5EF4-FFF2-40B4-BE49-F238E27FC236}">
+                <a16:creationId xmlns:a16="http://schemas.microsoft.com/office/drawing/2014/main" id="{8099111C-74A3-9892-E7B6-C04662BEFC77}"/>
+              </a:ext>
+            </a:extLst>
+          </p:cNvPr>
+          <p:cNvPicPr>
+            <a:picLocks noChangeAspect="1"/>
+          </p:cNvPicPr>
+          <p:nvPr/>
+        </p:nvPicPr>
+        <p:blipFill>
+          <a:blip r:embed="rId2"/>
+          <a:stretch>
+            <a:fillRect/>
+          </a:stretch>
+        </p:blipFill>
+        <p:spPr>
+          <a:xfrm>
+            <a:off x="2705100" y="367873"/>
+            <a:ext cx="8894341" cy="2067254"/>
+          </a:xfrm>
+          <a:prstGeom prst="rect">
+            <a:avLst/>
+          </a:prstGeom>
+        </p:spPr>
+      </p:pic>
+      <p:pic>
+        <p:nvPicPr>
+          <p:cNvPr id="17" name="Picture 16">
+            <a:extLst>
+              <a:ext uri="{FF2B5EF4-FFF2-40B4-BE49-F238E27FC236}">
+                <a16:creationId xmlns:a16="http://schemas.microsoft.com/office/drawing/2014/main" id="{31FF4C2D-0310-43C1-FE7E-6E94E9404328}"/>
+              </a:ext>
+            </a:extLst>
+          </p:cNvPr>
+          <p:cNvPicPr>
+            <a:picLocks noChangeAspect="1"/>
+          </p:cNvPicPr>
+          <p:nvPr/>
+        </p:nvPicPr>
+        <p:blipFill>
+          <a:blip r:embed="rId3"/>
+          <a:stretch>
+            <a:fillRect/>
+          </a:stretch>
+        </p:blipFill>
+        <p:spPr>
+          <a:xfrm>
+            <a:off x="592558" y="3169522"/>
+            <a:ext cx="11006883" cy="3405539"/>
+          </a:xfrm>
+          <a:prstGeom prst="rect">
+            <a:avLst/>
+          </a:prstGeom>
+        </p:spPr>
+      </p:pic>
+    </p:spTree>
+    <p:extLst>
+      <p:ext uri="{BB962C8B-B14F-4D97-AF65-F5344CB8AC3E}">
+        <p14:creationId xmlns:p14="http://schemas.microsoft.com/office/powerpoint/2010/main" val="1264985142"/>
+      </p:ext>
+    </p:extLst>
+  </p:cSld>
+  <p:clrMapOvr>
+    <a:masterClrMapping/>
+  </p:clrMapOvr>
+</p:sld>
+</file>
+
+<file path=ppt/slides/slide25.xml><?xml version="1.0" encoding="utf-8"?>
+<p:sld xmlns:a="http://schemas.openxmlformats.org/drawingml/2006/main" xmlns:r="http://schemas.openxmlformats.org/officeDocument/2006/relationships" xmlns:p="http://schemas.openxmlformats.org/presentationml/2006/main">
+  <p:cSld>
+    <p:bg>
+      <p:bgPr>
+        <a:solidFill>
+          <a:schemeClr val="bg1"/>
+        </a:solidFill>
+        <a:effectLst/>
+      </p:bgPr>
+    </p:bg>
+    <p:spTree>
+      <p:nvGrpSpPr>
+        <p:cNvPr id="1" name=""/>
+        <p:cNvGrpSpPr/>
+        <p:nvPr/>
+      </p:nvGrpSpPr>
+      <p:grpSpPr>
+        <a:xfrm>
+          <a:off x="0" y="0"/>
+          <a:ext cx="0" cy="0"/>
+          <a:chOff x="0" y="0"/>
+          <a:chExt cx="0" cy="0"/>
+        </a:xfrm>
+      </p:grpSpPr>
+      <p:sp useBgFill="1">
+        <p:nvSpPr>
+          <p:cNvPr id="30" name="Rectangle 29">
+            <a:extLst>
+              <a:ext uri="{FF2B5EF4-FFF2-40B4-BE49-F238E27FC236}">
+                <a16:creationId xmlns:a16="http://schemas.microsoft.com/office/drawing/2014/main" id="{68AF5748-FED8-45BA-8631-26D1D10F3246}"/>
+              </a:ext>
+              <a:ext uri="{C183D7F6-B498-43B3-948B-1728B52AA6E4}">
+                <adec:decorative xmlns:adec="http://schemas.microsoft.com/office/drawing/2017/decorative" val="1"/>
+              </a:ext>
+            </a:extLst>
+          </p:cNvPr>
+          <p:cNvSpPr>
+            <a:spLocks noGrp="1" noRot="1" noChangeAspect="1" noMove="1" noResize="1" noEditPoints="1" noAdjustHandles="1" noChangeArrowheads="1" noChangeShapeType="1" noTextEdit="1"/>
+          </p:cNvSpPr>
+          <p:nvPr>
+            <p:extLst>
+              <p:ext uri="{386F3935-93C4-4BCD-93E2-E3B085C9AB24}">
+                <p16:designElem xmlns:p16="http://schemas.microsoft.com/office/powerpoint/2015/main" val="1"/>
+              </p:ext>
+            </p:extLst>
+          </p:nvPr>
+        </p:nvSpPr>
+        <p:spPr>
+          <a:xfrm>
+            <a:off x="0" y="0"/>
+            <a:ext cx="12192000" cy="6858000"/>
+          </a:xfrm>
+          <a:prstGeom prst="rect">
+            <a:avLst/>
+          </a:prstGeom>
+          <a:ln>
+            <a:noFill/>
+          </a:ln>
+        </p:spPr>
+        <p:style>
+          <a:lnRef idx="2">
+            <a:schemeClr val="accent1">
+              <a:shade val="50000"/>
+            </a:schemeClr>
+          </a:lnRef>
+          <a:fillRef idx="1">
+            <a:schemeClr val="accent1"/>
+          </a:fillRef>
+          <a:effectRef idx="0">
+            <a:schemeClr val="accent1"/>
+          </a:effectRef>
+          <a:fontRef idx="minor">
+            <a:schemeClr val="lt1"/>
+          </a:fontRef>
+        </p:style>
+        <p:txBody>
+          <a:bodyPr rtlCol="0" anchor="ctr"/>
+          <a:lstStyle/>
+          <a:p>
+            <a:pPr algn="ctr"/>
+            <a:endParaRPr lang="en-US"/>
+          </a:p>
+        </p:txBody>
+      </p:sp>
+      <p:sp>
+        <p:nvSpPr>
+          <p:cNvPr id="2" name="Title 1">
+            <a:extLst>
+              <a:ext uri="{FF2B5EF4-FFF2-40B4-BE49-F238E27FC236}">
+                <a16:creationId xmlns:a16="http://schemas.microsoft.com/office/drawing/2014/main" id="{A1B99FD3-6A8F-B2D4-5D04-5A20992ED4F3}"/>
+              </a:ext>
+            </a:extLst>
+          </p:cNvPr>
+          <p:cNvSpPr>
+            <a:spLocks noGrp="1"/>
+          </p:cNvSpPr>
+          <p:nvPr>
+            <p:ph type="title"/>
+          </p:nvPr>
+        </p:nvSpPr>
+        <p:spPr>
+          <a:xfrm>
+            <a:off x="477981" y="1122363"/>
+            <a:ext cx="4023360" cy="3204134"/>
+          </a:xfrm>
+        </p:spPr>
+        <p:txBody>
+          <a:bodyPr vert="horz" lIns="91440" tIns="45720" rIns="91440" bIns="45720" rtlCol="0" anchor="b">
+            <a:normAutofit/>
+          </a:bodyPr>
+          <a:lstStyle/>
+          <a:p>
+            <a:r>
+              <a:rPr lang="en-US" sz="4800" kern="1200">
+                <a:solidFill>
+                  <a:schemeClr val="tx1"/>
+                </a:solidFill>
+                <a:latin typeface="+mj-lt"/>
+                <a:ea typeface="+mj-ea"/>
+                <a:cs typeface="+mj-cs"/>
+              </a:rPr>
+              <a:t>Views</a:t>
+            </a:r>
+          </a:p>
+        </p:txBody>
+      </p:sp>
+      <p:sp>
+        <p:nvSpPr>
+          <p:cNvPr id="31" name="Rectangle 30">
+            <a:extLst>
+              <a:ext uri="{FF2B5EF4-FFF2-40B4-BE49-F238E27FC236}">
+                <a16:creationId xmlns:a16="http://schemas.microsoft.com/office/drawing/2014/main" id="{AF2F604E-43BE-4DC3-B983-E071523364F8}"/>
+              </a:ext>
+              <a:ext uri="{C183D7F6-B498-43B3-948B-1728B52AA6E4}">
+                <adec:decorative xmlns:adec="http://schemas.microsoft.com/office/drawing/2017/decorative" val="1"/>
+              </a:ext>
+            </a:extLst>
+          </p:cNvPr>
+          <p:cNvSpPr>
+            <a:spLocks noGrp="1" noRot="1" noChangeAspect="1" noMove="1" noResize="1" noEditPoints="1" noAdjustHandles="1" noChangeArrowheads="1" noChangeShapeType="1" noTextEdit="1"/>
+          </p:cNvSpPr>
+          <p:nvPr>
+            <p:extLst>
+              <p:ext uri="{386F3935-93C4-4BCD-93E2-E3B085C9AB24}">
+                <p16:designElem xmlns:p16="http://schemas.microsoft.com/office/powerpoint/2015/main" val="1"/>
+              </p:ext>
+            </p:extLst>
+          </p:nvPr>
+        </p:nvSpPr>
+        <p:spPr>
+          <a:xfrm rot="5400000">
+            <a:off x="759921" y="346791"/>
+            <a:ext cx="146304" cy="704088"/>
+          </a:xfrm>
+          <a:prstGeom prst="rect">
+            <a:avLst/>
+          </a:prstGeom>
+          <a:solidFill>
+            <a:schemeClr val="accent2"/>
+          </a:solidFill>
+          <a:ln>
+            <a:noFill/>
+          </a:ln>
+        </p:spPr>
+        <p:style>
+          <a:lnRef idx="2">
+            <a:schemeClr val="accent1">
+              <a:shade val="50000"/>
+            </a:schemeClr>
+          </a:lnRef>
+          <a:fillRef idx="1">
+            <a:schemeClr val="accent1"/>
+          </a:fillRef>
+          <a:effectRef idx="0">
+            <a:schemeClr val="accent1"/>
+          </a:effectRef>
+          <a:fontRef idx="minor">
+            <a:schemeClr val="lt1"/>
+          </a:fontRef>
+        </p:style>
+        <p:txBody>
+          <a:bodyPr rtlCol="0" anchor="ctr"/>
+          <a:lstStyle/>
+          <a:p>
+            <a:pPr marL="0" marR="0" lvl="0" indent="0" algn="ctr" defTabSz="914400" rtl="0" eaLnBrk="1" fontAlgn="auto" latinLnBrk="0" hangingPunct="1">
+              <a:lnSpc>
+                <a:spcPct val="100000"/>
+              </a:lnSpc>
+              <a:spcBef>
+                <a:spcPts val="0"/>
+              </a:spcBef>
+              <a:spcAft>
+                <a:spcPts val="0"/>
+              </a:spcAft>
+              <a:buClrTx/>
+              <a:buSzTx/>
+              <a:buFontTx/>
+              <a:buNone/>
+              <a:tabLst/>
+              <a:defRPr/>
+            </a:pPr>
+            <a:endParaRPr kumimoji="0" lang="en-US" sz="1800" b="0" i="0" u="none" strike="noStrike" kern="1200" cap="none" spc="0" normalizeH="0" baseline="0" noProof="0">
+              <a:ln>
+                <a:noFill/>
+              </a:ln>
+              <a:solidFill>
+                <a:prstClr val="white"/>
+              </a:solidFill>
+              <a:effectLst/>
+              <a:uLnTx/>
+              <a:uFillTx/>
+              <a:latin typeface="Calibri" panose="020F0502020204030204"/>
+              <a:ea typeface="+mn-ea"/>
+              <a:cs typeface="+mn-cs"/>
+            </a:endParaRPr>
+          </a:p>
+        </p:txBody>
+      </p:sp>
+      <p:sp>
+        <p:nvSpPr>
+          <p:cNvPr id="32" name="Rectangle 31">
+            <a:extLst>
+              <a:ext uri="{FF2B5EF4-FFF2-40B4-BE49-F238E27FC236}">
+                <a16:creationId xmlns:a16="http://schemas.microsoft.com/office/drawing/2014/main" id="{08C9B587-E65E-4B52-B37C-ABEBB6E87928}"/>
+              </a:ext>
+              <a:ext uri="{C183D7F6-B498-43B3-948B-1728B52AA6E4}">
+                <adec:decorative xmlns:adec="http://schemas.microsoft.com/office/drawing/2017/decorative" val="1"/>
+              </a:ext>
+            </a:extLst>
+          </p:cNvPr>
+          <p:cNvSpPr>
+            <a:spLocks noGrp="1" noRot="1" noChangeAspect="1" noMove="1" noResize="1" noEditPoints="1" noAdjustHandles="1" noChangeArrowheads="1" noChangeShapeType="1" noTextEdit="1"/>
+          </p:cNvSpPr>
+          <p:nvPr>
+            <p:extLst>
+              <p:ext uri="{386F3935-93C4-4BCD-93E2-E3B085C9AB24}">
+                <p16:designElem xmlns:p16="http://schemas.microsoft.com/office/powerpoint/2015/main" val="1"/>
+              </p:ext>
+            </p:extLst>
+          </p:nvPr>
+        </p:nvSpPr>
+        <p:spPr>
+          <a:xfrm>
+            <a:off x="481029" y="4546920"/>
+            <a:ext cx="4023360" cy="18288"/>
+          </a:xfrm>
+          <a:prstGeom prst="rect">
+            <a:avLst/>
+          </a:prstGeom>
+          <a:solidFill>
+            <a:srgbClr val="D5D5D5"/>
+          </a:solidFill>
+          <a:ln w="3175">
+            <a:noFill/>
+          </a:ln>
+          <a:effectLst/>
+        </p:spPr>
+        <p:style>
+          <a:lnRef idx="2">
+            <a:schemeClr val="accent1">
+              <a:shade val="50000"/>
+            </a:schemeClr>
+          </a:lnRef>
+          <a:fillRef idx="1">
+            <a:schemeClr val="accent1"/>
+          </a:fillRef>
+          <a:effectRef idx="0">
+            <a:schemeClr val="accent1"/>
+          </a:effectRef>
+          <a:fontRef idx="minor">
+            <a:schemeClr val="lt1"/>
+          </a:fontRef>
+        </p:style>
+        <p:txBody>
+          <a:bodyPr rtlCol="0" anchor="ctr"/>
+          <a:lstStyle/>
+          <a:p>
             <a:pPr algn="ctr"/>
             <a:endParaRPr lang="en-US">
               <a:solidFill>
@@ -6430,7 +11889,7 @@
 </p:sld>
 </file>
 
-<file path=ppt/slides/slide21.xml><?xml version="1.0" encoding="utf-8"?>
+<file path=ppt/slides/slide26.xml><?xml version="1.0" encoding="utf-8"?>
 <p:sld xmlns:a="http://schemas.openxmlformats.org/drawingml/2006/main" xmlns:r="http://schemas.openxmlformats.org/officeDocument/2006/relationships" xmlns:p="http://schemas.openxmlformats.org/presentationml/2006/main">
   <p:cSld>
     <p:bg>
@@ -7047,7 +12506,7 @@
 </p:sld>
 </file>
 
-<file path=ppt/slides/slide22.xml><?xml version="1.0" encoding="utf-8"?>
+<file path=ppt/slides/slide27.xml><?xml version="1.0" encoding="utf-8"?>
 <p:sld xmlns:a="http://schemas.openxmlformats.org/drawingml/2006/main" xmlns:r="http://schemas.openxmlformats.org/officeDocument/2006/relationships" xmlns:p="http://schemas.openxmlformats.org/presentationml/2006/main">
   <p:cSld>
     <p:spTree>
@@ -7414,7 +12873,7 @@
 </p:sld>
 </file>
 
-<file path=ppt/slides/slide23.xml><?xml version="1.0" encoding="utf-8"?>
+<file path=ppt/slides/slide28.xml><?xml version="1.0" encoding="utf-8"?>
 <p:sld xmlns:a="http://schemas.openxmlformats.org/drawingml/2006/main" xmlns:r="http://schemas.openxmlformats.org/officeDocument/2006/relationships" xmlns:p="http://schemas.openxmlformats.org/presentationml/2006/main">
   <p:cSld>
     <p:spTree>
@@ -7494,7 +12953,7 @@
 </p:sld>
 </file>
 
-<file path=ppt/slides/slide24.xml><?xml version="1.0" encoding="utf-8"?>
+<file path=ppt/slides/slide29.xml><?xml version="1.0" encoding="utf-8"?>
 <p:sld xmlns:a="http://schemas.openxmlformats.org/drawingml/2006/main" xmlns:r="http://schemas.openxmlformats.org/officeDocument/2006/relationships" xmlns:p="http://schemas.openxmlformats.org/presentationml/2006/main">
   <p:cSld>
     <p:spTree>
@@ -7611,93 +13070,6 @@
 </p:sld>
 </file>
 
-<file path=ppt/slides/slide25.xml><?xml version="1.0" encoding="utf-8"?>
-<p:sld xmlns:a="http://schemas.openxmlformats.org/drawingml/2006/main" xmlns:r="http://schemas.openxmlformats.org/officeDocument/2006/relationships" xmlns:p="http://schemas.openxmlformats.org/presentationml/2006/main">
-  <p:cSld>
-    <p:spTree>
-      <p:nvGrpSpPr>
-        <p:cNvPr id="1" name=""/>
-        <p:cNvGrpSpPr/>
-        <p:nvPr/>
-      </p:nvGrpSpPr>
-      <p:grpSpPr>
-        <a:xfrm>
-          <a:off x="0" y="0"/>
-          <a:ext cx="0" cy="0"/>
-          <a:chOff x="0" y="0"/>
-          <a:chExt cx="0" cy="0"/>
-        </a:xfrm>
-      </p:grpSpPr>
-      <p:sp>
-        <p:nvSpPr>
-          <p:cNvPr id="2" name="Title 1">
-            <a:extLst>
-              <a:ext uri="{FF2B5EF4-FFF2-40B4-BE49-F238E27FC236}">
-                <a16:creationId xmlns:a16="http://schemas.microsoft.com/office/drawing/2014/main" id="{84BEB4E9-C167-C15B-8B3C-F2BE02CACB93}"/>
-              </a:ext>
-            </a:extLst>
-          </p:cNvPr>
-          <p:cNvSpPr>
-            <a:spLocks noGrp="1"/>
-          </p:cNvSpPr>
-          <p:nvPr>
-            <p:ph type="title"/>
-          </p:nvPr>
-        </p:nvSpPr>
-        <p:spPr/>
-        <p:txBody>
-          <a:bodyPr/>
-          <a:lstStyle/>
-          <a:p>
-            <a:r>
-              <a:rPr lang="en-US"/>
-              <a:t>Persons Table displayed</a:t>
-            </a:r>
-          </a:p>
-        </p:txBody>
-      </p:sp>
-      <p:pic>
-        <p:nvPicPr>
-          <p:cNvPr id="4" name="Content Placeholder 3" descr="A screenshot of a computer&#10;&#10;Description automatically generated">
-            <a:extLst>
-              <a:ext uri="{FF2B5EF4-FFF2-40B4-BE49-F238E27FC236}">
-                <a16:creationId xmlns:a16="http://schemas.microsoft.com/office/drawing/2014/main" id="{41B0E815-CE0A-6A11-3CB7-499E3472351D}"/>
-              </a:ext>
-            </a:extLst>
-          </p:cNvPr>
-          <p:cNvPicPr>
-            <a:picLocks noGrp="1" noChangeAspect="1"/>
-          </p:cNvPicPr>
-          <p:nvPr>
-            <p:ph idx="1"/>
-          </p:nvPr>
-        </p:nvPicPr>
-        <p:blipFill>
-          <a:blip r:embed="rId2"/>
-          <a:stretch>
-            <a:fillRect/>
-          </a:stretch>
-        </p:blipFill>
-        <p:spPr>
-          <a:xfrm>
-            <a:off x="835781" y="1902921"/>
-            <a:ext cx="5768109" cy="4215437"/>
-          </a:xfrm>
-        </p:spPr>
-      </p:pic>
-    </p:spTree>
-    <p:extLst>
-      <p:ext uri="{BB962C8B-B14F-4D97-AF65-F5344CB8AC3E}">
-        <p14:creationId xmlns:p14="http://schemas.microsoft.com/office/powerpoint/2010/main" val="3071513136"/>
-      </p:ext>
-    </p:extLst>
-  </p:cSld>
-  <p:clrMapOvr>
-    <a:masterClrMapping/>
-  </p:clrMapOvr>
-</p:sld>
-</file>
-
 <file path=ppt/slides/slide3.xml><?xml version="1.0" encoding="utf-8"?>
 <p:sld xmlns:a="http://schemas.openxmlformats.org/drawingml/2006/main" xmlns:r="http://schemas.openxmlformats.org/officeDocument/2006/relationships" xmlns:p="http://schemas.openxmlformats.org/presentationml/2006/main">
   <p:cSld>
@@ -7838,6 +13210,93 @@
     <p:extLst>
       <p:ext uri="{BB962C8B-B14F-4D97-AF65-F5344CB8AC3E}">
         <p14:creationId xmlns:p14="http://schemas.microsoft.com/office/powerpoint/2010/main" val="644258067"/>
+      </p:ext>
+    </p:extLst>
+  </p:cSld>
+  <p:clrMapOvr>
+    <a:masterClrMapping/>
+  </p:clrMapOvr>
+</p:sld>
+</file>
+
+<file path=ppt/slides/slide30.xml><?xml version="1.0" encoding="utf-8"?>
+<p:sld xmlns:a="http://schemas.openxmlformats.org/drawingml/2006/main" xmlns:r="http://schemas.openxmlformats.org/officeDocument/2006/relationships" xmlns:p="http://schemas.openxmlformats.org/presentationml/2006/main">
+  <p:cSld>
+    <p:spTree>
+      <p:nvGrpSpPr>
+        <p:cNvPr id="1" name=""/>
+        <p:cNvGrpSpPr/>
+        <p:nvPr/>
+      </p:nvGrpSpPr>
+      <p:grpSpPr>
+        <a:xfrm>
+          <a:off x="0" y="0"/>
+          <a:ext cx="0" cy="0"/>
+          <a:chOff x="0" y="0"/>
+          <a:chExt cx="0" cy="0"/>
+        </a:xfrm>
+      </p:grpSpPr>
+      <p:sp>
+        <p:nvSpPr>
+          <p:cNvPr id="2" name="Title 1">
+            <a:extLst>
+              <a:ext uri="{FF2B5EF4-FFF2-40B4-BE49-F238E27FC236}">
+                <a16:creationId xmlns:a16="http://schemas.microsoft.com/office/drawing/2014/main" id="{84BEB4E9-C167-C15B-8B3C-F2BE02CACB93}"/>
+              </a:ext>
+            </a:extLst>
+          </p:cNvPr>
+          <p:cNvSpPr>
+            <a:spLocks noGrp="1"/>
+          </p:cNvSpPr>
+          <p:nvPr>
+            <p:ph type="title"/>
+          </p:nvPr>
+        </p:nvSpPr>
+        <p:spPr/>
+        <p:txBody>
+          <a:bodyPr/>
+          <a:lstStyle/>
+          <a:p>
+            <a:r>
+              <a:rPr lang="en-US"/>
+              <a:t>Persons Table displayed</a:t>
+            </a:r>
+          </a:p>
+        </p:txBody>
+      </p:sp>
+      <p:pic>
+        <p:nvPicPr>
+          <p:cNvPr id="4" name="Content Placeholder 3" descr="A screenshot of a computer&#10;&#10;Description automatically generated">
+            <a:extLst>
+              <a:ext uri="{FF2B5EF4-FFF2-40B4-BE49-F238E27FC236}">
+                <a16:creationId xmlns:a16="http://schemas.microsoft.com/office/drawing/2014/main" id="{41B0E815-CE0A-6A11-3CB7-499E3472351D}"/>
+              </a:ext>
+            </a:extLst>
+          </p:cNvPr>
+          <p:cNvPicPr>
+            <a:picLocks noGrp="1" noChangeAspect="1"/>
+          </p:cNvPicPr>
+          <p:nvPr>
+            <p:ph idx="1"/>
+          </p:nvPr>
+        </p:nvPicPr>
+        <p:blipFill>
+          <a:blip r:embed="rId2"/>
+          <a:stretch>
+            <a:fillRect/>
+          </a:stretch>
+        </p:blipFill>
+        <p:spPr>
+          <a:xfrm>
+            <a:off x="835781" y="1902921"/>
+            <a:ext cx="5768109" cy="4215437"/>
+          </a:xfrm>
+        </p:spPr>
+      </p:pic>
+    </p:spTree>
+    <p:extLst>
+      <p:ext uri="{BB962C8B-B14F-4D97-AF65-F5344CB8AC3E}">
+        <p14:creationId xmlns:p14="http://schemas.microsoft.com/office/powerpoint/2010/main" val="3071513136"/>
       </p:ext>
     </p:extLst>
   </p:cSld>
@@ -9127,14 +14586,6 @@
 </file>
 
 <file path=customXml/item1.xml><?xml version="1.0" encoding="utf-8"?>
-<p:properties xmlns:p="http://schemas.microsoft.com/office/2006/metadata/properties" xmlns:xsi="http://www.w3.org/2001/XMLSchema-instance" xmlns:pc="http://schemas.microsoft.com/office/infopath/2007/PartnerControls">
-  <documentManagement>
-    <_activity xmlns="b742ce95-2faa-4a22-82e8-96e19b9cf4ea" xsi:nil="true"/>
-  </documentManagement>
-</p:properties>
-</file>
-
-<file path=customXml/item2.xml><?xml version="1.0" encoding="utf-8"?>
 <ct:contentTypeSchema xmlns:ct="http://schemas.microsoft.com/office/2006/metadata/contentType" xmlns:ma="http://schemas.microsoft.com/office/2006/metadata/properties/metaAttributes" ct:_="" ma:_="" ma:contentTypeName="Document" ma:contentTypeID="0x01010056F948F6BEB7B341B96571AE139442B0" ma:contentTypeVersion="12" ma:contentTypeDescription="Create a new document." ma:contentTypeScope="" ma:versionID="6721203cfe2a7a12a4a0f1299bfb40de">
   <xsd:schema xmlns:xsd="http://www.w3.org/2001/XMLSchema" xmlns:xs="http://www.w3.org/2001/XMLSchema" xmlns:p="http://schemas.microsoft.com/office/2006/metadata/properties" xmlns:ns3="b742ce95-2faa-4a22-82e8-96e19b9cf4ea" xmlns:ns4="2b33b4fd-0a91-449d-bd98-b20828b1ccf0" targetNamespace="http://schemas.microsoft.com/office/2006/metadata/properties" ma:root="true" ma:fieldsID="b7b8a451c4601a44ef8e1103997042ae" ns3:_="" ns4:_="">
     <xsd:import namespace="b742ce95-2faa-4a22-82e8-96e19b9cf4ea"/>
@@ -9347,6 +14798,14 @@
 </ct:contentTypeSchema>
 </file>
 
+<file path=customXml/item2.xml><?xml version="1.0" encoding="utf-8"?>
+<p:properties xmlns:p="http://schemas.microsoft.com/office/2006/metadata/properties" xmlns:xsi="http://www.w3.org/2001/XMLSchema-instance" xmlns:pc="http://schemas.microsoft.com/office/infopath/2007/PartnerControls">
+  <documentManagement>
+    <_activity xmlns="b742ce95-2faa-4a22-82e8-96e19b9cf4ea" xsi:nil="true"/>
+  </documentManagement>
+</p:properties>
+</file>
+
 <file path=customXml/item3.xml><?xml version="1.0" encoding="utf-8"?>
 <?mso-contentType ?>
 <FormTemplates xmlns="http://schemas.microsoft.com/sharepoint/v3/contenttype/forms">
@@ -9357,23 +14816,6 @@
 </file>
 
 <file path=customXml/itemProps1.xml><?xml version="1.0" encoding="utf-8"?>
-<ds:datastoreItem xmlns:ds="http://schemas.openxmlformats.org/officeDocument/2006/customXml" ds:itemID="{9F11EE82-F976-4EB8-815A-9390D8BC23D0}">
-  <ds:schemaRefs>
-    <ds:schemaRef ds:uri="http://schemas.microsoft.com/office/2006/documentManagement/types"/>
-    <ds:schemaRef ds:uri="http://purl.org/dc/dcmitype/"/>
-    <ds:schemaRef ds:uri="http://schemas.microsoft.com/office/infopath/2007/PartnerControls"/>
-    <ds:schemaRef ds:uri="b742ce95-2faa-4a22-82e8-96e19b9cf4ea"/>
-    <ds:schemaRef ds:uri="http://schemas.microsoft.com/office/2006/metadata/properties"/>
-    <ds:schemaRef ds:uri="http://purl.org/dc/terms/"/>
-    <ds:schemaRef ds:uri="http://www.w3.org/XML/1998/namespace"/>
-    <ds:schemaRef ds:uri="http://schemas.openxmlformats.org/package/2006/metadata/core-properties"/>
-    <ds:schemaRef ds:uri="2b33b4fd-0a91-449d-bd98-b20828b1ccf0"/>
-    <ds:schemaRef ds:uri="http://purl.org/dc/elements/1.1/"/>
-  </ds:schemaRefs>
-</ds:datastoreItem>
-</file>
-
-<file path=customXml/itemProps2.xml><?xml version="1.0" encoding="utf-8"?>
 <ds:datastoreItem xmlns:ds="http://schemas.openxmlformats.org/officeDocument/2006/customXml" ds:itemID="{EF104770-FECE-4145-AD76-5E4AF9711534}">
   <ds:schemaRefs>
     <ds:schemaRef ds:uri="2b33b4fd-0a91-449d-bd98-b20828b1ccf0"/>
@@ -9392,6 +14834,23 @@
 </ds:datastoreItem>
 </file>
 
+<file path=customXml/itemProps2.xml><?xml version="1.0" encoding="utf-8"?>
+<ds:datastoreItem xmlns:ds="http://schemas.openxmlformats.org/officeDocument/2006/customXml" ds:itemID="{9F11EE82-F976-4EB8-815A-9390D8BC23D0}">
+  <ds:schemaRefs>
+    <ds:schemaRef ds:uri="http://schemas.microsoft.com/office/2006/documentManagement/types"/>
+    <ds:schemaRef ds:uri="http://purl.org/dc/dcmitype/"/>
+    <ds:schemaRef ds:uri="http://schemas.microsoft.com/office/infopath/2007/PartnerControls"/>
+    <ds:schemaRef ds:uri="b742ce95-2faa-4a22-82e8-96e19b9cf4ea"/>
+    <ds:schemaRef ds:uri="http://schemas.microsoft.com/office/2006/metadata/properties"/>
+    <ds:schemaRef ds:uri="http://purl.org/dc/terms/"/>
+    <ds:schemaRef ds:uri="http://www.w3.org/XML/1998/namespace"/>
+    <ds:schemaRef ds:uri="http://schemas.openxmlformats.org/package/2006/metadata/core-properties"/>
+    <ds:schemaRef ds:uri="2b33b4fd-0a91-449d-bd98-b20828b1ccf0"/>
+    <ds:schemaRef ds:uri="http://purl.org/dc/elements/1.1/"/>
+  </ds:schemaRefs>
+</ds:datastoreItem>
+</file>
+
 <file path=customXml/itemProps3.xml><?xml version="1.0" encoding="utf-8"?>
 <ds:datastoreItem xmlns:ds="http://schemas.openxmlformats.org/officeDocument/2006/customXml" ds:itemID="{9B1A677E-B4F8-4F36-915E-5AFD82CA6E77}">
   <ds:schemaRefs>

--- a/.idea/CS4347-Project-Presentation-PB-MF-YH-JV-NR-SP-DD.pptx
+++ b/.idea/CS4347-Project-Presentation-PB-MF-YH-JV-NR-SP-DD.pptx
@@ -32,9 +32,6 @@
     <p:sldId id="282" r:id="rId29"/>
     <p:sldId id="277" r:id="rId30"/>
     <p:sldId id="261" r:id="rId31"/>
-    <p:sldId id="267" r:id="rId32"/>
-    <p:sldId id="257" r:id="rId33"/>
-    <p:sldId id="258" r:id="rId34"/>
   </p:sldIdLst>
   <p:sldSz cx="12192000" cy="6858000"/>
   <p:notesSz cx="6858000" cy="9144000"/>
@@ -156,7 +153,7 @@
   <pc:docChgLst>
     <pc:chgData name="Paul Barela" userId="6b4a9e942503a342" providerId="LiveId" clId="{12FA4ADB-FE04-41F0-A15B-F8F83ECF06C8}"/>
     <pc:docChg chg="undo custSel addSld delSld modSld">
-      <pc:chgData name="Paul Barela" userId="6b4a9e942503a342" providerId="LiveId" clId="{12FA4ADB-FE04-41F0-A15B-F8F83ECF06C8}" dt="2024-11-17T23:47:15.220" v="409" actId="1076"/>
+      <pc:chgData name="Paul Barela" userId="6b4a9e942503a342" providerId="LiveId" clId="{12FA4ADB-FE04-41F0-A15B-F8F83ECF06C8}" dt="2024-11-18T00:21:46.198" v="410" actId="47"/>
       <pc:docMkLst>
         <pc:docMk/>
       </pc:docMkLst>
@@ -174,6 +171,27 @@
             <ac:spMk id="3" creationId="{1D992543-C645-5E38-3F75-B558ED6B0A8B}"/>
           </ac:spMkLst>
         </pc:spChg>
+      </pc:sldChg>
+      <pc:sldChg chg="del">
+        <pc:chgData name="Paul Barela" userId="6b4a9e942503a342" providerId="LiveId" clId="{12FA4ADB-FE04-41F0-A15B-F8F83ECF06C8}" dt="2024-11-18T00:21:46.198" v="410" actId="47"/>
+        <pc:sldMkLst>
+          <pc:docMk/>
+          <pc:sldMk cId="1086754949" sldId="257"/>
+        </pc:sldMkLst>
+      </pc:sldChg>
+      <pc:sldChg chg="del">
+        <pc:chgData name="Paul Barela" userId="6b4a9e942503a342" providerId="LiveId" clId="{12FA4ADB-FE04-41F0-A15B-F8F83ECF06C8}" dt="2024-11-18T00:21:46.198" v="410" actId="47"/>
+        <pc:sldMkLst>
+          <pc:docMk/>
+          <pc:sldMk cId="3071513136" sldId="258"/>
+        </pc:sldMkLst>
+      </pc:sldChg>
+      <pc:sldChg chg="del">
+        <pc:chgData name="Paul Barela" userId="6b4a9e942503a342" providerId="LiveId" clId="{12FA4ADB-FE04-41F0-A15B-F8F83ECF06C8}" dt="2024-11-18T00:21:46.198" v="410" actId="47"/>
+        <pc:sldMkLst>
+          <pc:docMk/>
+          <pc:sldMk cId="1825373614" sldId="267"/>
+        </pc:sldMkLst>
       </pc:sldChg>
       <pc:sldChg chg="addSp delSp modSp mod setBg">
         <pc:chgData name="Paul Barela" userId="6b4a9e942503a342" providerId="LiveId" clId="{12FA4ADB-FE04-41F0-A15B-F8F83ECF06C8}" dt="2024-11-17T23:11:27.415" v="82" actId="27614"/>
@@ -12873,203 +12891,6 @@
 </p:sld>
 </file>
 
-<file path=ppt/slides/slide28.xml><?xml version="1.0" encoding="utf-8"?>
-<p:sld xmlns:a="http://schemas.openxmlformats.org/drawingml/2006/main" xmlns:r="http://schemas.openxmlformats.org/officeDocument/2006/relationships" xmlns:p="http://schemas.openxmlformats.org/presentationml/2006/main">
-  <p:cSld>
-    <p:spTree>
-      <p:nvGrpSpPr>
-        <p:cNvPr id="1" name=""/>
-        <p:cNvGrpSpPr/>
-        <p:nvPr/>
-      </p:nvGrpSpPr>
-      <p:grpSpPr>
-        <a:xfrm>
-          <a:off x="0" y="0"/>
-          <a:ext cx="0" cy="0"/>
-          <a:chOff x="0" y="0"/>
-          <a:chExt cx="0" cy="0"/>
-        </a:xfrm>
-      </p:grpSpPr>
-      <p:sp>
-        <p:nvSpPr>
-          <p:cNvPr id="2" name="Title 1">
-            <a:extLst>
-              <a:ext uri="{FF2B5EF4-FFF2-40B4-BE49-F238E27FC236}">
-                <a16:creationId xmlns:a16="http://schemas.microsoft.com/office/drawing/2014/main" id="{CD9E3AE3-E18C-1D62-7E29-AA51542811C0}"/>
-              </a:ext>
-            </a:extLst>
-          </p:cNvPr>
-          <p:cNvSpPr>
-            <a:spLocks noGrp="1"/>
-          </p:cNvSpPr>
-          <p:nvPr>
-            <p:ph type="title"/>
-          </p:nvPr>
-        </p:nvSpPr>
-        <p:spPr/>
-        <p:txBody>
-          <a:bodyPr/>
-          <a:lstStyle/>
-          <a:p>
-            <a:endParaRPr lang="en-US"/>
-          </a:p>
-        </p:txBody>
-      </p:sp>
-      <p:sp>
-        <p:nvSpPr>
-          <p:cNvPr id="3" name="Content Placeholder 2">
-            <a:extLst>
-              <a:ext uri="{FF2B5EF4-FFF2-40B4-BE49-F238E27FC236}">
-                <a16:creationId xmlns:a16="http://schemas.microsoft.com/office/drawing/2014/main" id="{978690AE-CD55-D8ED-875E-22206EE508E5}"/>
-              </a:ext>
-            </a:extLst>
-          </p:cNvPr>
-          <p:cNvSpPr>
-            <a:spLocks noGrp="1"/>
-          </p:cNvSpPr>
-          <p:nvPr>
-            <p:ph idx="1"/>
-          </p:nvPr>
-        </p:nvSpPr>
-        <p:spPr/>
-        <p:txBody>
-          <a:bodyPr/>
-          <a:lstStyle/>
-          <a:p>
-            <a:endParaRPr lang="en-US"/>
-          </a:p>
-        </p:txBody>
-      </p:sp>
-    </p:spTree>
-    <p:extLst>
-      <p:ext uri="{BB962C8B-B14F-4D97-AF65-F5344CB8AC3E}">
-        <p14:creationId xmlns:p14="http://schemas.microsoft.com/office/powerpoint/2010/main" val="1825373614"/>
-      </p:ext>
-    </p:extLst>
-  </p:cSld>
-  <p:clrMapOvr>
-    <a:masterClrMapping/>
-  </p:clrMapOvr>
-</p:sld>
-</file>
-
-<file path=ppt/slides/slide29.xml><?xml version="1.0" encoding="utf-8"?>
-<p:sld xmlns:a="http://schemas.openxmlformats.org/drawingml/2006/main" xmlns:r="http://schemas.openxmlformats.org/officeDocument/2006/relationships" xmlns:p="http://schemas.openxmlformats.org/presentationml/2006/main">
-  <p:cSld>
-    <p:spTree>
-      <p:nvGrpSpPr>
-        <p:cNvPr id="1" name=""/>
-        <p:cNvGrpSpPr/>
-        <p:nvPr/>
-      </p:nvGrpSpPr>
-      <p:grpSpPr>
-        <a:xfrm>
-          <a:off x="0" y="0"/>
-          <a:ext cx="0" cy="0"/>
-          <a:chOff x="0" y="0"/>
-          <a:chExt cx="0" cy="0"/>
-        </a:xfrm>
-      </p:grpSpPr>
-      <p:sp>
-        <p:nvSpPr>
-          <p:cNvPr id="2" name="Title 1">
-            <a:extLst>
-              <a:ext uri="{FF2B5EF4-FFF2-40B4-BE49-F238E27FC236}">
-                <a16:creationId xmlns:a16="http://schemas.microsoft.com/office/drawing/2014/main" id="{FB25DB6B-DDCB-7380-3569-82E76290B555}"/>
-              </a:ext>
-            </a:extLst>
-          </p:cNvPr>
-          <p:cNvSpPr>
-            <a:spLocks noGrp="1"/>
-          </p:cNvSpPr>
-          <p:nvPr>
-            <p:ph type="title"/>
-          </p:nvPr>
-        </p:nvSpPr>
-        <p:spPr/>
-        <p:txBody>
-          <a:bodyPr/>
-          <a:lstStyle/>
-          <a:p>
-            <a:r>
-              <a:rPr lang="en-US"/>
-              <a:t>Locations Table displayed</a:t>
-            </a:r>
-          </a:p>
-        </p:txBody>
-      </p:sp>
-      <p:pic>
-        <p:nvPicPr>
-          <p:cNvPr id="7" name="Content Placeholder 6" descr="A screenshot of a computer&#10;&#10;Description automatically generated">
-            <a:extLst>
-              <a:ext uri="{FF2B5EF4-FFF2-40B4-BE49-F238E27FC236}">
-                <a16:creationId xmlns:a16="http://schemas.microsoft.com/office/drawing/2014/main" id="{C70C8F8D-97CC-1682-F5CD-B3AF6E53F6C8}"/>
-              </a:ext>
-            </a:extLst>
-          </p:cNvPr>
-          <p:cNvPicPr>
-            <a:picLocks noGrp="1" noChangeAspect="1"/>
-          </p:cNvPicPr>
-          <p:nvPr>
-            <p:ph idx="1"/>
-          </p:nvPr>
-        </p:nvPicPr>
-        <p:blipFill>
-          <a:blip r:embed="rId2"/>
-          <a:stretch>
-            <a:fillRect/>
-          </a:stretch>
-        </p:blipFill>
-        <p:spPr>
-          <a:xfrm>
-            <a:off x="839136" y="1692577"/>
-            <a:ext cx="4937823" cy="4351338"/>
-          </a:xfrm>
-        </p:spPr>
-      </p:pic>
-      <p:pic>
-        <p:nvPicPr>
-          <p:cNvPr id="8" name="Picture 7" descr="A screenshot of a computer&#10;&#10;Description automatically generated">
-            <a:extLst>
-              <a:ext uri="{FF2B5EF4-FFF2-40B4-BE49-F238E27FC236}">
-                <a16:creationId xmlns:a16="http://schemas.microsoft.com/office/drawing/2014/main" id="{D5B13B7B-8230-B29E-CEA8-84D6F5EFB216}"/>
-              </a:ext>
-            </a:extLst>
-          </p:cNvPr>
-          <p:cNvPicPr>
-            <a:picLocks noChangeAspect="1"/>
-          </p:cNvPicPr>
-          <p:nvPr/>
-        </p:nvPicPr>
-        <p:blipFill>
-          <a:blip r:embed="rId3"/>
-          <a:stretch>
-            <a:fillRect/>
-          </a:stretch>
-        </p:blipFill>
-        <p:spPr>
-          <a:xfrm>
-            <a:off x="6701655" y="1614920"/>
-            <a:ext cx="4333875" cy="4429125"/>
-          </a:xfrm>
-          <a:prstGeom prst="rect">
-            <a:avLst/>
-          </a:prstGeom>
-        </p:spPr>
-      </p:pic>
-    </p:spTree>
-    <p:extLst>
-      <p:ext uri="{BB962C8B-B14F-4D97-AF65-F5344CB8AC3E}">
-        <p14:creationId xmlns:p14="http://schemas.microsoft.com/office/powerpoint/2010/main" val="1086754949"/>
-      </p:ext>
-    </p:extLst>
-  </p:cSld>
-  <p:clrMapOvr>
-    <a:masterClrMapping/>
-  </p:clrMapOvr>
-</p:sld>
-</file>
-
 <file path=ppt/slides/slide3.xml><?xml version="1.0" encoding="utf-8"?>
 <p:sld xmlns:a="http://schemas.openxmlformats.org/drawingml/2006/main" xmlns:r="http://schemas.openxmlformats.org/officeDocument/2006/relationships" xmlns:p="http://schemas.openxmlformats.org/presentationml/2006/main">
   <p:cSld>
@@ -13210,93 +13031,6 @@
     <p:extLst>
       <p:ext uri="{BB962C8B-B14F-4D97-AF65-F5344CB8AC3E}">
         <p14:creationId xmlns:p14="http://schemas.microsoft.com/office/powerpoint/2010/main" val="644258067"/>
-      </p:ext>
-    </p:extLst>
-  </p:cSld>
-  <p:clrMapOvr>
-    <a:masterClrMapping/>
-  </p:clrMapOvr>
-</p:sld>
-</file>
-
-<file path=ppt/slides/slide30.xml><?xml version="1.0" encoding="utf-8"?>
-<p:sld xmlns:a="http://schemas.openxmlformats.org/drawingml/2006/main" xmlns:r="http://schemas.openxmlformats.org/officeDocument/2006/relationships" xmlns:p="http://schemas.openxmlformats.org/presentationml/2006/main">
-  <p:cSld>
-    <p:spTree>
-      <p:nvGrpSpPr>
-        <p:cNvPr id="1" name=""/>
-        <p:cNvGrpSpPr/>
-        <p:nvPr/>
-      </p:nvGrpSpPr>
-      <p:grpSpPr>
-        <a:xfrm>
-          <a:off x="0" y="0"/>
-          <a:ext cx="0" cy="0"/>
-          <a:chOff x="0" y="0"/>
-          <a:chExt cx="0" cy="0"/>
-        </a:xfrm>
-      </p:grpSpPr>
-      <p:sp>
-        <p:nvSpPr>
-          <p:cNvPr id="2" name="Title 1">
-            <a:extLst>
-              <a:ext uri="{FF2B5EF4-FFF2-40B4-BE49-F238E27FC236}">
-                <a16:creationId xmlns:a16="http://schemas.microsoft.com/office/drawing/2014/main" id="{84BEB4E9-C167-C15B-8B3C-F2BE02CACB93}"/>
-              </a:ext>
-            </a:extLst>
-          </p:cNvPr>
-          <p:cNvSpPr>
-            <a:spLocks noGrp="1"/>
-          </p:cNvSpPr>
-          <p:nvPr>
-            <p:ph type="title"/>
-          </p:nvPr>
-        </p:nvSpPr>
-        <p:spPr/>
-        <p:txBody>
-          <a:bodyPr/>
-          <a:lstStyle/>
-          <a:p>
-            <a:r>
-              <a:rPr lang="en-US"/>
-              <a:t>Persons Table displayed</a:t>
-            </a:r>
-          </a:p>
-        </p:txBody>
-      </p:sp>
-      <p:pic>
-        <p:nvPicPr>
-          <p:cNvPr id="4" name="Content Placeholder 3" descr="A screenshot of a computer&#10;&#10;Description automatically generated">
-            <a:extLst>
-              <a:ext uri="{FF2B5EF4-FFF2-40B4-BE49-F238E27FC236}">
-                <a16:creationId xmlns:a16="http://schemas.microsoft.com/office/drawing/2014/main" id="{41B0E815-CE0A-6A11-3CB7-499E3472351D}"/>
-              </a:ext>
-            </a:extLst>
-          </p:cNvPr>
-          <p:cNvPicPr>
-            <a:picLocks noGrp="1" noChangeAspect="1"/>
-          </p:cNvPicPr>
-          <p:nvPr>
-            <p:ph idx="1"/>
-          </p:nvPr>
-        </p:nvPicPr>
-        <p:blipFill>
-          <a:blip r:embed="rId2"/>
-          <a:stretch>
-            <a:fillRect/>
-          </a:stretch>
-        </p:blipFill>
-        <p:spPr>
-          <a:xfrm>
-            <a:off x="835781" y="1902921"/>
-            <a:ext cx="5768109" cy="4215437"/>
-          </a:xfrm>
-        </p:spPr>
-      </p:pic>
-    </p:spTree>
-    <p:extLst>
-      <p:ext uri="{BB962C8B-B14F-4D97-AF65-F5344CB8AC3E}">
-        <p14:creationId xmlns:p14="http://schemas.microsoft.com/office/powerpoint/2010/main" val="3071513136"/>
       </p:ext>
     </p:extLst>
   </p:cSld>
@@ -13837,7 +13571,7 @@
           <a:p>
             <a:pPr algn="ctr"/>
             <a:r>
-              <a:rPr lang="en-US" sz="3200" kern="1200">
+              <a:rPr lang="en-US" sz="3200" kern="1200" dirty="0">
                 <a:solidFill>
                   <a:schemeClr val="bg1"/>
                 </a:solidFill>
@@ -14586,6 +14320,14 @@
 </file>
 
 <file path=customXml/item1.xml><?xml version="1.0" encoding="utf-8"?>
+<p:properties xmlns:p="http://schemas.microsoft.com/office/2006/metadata/properties" xmlns:xsi="http://www.w3.org/2001/XMLSchema-instance" xmlns:pc="http://schemas.microsoft.com/office/infopath/2007/PartnerControls">
+  <documentManagement>
+    <_activity xmlns="b742ce95-2faa-4a22-82e8-96e19b9cf4ea" xsi:nil="true"/>
+  </documentManagement>
+</p:properties>
+</file>
+
+<file path=customXml/item2.xml><?xml version="1.0" encoding="utf-8"?>
 <ct:contentTypeSchema xmlns:ct="http://schemas.microsoft.com/office/2006/metadata/contentType" xmlns:ma="http://schemas.microsoft.com/office/2006/metadata/properties/metaAttributes" ct:_="" ma:_="" ma:contentTypeName="Document" ma:contentTypeID="0x01010056F948F6BEB7B341B96571AE139442B0" ma:contentTypeVersion="12" ma:contentTypeDescription="Create a new document." ma:contentTypeScope="" ma:versionID="6721203cfe2a7a12a4a0f1299bfb40de">
   <xsd:schema xmlns:xsd="http://www.w3.org/2001/XMLSchema" xmlns:xs="http://www.w3.org/2001/XMLSchema" xmlns:p="http://schemas.microsoft.com/office/2006/metadata/properties" xmlns:ns3="b742ce95-2faa-4a22-82e8-96e19b9cf4ea" xmlns:ns4="2b33b4fd-0a91-449d-bd98-b20828b1ccf0" targetNamespace="http://schemas.microsoft.com/office/2006/metadata/properties" ma:root="true" ma:fieldsID="b7b8a451c4601a44ef8e1103997042ae" ns3:_="" ns4:_="">
     <xsd:import namespace="b742ce95-2faa-4a22-82e8-96e19b9cf4ea"/>
@@ -14798,14 +14540,6 @@
 </ct:contentTypeSchema>
 </file>
 
-<file path=customXml/item2.xml><?xml version="1.0" encoding="utf-8"?>
-<p:properties xmlns:p="http://schemas.microsoft.com/office/2006/metadata/properties" xmlns:xsi="http://www.w3.org/2001/XMLSchema-instance" xmlns:pc="http://schemas.microsoft.com/office/infopath/2007/PartnerControls">
-  <documentManagement>
-    <_activity xmlns="b742ce95-2faa-4a22-82e8-96e19b9cf4ea" xsi:nil="true"/>
-  </documentManagement>
-</p:properties>
-</file>
-
 <file path=customXml/item3.xml><?xml version="1.0" encoding="utf-8"?>
 <?mso-contentType ?>
 <FormTemplates xmlns="http://schemas.microsoft.com/sharepoint/v3/contenttype/forms">
@@ -14816,6 +14550,23 @@
 </file>
 
 <file path=customXml/itemProps1.xml><?xml version="1.0" encoding="utf-8"?>
+<ds:datastoreItem xmlns:ds="http://schemas.openxmlformats.org/officeDocument/2006/customXml" ds:itemID="{9F11EE82-F976-4EB8-815A-9390D8BC23D0}">
+  <ds:schemaRefs>
+    <ds:schemaRef ds:uri="http://schemas.microsoft.com/office/2006/documentManagement/types"/>
+    <ds:schemaRef ds:uri="http://purl.org/dc/dcmitype/"/>
+    <ds:schemaRef ds:uri="http://schemas.microsoft.com/office/infopath/2007/PartnerControls"/>
+    <ds:schemaRef ds:uri="b742ce95-2faa-4a22-82e8-96e19b9cf4ea"/>
+    <ds:schemaRef ds:uri="http://schemas.microsoft.com/office/2006/metadata/properties"/>
+    <ds:schemaRef ds:uri="http://purl.org/dc/terms/"/>
+    <ds:schemaRef ds:uri="http://www.w3.org/XML/1998/namespace"/>
+    <ds:schemaRef ds:uri="http://schemas.openxmlformats.org/package/2006/metadata/core-properties"/>
+    <ds:schemaRef ds:uri="2b33b4fd-0a91-449d-bd98-b20828b1ccf0"/>
+    <ds:schemaRef ds:uri="http://purl.org/dc/elements/1.1/"/>
+  </ds:schemaRefs>
+</ds:datastoreItem>
+</file>
+
+<file path=customXml/itemProps2.xml><?xml version="1.0" encoding="utf-8"?>
 <ds:datastoreItem xmlns:ds="http://schemas.openxmlformats.org/officeDocument/2006/customXml" ds:itemID="{EF104770-FECE-4145-AD76-5E4AF9711534}">
   <ds:schemaRefs>
     <ds:schemaRef ds:uri="2b33b4fd-0a91-449d-bd98-b20828b1ccf0"/>
@@ -14834,23 +14585,6 @@
 </ds:datastoreItem>
 </file>
 
-<file path=customXml/itemProps2.xml><?xml version="1.0" encoding="utf-8"?>
-<ds:datastoreItem xmlns:ds="http://schemas.openxmlformats.org/officeDocument/2006/customXml" ds:itemID="{9F11EE82-F976-4EB8-815A-9390D8BC23D0}">
-  <ds:schemaRefs>
-    <ds:schemaRef ds:uri="http://schemas.microsoft.com/office/2006/documentManagement/types"/>
-    <ds:schemaRef ds:uri="http://purl.org/dc/dcmitype/"/>
-    <ds:schemaRef ds:uri="http://schemas.microsoft.com/office/infopath/2007/PartnerControls"/>
-    <ds:schemaRef ds:uri="b742ce95-2faa-4a22-82e8-96e19b9cf4ea"/>
-    <ds:schemaRef ds:uri="http://schemas.microsoft.com/office/2006/metadata/properties"/>
-    <ds:schemaRef ds:uri="http://purl.org/dc/terms/"/>
-    <ds:schemaRef ds:uri="http://www.w3.org/XML/1998/namespace"/>
-    <ds:schemaRef ds:uri="http://schemas.openxmlformats.org/package/2006/metadata/core-properties"/>
-    <ds:schemaRef ds:uri="2b33b4fd-0a91-449d-bd98-b20828b1ccf0"/>
-    <ds:schemaRef ds:uri="http://purl.org/dc/elements/1.1/"/>
-  </ds:schemaRefs>
-</ds:datastoreItem>
-</file>
-
 <file path=customXml/itemProps3.xml><?xml version="1.0" encoding="utf-8"?>
 <ds:datastoreItem xmlns:ds="http://schemas.openxmlformats.org/officeDocument/2006/customXml" ds:itemID="{9B1A677E-B4F8-4F36-915E-5AFD82CA6E77}">
   <ds:schemaRefs>
